--- a/Introduction to TypeScript.pptx
+++ b/Introduction to TypeScript.pptx
@@ -3917,33 +3917,17 @@
           <a:p>
             <a:r>
               <a:rPr lang="en-US" sz="3200" dirty="0" smtClean="0"/>
-              <a:t>Interfaces provide a way to define the expected structure of the </a:t>
-            </a:r>
+              <a:t>Interfaces provide a way to define the expected structure of the variable.</a:t>
+            </a:r>
+          </a:p>
+          <a:p>
             <a:r>
               <a:rPr lang="en-US" sz="3200" dirty="0" smtClean="0"/>
-              <a:t>variable.</a:t>
-            </a:r>
-          </a:p>
-          <a:p>
-            <a:r>
-              <a:rPr lang="en-US" sz="3200" dirty="0" smtClean="0"/>
-              <a:t>Unlike </a:t>
-            </a:r>
-            <a:r>
-              <a:rPr lang="en-US" sz="3200" dirty="0" smtClean="0"/>
-              <a:t>static languages, there is no need to explicitly implement the interface – only match the interface </a:t>
-            </a:r>
-            <a:r>
-              <a:rPr lang="en-US" sz="3200" dirty="0" smtClean="0"/>
-              <a:t>structure (</a:t>
+              <a:t>Unlike static languages, there is no need to explicitly implement the interface – only match the interface structure (</a:t>
             </a:r>
             <a:r>
               <a:rPr lang="en-US" sz="3200" b="1" dirty="0" smtClean="0"/>
-              <a:t>“</a:t>
-            </a:r>
-            <a:r>
-              <a:rPr lang="en-US" sz="3200" b="1" dirty="0" smtClean="0"/>
-              <a:t>duck</a:t>
+              <a:t>“duck</a:t>
             </a:r>
             <a:r>
               <a:rPr lang="en-US" sz="3200" dirty="0" smtClean="0"/>
@@ -3961,15 +3945,7 @@
           <a:p>
             <a:r>
               <a:rPr lang="en-US" sz="3200" dirty="0" smtClean="0"/>
-              <a:t> </a:t>
-            </a:r>
-            <a:r>
-              <a:rPr lang="en-US" sz="3200" dirty="0" smtClean="0"/>
-              <a:t>Interfaces have no equivalent in </a:t>
-            </a:r>
-            <a:r>
-              <a:rPr lang="en-US" sz="3200" dirty="0" smtClean="0"/>
-              <a:t>JavaScript.</a:t>
+              <a:t> Interfaces have no equivalent in JavaScript.</a:t>
             </a:r>
             <a:endParaRPr lang="he-IL" sz="3200" dirty="0"/>
           </a:p>
@@ -4095,11 +4071,7 @@
             </a:r>
             <a:r>
               <a:rPr lang="en-US" dirty="0" smtClean="0"/>
-              <a:t> </a:t>
-            </a:r>
-            <a:r>
-              <a:rPr lang="en-US" dirty="0" smtClean="0"/>
-              <a:t>Animal { </a:t>
+              <a:t> Animal { </a:t>
             </a:r>
           </a:p>
           <a:p>
@@ -4122,7 +4094,6 @@
               <a:rPr lang="en-US" dirty="0" smtClean="0"/>
               <a:t>; </a:t>
             </a:r>
-            <a:endParaRPr lang="en-US" dirty="0" smtClean="0"/>
           </a:p>
           <a:p>
             <a:pPr>
@@ -4130,11 +4101,7 @@
             </a:pPr>
             <a:r>
               <a:rPr lang="en-US" dirty="0" smtClean="0"/>
-              <a:t>	</a:t>
-            </a:r>
-            <a:r>
-              <a:rPr lang="en-US" dirty="0" smtClean="0"/>
-              <a:t>name: </a:t>
+              <a:t>	name: </a:t>
             </a:r>
             <a:r>
               <a:rPr lang="en-US" dirty="0" smtClean="0">
@@ -4155,11 +4122,7 @@
             </a:pPr>
             <a:r>
               <a:rPr lang="en-US" dirty="0" smtClean="0"/>
-              <a:t>	</a:t>
-            </a:r>
-            <a:r>
-              <a:rPr lang="en-US" dirty="0" smtClean="0"/>
-              <a:t>owner: </a:t>
+              <a:t>	owner: </a:t>
             </a:r>
             <a:r>
               <a:rPr lang="en-US" dirty="0" smtClean="0">
@@ -4180,11 +4143,7 @@
             </a:pPr>
             <a:r>
               <a:rPr lang="en-US" dirty="0" smtClean="0"/>
-              <a:t>	</a:t>
-            </a:r>
-            <a:r>
-              <a:rPr lang="en-US" dirty="0" smtClean="0"/>
-              <a:t>height: </a:t>
+              <a:t>	height: </a:t>
             </a:r>
             <a:r>
               <a:rPr lang="en-US" dirty="0" smtClean="0">
@@ -4235,10 +4194,6 @@
             <a:r>
               <a:rPr lang="en-US" dirty="0" smtClean="0"/>
               <a:t>} </a:t>
-            </a:r>
-            <a:r>
-              <a:rPr lang="en-US" dirty="0" smtClean="0"/>
-              <a:t/>
             </a:r>
             <a:br>
               <a:rPr lang="en-US" dirty="0" smtClean="0"/>
@@ -4337,11 +4292,7 @@
           <a:p>
             <a:r>
               <a:rPr lang="en-US" sz="2800" dirty="0" smtClean="0"/>
-              <a:t>Optional </a:t>
-            </a:r>
-            <a:r>
-              <a:rPr lang="en-US" sz="2800" dirty="0" smtClean="0"/>
-              <a:t>Properties</a:t>
+              <a:t>Optional Properties</a:t>
             </a:r>
           </a:p>
           <a:p>
@@ -4354,13 +4305,8 @@
             </a:r>
             <a:r>
               <a:rPr lang="en-US" sz="2000" dirty="0" smtClean="0"/>
-              <a:t>Not </a:t>
-            </a:r>
-            <a:r>
-              <a:rPr lang="en-US" sz="2000" dirty="0" smtClean="0"/>
-              <a:t>all properties of an interface may be required. Some exist under certain conditions or may not be there at all.</a:t>
-            </a:r>
-            <a:endParaRPr lang="en-US" sz="2000" dirty="0" smtClean="0"/>
+              <a:t>Not all properties of an interface may be required. Some exist under certain conditions or may not be there at all.</a:t>
+            </a:r>
           </a:p>
           <a:p>
             <a:endParaRPr lang="en-US" dirty="0" smtClean="0"/>
@@ -4432,11 +4378,7 @@
             </a:pPr>
             <a:r>
               <a:rPr lang="en-US" dirty="0" smtClean="0"/>
-              <a:t>	</a:t>
-            </a:r>
-            <a:r>
-              <a:rPr lang="en-US" dirty="0" smtClean="0"/>
-              <a:t>owner?: </a:t>
+              <a:t>	owner?: </a:t>
             </a:r>
             <a:r>
               <a:rPr lang="en-US" dirty="0" smtClean="0">
@@ -4457,11 +4399,7 @@
             </a:pPr>
             <a:r>
               <a:rPr lang="en-US" dirty="0" smtClean="0"/>
-              <a:t>	</a:t>
-            </a:r>
-            <a:r>
-              <a:rPr lang="en-US" dirty="0" smtClean="0"/>
-              <a:t>height?: </a:t>
+              <a:t>	height?: </a:t>
             </a:r>
             <a:r>
               <a:rPr lang="en-US" dirty="0" smtClean="0">
@@ -4612,11 +4550,7 @@
           <a:p>
             <a:r>
               <a:rPr lang="en-US" sz="2800" dirty="0" smtClean="0"/>
-              <a:t>Classes are the main building blocks of </a:t>
-            </a:r>
-            <a:r>
-              <a:rPr lang="en-US" sz="2800" dirty="0" smtClean="0"/>
-              <a:t>OOP.</a:t>
+              <a:t>Classes are the main building blocks of OOP.</a:t>
             </a:r>
           </a:p>
           <a:p>
@@ -4638,49 +4572,13 @@
             </a:r>
             <a:r>
               <a:rPr lang="en-US" sz="2800" dirty="0" smtClean="0"/>
-              <a:t> 6, JavaScript </a:t>
-            </a:r>
+              <a:t> 6, JavaScript also supports object-oriented class-based approach. In TypeScript, developers can use these techniques, and compile them down to JavaScript that works across all major browsers and platforms. </a:t>
+            </a:r>
+          </a:p>
+          <a:p>
             <a:r>
               <a:rPr lang="en-US" sz="2800" dirty="0" smtClean="0"/>
-              <a:t>also supports object-oriented </a:t>
-            </a:r>
-            <a:r>
-              <a:rPr lang="en-US" sz="2800" dirty="0" smtClean="0"/>
-              <a:t>class-based approach. In TypeScript, </a:t>
-            </a:r>
-            <a:r>
-              <a:rPr lang="en-US" sz="2800" dirty="0" smtClean="0"/>
-              <a:t>developers can use </a:t>
-            </a:r>
-            <a:r>
-              <a:rPr lang="en-US" sz="2800" dirty="0" smtClean="0"/>
-              <a:t>these </a:t>
-            </a:r>
-            <a:r>
-              <a:rPr lang="en-US" sz="2800" dirty="0" smtClean="0"/>
-              <a:t>techniques, </a:t>
-            </a:r>
-            <a:r>
-              <a:rPr lang="en-US" sz="2800" dirty="0" smtClean="0"/>
-              <a:t>and compile them down to JavaScript that works across all major browsers and </a:t>
-            </a:r>
-            <a:r>
-              <a:rPr lang="en-US" sz="2800" dirty="0" smtClean="0"/>
-              <a:t>platforms. </a:t>
-            </a:r>
-          </a:p>
-          <a:p>
-            <a:r>
-              <a:rPr lang="en-US" sz="2800" dirty="0" smtClean="0"/>
-              <a:t>Classes </a:t>
-            </a:r>
-            <a:r>
-              <a:rPr lang="en-US" sz="2800" dirty="0" smtClean="0"/>
-              <a:t>can derive from other classes, implement interfaces, and have </a:t>
-            </a:r>
-            <a:r>
-              <a:rPr lang="en-US" sz="2800" dirty="0" smtClean="0"/>
-              <a:t>access modifiers.</a:t>
+              <a:t>Classes can derive from other classes, implement interfaces, and have access modifiers.</a:t>
             </a:r>
             <a:endParaRPr lang="he-IL" sz="2800" dirty="0"/>
           </a:p>
@@ -4855,7 +4753,6 @@
               <a:rPr lang="en-US" dirty="0" smtClean="0"/>
               <a:t>; </a:t>
             </a:r>
-            <a:endParaRPr lang="en-US" dirty="0" smtClean="0"/>
           </a:p>
           <a:p>
             <a:pPr>
@@ -4863,11 +4760,7 @@
             </a:pPr>
             <a:r>
               <a:rPr lang="en-US" dirty="0" smtClean="0"/>
-              <a:t>	</a:t>
-            </a:r>
-            <a:r>
-              <a:rPr lang="en-US" dirty="0" smtClean="0"/>
-              <a:t>	name = </a:t>
+              <a:t>		name = </a:t>
             </a:r>
             <a:r>
               <a:rPr lang="en-US" dirty="0" smtClean="0">
@@ -4941,11 +4834,7 @@
             </a:pPr>
             <a:r>
               <a:rPr lang="en-US" dirty="0" smtClean="0"/>
-              <a:t>	</a:t>
-            </a:r>
-            <a:r>
-              <a:rPr lang="en-US" dirty="0" smtClean="0"/>
-              <a:t>		</a:t>
+              <a:t>			</a:t>
             </a:r>
             <a:r>
               <a:rPr lang="en-US" dirty="0" err="1" smtClean="0">
@@ -4972,11 +4861,7 @@
             </a:pPr>
             <a:r>
               <a:rPr lang="en-US" dirty="0" smtClean="0"/>
-              <a:t>	</a:t>
-            </a:r>
-            <a:r>
-              <a:rPr lang="en-US" dirty="0" smtClean="0"/>
-              <a:t>		</a:t>
+              <a:t>			</a:t>
             </a:r>
             <a:r>
               <a:rPr lang="en-US" dirty="0" smtClean="0">
@@ -4999,13 +4884,8 @@
             </a:pPr>
             <a:r>
               <a:rPr lang="en-US" dirty="0" smtClean="0"/>
-              <a:t>	</a:t>
-            </a:r>
-            <a:r>
-              <a:rPr lang="en-US" dirty="0" smtClean="0"/>
-              <a:t>	}</a:t>
-            </a:r>
-            <a:endParaRPr lang="en-US" dirty="0" smtClean="0"/>
+              <a:t>		}</a:t>
+            </a:r>
           </a:p>
           <a:p>
             <a:pPr>
@@ -5240,48 +5120,23 @@
               <a:rPr lang="en-US" sz="2800" dirty="0" smtClean="0"/>
               <a:t>In TypeScript, we can use common object-oriented patterns. One of the most fundamental patterns in class-based programming is being able to extend existing classes to create new ones using inheritance.</a:t>
             </a:r>
-            <a:endParaRPr lang="en-US" sz="2800" dirty="0" smtClean="0"/>
           </a:p>
           <a:p>
             <a:r>
               <a:rPr lang="en-US" sz="2800" dirty="0" smtClean="0"/>
-              <a:t>Class </a:t>
-            </a:r>
+              <a:t>Class inheritance is done via the extends keyword.</a:t>
+            </a:r>
+          </a:p>
+          <a:p>
             <a:r>
               <a:rPr lang="en-US" sz="2800" dirty="0" smtClean="0"/>
-              <a:t>inheritance is done via the extends </a:t>
-            </a:r>
+              <a:t>Inheritance is based on prototype inheritance.</a:t>
+            </a:r>
+          </a:p>
+          <a:p>
             <a:r>
               <a:rPr lang="en-US" sz="2800" dirty="0" smtClean="0"/>
-              <a:t>keyword.</a:t>
-            </a:r>
-          </a:p>
-          <a:p>
-            <a:r>
-              <a:rPr lang="en-US" sz="2800" dirty="0" smtClean="0"/>
-              <a:t>Inheritance </a:t>
-            </a:r>
-            <a:r>
-              <a:rPr lang="en-US" sz="2800" dirty="0" smtClean="0"/>
-              <a:t>is based on prototype </a:t>
-            </a:r>
-            <a:r>
-              <a:rPr lang="en-US" sz="2800" dirty="0" smtClean="0"/>
-              <a:t>inheritance.</a:t>
-            </a:r>
-          </a:p>
-          <a:p>
-            <a:r>
-              <a:rPr lang="en-US" sz="2800" dirty="0" smtClean="0"/>
-              <a:t>Interface implementation is done </a:t>
-            </a:r>
-            <a:r>
-              <a:rPr lang="en-US" sz="2800" dirty="0" smtClean="0"/>
-              <a:t>via the implements </a:t>
-            </a:r>
-            <a:r>
-              <a:rPr lang="en-US" sz="2800" dirty="0" smtClean="0"/>
-              <a:t>keyword.</a:t>
+              <a:t>Interface implementation is done via the implements keyword.</a:t>
             </a:r>
             <a:endParaRPr lang="he-IL" sz="2800" dirty="0"/>
           </a:p>
@@ -5521,32 +5376,16 @@
             </a:pPr>
             <a:r>
               <a:rPr lang="en-US" sz="2800" dirty="0" smtClean="0"/>
-              <a:t>Just as </a:t>
-            </a:r>
+              <a:t>Just as in JavaScript, TypeScript functions can be</a:t>
+            </a:r>
+          </a:p>
+          <a:p>
+            <a:pPr>
+              <a:buNone/>
+            </a:pPr>
             <a:r>
               <a:rPr lang="en-US" sz="2800" dirty="0" smtClean="0"/>
-              <a:t>in JavaScript, TypeScript functions can </a:t>
-            </a:r>
-            <a:r>
-              <a:rPr lang="en-US" sz="2800" dirty="0" smtClean="0"/>
-              <a:t>be</a:t>
-            </a:r>
-          </a:p>
-          <a:p>
-            <a:pPr>
-              <a:buNone/>
-            </a:pPr>
-            <a:r>
-              <a:rPr lang="en-US" sz="2800" dirty="0" smtClean="0"/>
-              <a:t>created </a:t>
-            </a:r>
-            <a:r>
-              <a:rPr lang="en-US" sz="2800" dirty="0" smtClean="0"/>
-              <a:t>both as a named function or as an </a:t>
-            </a:r>
-            <a:r>
-              <a:rPr lang="en-US" sz="2800" dirty="0" smtClean="0"/>
-              <a:t>anonymous</a:t>
+              <a:t>created both as a named function or as an anonymous</a:t>
             </a:r>
           </a:p>
           <a:p>
@@ -6113,15 +5952,7 @@
           <a:p>
             <a:r>
               <a:rPr lang="en-US" sz="2000" dirty="0" smtClean="0"/>
-              <a:t>In </a:t>
-            </a:r>
-            <a:r>
-              <a:rPr lang="en-US" sz="2000" dirty="0" smtClean="0"/>
-              <a:t>TypeScript, every parameter is assumed to be required by </a:t>
-            </a:r>
-            <a:r>
-              <a:rPr lang="en-US" sz="2000" dirty="0" smtClean="0"/>
-              <a:t>the</a:t>
+              <a:t>In TypeScript, every parameter is assumed to be required by the</a:t>
             </a:r>
           </a:p>
           <a:p>
@@ -6133,37 +5964,13 @@
           <a:p>
             <a:r>
               <a:rPr lang="en-US" sz="2000" dirty="0" smtClean="0"/>
-              <a:t>This </a:t>
-            </a:r>
+              <a:t>This doesn’t mean that it can’t be given null or undefined.</a:t>
+            </a:r>
+          </a:p>
+          <a:p>
             <a:r>
               <a:rPr lang="en-US" sz="2000" dirty="0" smtClean="0"/>
-              <a:t>doesn’t mean that it can’t be given </a:t>
-            </a:r>
-            <a:r>
-              <a:rPr lang="en-US" sz="2000" dirty="0" smtClean="0"/>
-              <a:t>null or</a:t>
-            </a:r>
-            <a:r>
-              <a:rPr lang="en-US" sz="2000" dirty="0" smtClean="0"/>
-              <a:t> </a:t>
-            </a:r>
-            <a:r>
-              <a:rPr lang="en-US" sz="2000" dirty="0" smtClean="0"/>
-              <a:t>undefined.</a:t>
-            </a:r>
-          </a:p>
-          <a:p>
-            <a:r>
-              <a:rPr lang="en-US" sz="2000" dirty="0" smtClean="0"/>
-              <a:t>The </a:t>
-            </a:r>
-            <a:r>
-              <a:rPr lang="en-US" sz="2000" dirty="0" smtClean="0"/>
-              <a:t>compiler also assumes that these parameters are the </a:t>
-            </a:r>
-            <a:r>
-              <a:rPr lang="en-US" sz="2000" dirty="0" smtClean="0"/>
-              <a:t>only</a:t>
+              <a:t>The compiler also assumes that these parameters are the only</a:t>
             </a:r>
           </a:p>
           <a:p>
@@ -6175,40 +5982,19 @@
           <a:p>
             <a:r>
               <a:rPr lang="en-US" sz="2000" dirty="0" smtClean="0"/>
-              <a:t>that </a:t>
-            </a:r>
+              <a:t>that will be passed to the function. </a:t>
+            </a:r>
+          </a:p>
+          <a:p>
             <a:r>
               <a:rPr lang="en-US" sz="2000" dirty="0" smtClean="0"/>
-              <a:t>will be passed to the function. </a:t>
-            </a:r>
-            <a:endParaRPr lang="en-US" sz="2000" dirty="0" smtClean="0"/>
+              <a:t>In short, the number of arguments given to a function has to</a:t>
+            </a:r>
           </a:p>
           <a:p>
             <a:r>
               <a:rPr lang="en-US" sz="2000" dirty="0" smtClean="0"/>
-              <a:t>In </a:t>
-            </a:r>
-            <a:r>
-              <a:rPr lang="en-US" sz="2000" dirty="0" smtClean="0"/>
-              <a:t>short, the number of arguments given to a function has </a:t>
-            </a:r>
-            <a:r>
-              <a:rPr lang="en-US" sz="2000" dirty="0" smtClean="0"/>
-              <a:t>to</a:t>
-            </a:r>
-          </a:p>
-          <a:p>
-            <a:r>
-              <a:rPr lang="en-US" sz="2000" dirty="0" smtClean="0"/>
-              <a:t>match the number </a:t>
-            </a:r>
-            <a:r>
-              <a:rPr lang="en-US" sz="2000" dirty="0" smtClean="0"/>
-              <a:t>of parameters the function </a:t>
-            </a:r>
-            <a:r>
-              <a:rPr lang="en-US" sz="2000" dirty="0" smtClean="0"/>
-              <a:t>expects.</a:t>
+              <a:t>match the number of parameters the function expects.</a:t>
             </a:r>
           </a:p>
         </p:txBody>
@@ -6313,11 +6099,7 @@
           <a:p>
             <a:r>
               <a:rPr lang="en-US" sz="3800" dirty="0" smtClean="0"/>
-              <a:t>Functions </a:t>
-            </a:r>
-            <a:r>
-              <a:rPr lang="en-US" sz="3800" dirty="0" smtClean="0"/>
-              <a:t>optional &amp; default parameters</a:t>
+              <a:t>Functions optional &amp; default parameters</a:t>
             </a:r>
             <a:endParaRPr lang="he-IL" sz="3800" dirty="0"/>
           </a:p>
@@ -6342,104 +6124,49 @@
           <a:p>
             <a:r>
               <a:rPr lang="en-US" sz="2000" dirty="0" smtClean="0"/>
-              <a:t>In JavaScript, every parameter is optional, and users may leave them off </a:t>
-            </a:r>
+              <a:t>In JavaScript, every parameter is optional, and users may leave them off as</a:t>
+            </a:r>
+          </a:p>
+          <a:p>
             <a:r>
               <a:rPr lang="en-US" sz="2000" dirty="0" smtClean="0"/>
-              <a:t>as</a:t>
+              <a:t>they see fit. </a:t>
             </a:r>
           </a:p>
           <a:p>
             <a:r>
               <a:rPr lang="en-US" sz="2000" dirty="0" smtClean="0"/>
-              <a:t>they </a:t>
-            </a:r>
+              <a:t>When they do, their value is undefined. </a:t>
+            </a:r>
+          </a:p>
+          <a:p>
             <a:r>
               <a:rPr lang="en-US" sz="2000" dirty="0" smtClean="0"/>
-              <a:t>see fit. </a:t>
-            </a:r>
-            <a:endParaRPr lang="en-US" sz="2000" dirty="0" smtClean="0"/>
+              <a:t>We can get this functionality in TypeScript by adding a ? to the end of</a:t>
+            </a:r>
           </a:p>
           <a:p>
             <a:r>
               <a:rPr lang="en-US" sz="2000" dirty="0" smtClean="0"/>
-              <a:t>When </a:t>
-            </a:r>
+              <a:t>parameters we want to be optional. </a:t>
+            </a:r>
+          </a:p>
+          <a:p>
+            <a:pPr>
+              <a:buNone/>
+            </a:pPr>
             <a:r>
               <a:rPr lang="en-US" sz="2000" dirty="0" smtClean="0"/>
-              <a:t>they do, their value is undefined. </a:t>
-            </a:r>
-            <a:endParaRPr lang="en-US" sz="2000" dirty="0" smtClean="0"/>
-          </a:p>
-          <a:p>
+              <a:t>For example, let’s say we want the last name parameter from</a:t>
+            </a:r>
+          </a:p>
+          <a:p>
+            <a:pPr>
+              <a:buNone/>
+            </a:pPr>
             <a:r>
               <a:rPr lang="en-US" sz="2000" dirty="0" smtClean="0"/>
-              <a:t>We </a:t>
-            </a:r>
-            <a:r>
-              <a:rPr lang="en-US" sz="2000" dirty="0" smtClean="0"/>
-              <a:t>can get </a:t>
-            </a:r>
-            <a:r>
-              <a:rPr lang="en-US" sz="2000" dirty="0" smtClean="0"/>
-              <a:t>this functionality </a:t>
-            </a:r>
-            <a:r>
-              <a:rPr lang="en-US" sz="2000" dirty="0" smtClean="0"/>
-              <a:t>in TypeScript by adding a ? to the end </a:t>
-            </a:r>
-            <a:r>
-              <a:rPr lang="en-US" sz="2000" dirty="0" smtClean="0"/>
-              <a:t>of</a:t>
-            </a:r>
-          </a:p>
-          <a:p>
-            <a:r>
-              <a:rPr lang="en-US" sz="2000" dirty="0" smtClean="0"/>
-              <a:t>parameters </a:t>
-            </a:r>
-            <a:r>
-              <a:rPr lang="en-US" sz="2000" dirty="0" smtClean="0"/>
-              <a:t>we want </a:t>
-            </a:r>
-            <a:r>
-              <a:rPr lang="en-US" sz="2000" dirty="0" smtClean="0"/>
-              <a:t>to be </a:t>
-            </a:r>
-            <a:r>
-              <a:rPr lang="en-US" sz="2000" dirty="0" smtClean="0"/>
-              <a:t>optional. </a:t>
-            </a:r>
-            <a:endParaRPr lang="en-US" sz="2000" dirty="0" smtClean="0"/>
-          </a:p>
-          <a:p>
-            <a:pPr>
-              <a:buNone/>
-            </a:pPr>
-            <a:r>
-              <a:rPr lang="en-US" sz="2000" dirty="0" smtClean="0"/>
-              <a:t>For </a:t>
-            </a:r>
-            <a:r>
-              <a:rPr lang="en-US" sz="2000" dirty="0" smtClean="0"/>
-              <a:t>example, let’s say we want the last name parameter </a:t>
-            </a:r>
-            <a:r>
-              <a:rPr lang="en-US" sz="2000" dirty="0" smtClean="0"/>
-              <a:t>from</a:t>
-            </a:r>
-          </a:p>
-          <a:p>
-            <a:pPr>
-              <a:buNone/>
-            </a:pPr>
-            <a:r>
-              <a:rPr lang="en-US" sz="2000" dirty="0" smtClean="0"/>
-              <a:t>above </a:t>
-            </a:r>
-            <a:r>
-              <a:rPr lang="en-US" sz="2000" dirty="0" smtClean="0"/>
-              <a:t>to be optional:</a:t>
+              <a:t>above to be optional:</a:t>
             </a:r>
             <a:endParaRPr lang="he-IL" sz="2000" dirty="0"/>
           </a:p>
@@ -6545,15 +6272,7 @@
           <a:p>
             <a:r>
               <a:rPr lang="en-US" sz="3800" dirty="0" smtClean="0"/>
-              <a:t>Functions </a:t>
-            </a:r>
-            <a:r>
-              <a:rPr lang="en-US" sz="3800" dirty="0" smtClean="0"/>
-              <a:t>optional &amp; default </a:t>
-            </a:r>
-            <a:r>
-              <a:rPr lang="en-US" sz="3800" dirty="0" smtClean="0"/>
-              <a:t>parameters</a:t>
+              <a:t>Functions optional &amp; default parameters</a:t>
             </a:r>
             <a:endParaRPr lang="he-IL" sz="3800" dirty="0"/>
           </a:p>
@@ -6578,42 +6297,25 @@
           <a:p>
             <a:r>
               <a:rPr lang="en-US" sz="2000" dirty="0" smtClean="0"/>
-              <a:t>In TypeScript, we can also set a value that a parameter will be assigned if the user does not provide one, or if the user passes undefined in its place</a:t>
-            </a:r>
+              <a:t>In TypeScript, we can also set a value that a parameter will be assigned if the user does not provide one, or if the user passes undefined in its place.</a:t>
+            </a:r>
+          </a:p>
+          <a:p>
             <a:r>
               <a:rPr lang="en-US" sz="2000" dirty="0" smtClean="0"/>
-              <a:t>.</a:t>
-            </a:r>
-          </a:p>
-          <a:p>
+              <a:t>These are called default-initialized parameters. </a:t>
+            </a:r>
+          </a:p>
+          <a:p>
+            <a:endParaRPr lang="en-US" sz="2000" dirty="0" smtClean="0"/>
+          </a:p>
+          <a:p>
+            <a:pPr>
+              <a:buNone/>
+            </a:pPr>
             <a:r>
               <a:rPr lang="en-US" sz="2000" dirty="0" smtClean="0"/>
-              <a:t>These </a:t>
-            </a:r>
-            <a:r>
-              <a:rPr lang="en-US" sz="2000" dirty="0" smtClean="0"/>
-              <a:t>are called default-initialized parameters. </a:t>
-            </a:r>
-            <a:endParaRPr lang="en-US" sz="2000" dirty="0" smtClean="0"/>
-          </a:p>
-          <a:p>
-            <a:endParaRPr lang="en-US" sz="2000" dirty="0" smtClean="0"/>
-          </a:p>
-          <a:p>
-            <a:pPr>
-              <a:buNone/>
-            </a:pPr>
-            <a:r>
-              <a:rPr lang="en-US" sz="2000" dirty="0" smtClean="0"/>
-              <a:t>Let’s </a:t>
-            </a:r>
-            <a:r>
-              <a:rPr lang="en-US" sz="2000" dirty="0" smtClean="0"/>
-              <a:t>take the previous example and default the last name to </a:t>
-            </a:r>
-            <a:r>
-              <a:rPr lang="en-US" sz="2000" dirty="0" smtClean="0"/>
-              <a:t>"Smith".</a:t>
+              <a:t>Let’s take the previous example and default the last name to "Smith".</a:t>
             </a:r>
             <a:endParaRPr lang="he-IL" sz="2000" dirty="0"/>
           </a:p>
@@ -6737,26 +6439,12 @@
               <a:rPr lang="en-US" sz="2000" dirty="0" smtClean="0"/>
               <a:t>A major part of software engineering is building components that not only have well-defined and consistent APIs, but are also reusable. </a:t>
             </a:r>
-            <a:endParaRPr lang="en-US" sz="2000" dirty="0" smtClean="0"/>
           </a:p>
           <a:p>
             <a:r>
               <a:rPr lang="en-US" sz="2000" dirty="0" smtClean="0"/>
-              <a:t>Generics is the capability to create components that can work with </a:t>
-            </a:r>
-            <a:r>
-              <a:rPr lang="en-US" sz="2000" dirty="0" smtClean="0"/>
-              <a:t>a variety </a:t>
-            </a:r>
-            <a:r>
-              <a:rPr lang="en-US" sz="2000" dirty="0" smtClean="0"/>
-              <a:t>of </a:t>
-            </a:r>
-            <a:r>
-              <a:rPr lang="en-US" sz="2000" dirty="0" smtClean="0"/>
-              <a:t>types.</a:t>
-            </a:r>
-            <a:endParaRPr lang="en-US" sz="2000" dirty="0" smtClean="0"/>
+              <a:t>Generics is the capability to create components that can work with a variety of types.</a:t>
+            </a:r>
           </a:p>
           <a:p>
             <a:r>
@@ -6765,11 +6453,7 @@
             </a:r>
             <a:r>
               <a:rPr lang="en-US" sz="2000" dirty="0" smtClean="0"/>
-              <a:t> </a:t>
-            </a:r>
-            <a:r>
-              <a:rPr lang="en-US" sz="2000" dirty="0" smtClean="0"/>
-              <a:t>generics does not </a:t>
+              <a:t> generics does not </a:t>
             </a:r>
             <a:r>
               <a:rPr lang="en-US" sz="2000" dirty="0" err="1" smtClean="0"/>
@@ -6777,11 +6461,7 @@
             </a:r>
             <a:r>
               <a:rPr lang="en-US" sz="2000" dirty="0" smtClean="0"/>
-              <a:t> to anything special than a regular </a:t>
-            </a:r>
-            <a:r>
-              <a:rPr lang="en-US" sz="2000" dirty="0" smtClean="0"/>
-              <a:t>object.</a:t>
+              <a:t> to anything special than a regular object.</a:t>
             </a:r>
             <a:endParaRPr lang="he-IL" sz="2000" dirty="0"/>
           </a:p>
@@ -6887,11 +6567,7 @@
           <a:p>
             <a:r>
               <a:rPr lang="en-US" dirty="0" smtClean="0"/>
-              <a:t>Generic </a:t>
-            </a:r>
-            <a:r>
-              <a:rPr lang="en-US" dirty="0" smtClean="0"/>
-              <a:t>Constraints</a:t>
+              <a:t>Generic Constraints</a:t>
             </a:r>
             <a:endParaRPr lang="he-IL" dirty="0"/>
           </a:p>
@@ -6916,33 +6592,13 @@
           <a:p>
             <a:r>
               <a:rPr lang="en-US" sz="2000" dirty="0" smtClean="0"/>
-              <a:t>Sometimes you want </a:t>
-            </a:r>
+              <a:t>Sometimes you want to write a generic function or class that works on a set of types where you have some knowledge about what capabilities that set of types will have.</a:t>
+            </a:r>
+          </a:p>
+          <a:p>
             <a:r>
               <a:rPr lang="en-US" sz="2000" dirty="0" smtClean="0"/>
-              <a:t>to write a generic </a:t>
-            </a:r>
-            <a:r>
-              <a:rPr lang="en-US" sz="2000" dirty="0" smtClean="0"/>
-              <a:t>function or class </a:t>
-            </a:r>
-            <a:r>
-              <a:rPr lang="en-US" sz="2000" dirty="0" smtClean="0"/>
-              <a:t>that works on a set of types where you have some knowledge about what capabilities that set of types will </a:t>
-            </a:r>
-            <a:r>
-              <a:rPr lang="en-US" sz="2000" dirty="0" smtClean="0"/>
-              <a:t>have.</a:t>
-            </a:r>
-          </a:p>
-          <a:p>
-            <a:r>
-              <a:rPr lang="en-US" sz="2000" dirty="0" smtClean="0"/>
-              <a:t>The generic type can have constraints which will allow only specific types to be used as the </a:t>
-            </a:r>
-            <a:r>
-              <a:rPr lang="en-US" sz="2000" dirty="0" smtClean="0"/>
-              <a:t>types.</a:t>
+              <a:t>The generic type can have constraints which will allow only specific types to be used as the types.</a:t>
             </a:r>
           </a:p>
           <a:p>
@@ -7204,62 +6860,25 @@
             </a:r>
             <a:r>
               <a:rPr lang="en-US" dirty="0" smtClean="0"/>
-              <a:t>that compiles to clean JavaScript </a:t>
-            </a:r>
-            <a:r>
-              <a:rPr lang="en-US" dirty="0" smtClean="0"/>
-              <a:t>output.</a:t>
-            </a:r>
-          </a:p>
-          <a:p>
-            <a:r>
-              <a:rPr lang="en-US" dirty="0" smtClean="0"/>
-              <a:t>JavaScript </a:t>
-            </a:r>
-            <a:r>
-              <a:rPr lang="en-US" dirty="0" smtClean="0"/>
-              <a:t>program is also a valid TypeScript </a:t>
-            </a:r>
-            <a:r>
-              <a:rPr lang="en-US" dirty="0" smtClean="0"/>
-              <a:t>program.</a:t>
-            </a:r>
-          </a:p>
-          <a:p>
-            <a:r>
-              <a:rPr lang="en-US" dirty="0" smtClean="0"/>
-              <a:t>TypeScript </a:t>
-            </a:r>
-            <a:r>
-              <a:rPr lang="en-US" dirty="0" smtClean="0"/>
-              <a:t>provides static typing</a:t>
-            </a:r>
-            <a:r>
-              <a:rPr lang="en-US" dirty="0" smtClean="0"/>
-              <a:t> through type annotations to enable </a:t>
-            </a:r>
-            <a:r>
-              <a:rPr lang="en-US" dirty="0" smtClean="0"/>
-              <a:t>type checking</a:t>
-            </a:r>
-            <a:r>
-              <a:rPr lang="en-US" dirty="0" smtClean="0"/>
-              <a:t> at </a:t>
-            </a:r>
-            <a:r>
-              <a:rPr lang="en-US" dirty="0" smtClean="0"/>
-              <a:t>compile time.</a:t>
-            </a:r>
-            <a:endParaRPr lang="en-US" dirty="0" smtClean="0"/>
-          </a:p>
-          <a:p>
-            <a:r>
-              <a:rPr lang="en-US" dirty="0" smtClean="0"/>
-              <a:t>TypeScript was first made public in October 2012 (at version 0.8), after two years of internal development at </a:t>
-            </a:r>
-            <a:r>
-              <a:rPr lang="en-US" dirty="0" smtClean="0"/>
-              <a:t>Microsoft.</a:t>
+              <a:t>that compiles to clean JavaScript output.</a:t>
+            </a:r>
+          </a:p>
+          <a:p>
+            <a:r>
+              <a:rPr lang="en-US" dirty="0" smtClean="0"/>
+              <a:t>JavaScript program is also a valid TypeScript program.</a:t>
+            </a:r>
+          </a:p>
+          <a:p>
+            <a:r>
+              <a:rPr lang="en-US" dirty="0" smtClean="0"/>
+              <a:t>TypeScript provides static typing through type annotations to enable type checking at compile time.</a:t>
+            </a:r>
+          </a:p>
+          <a:p>
+            <a:r>
+              <a:rPr lang="en-US" dirty="0" smtClean="0"/>
+              <a:t>TypeScript was first made public in October 2012 (at version 0.8), after two years of internal development at Microsoft.</a:t>
             </a:r>
           </a:p>
           <a:p>
@@ -7374,12 +6993,20 @@
           </a:p>
           <a:p>
             <a:r>
-              <a:rPr lang="en-GB" dirty="0" smtClean="0"/>
-              <a:t>TypeScript providing </a:t>
+              <a:rPr lang="en-GB" smtClean="0"/>
+              <a:t>TypeScript </a:t>
+            </a:r>
+            <a:r>
+              <a:rPr lang="en-GB" smtClean="0"/>
+              <a:t>provides </a:t>
             </a:r>
             <a:r>
               <a:rPr lang="en-GB" b="1" dirty="0" smtClean="0"/>
-              <a:t>static typing</a:t>
+              <a:t>static </a:t>
+            </a:r>
+            <a:r>
+              <a:rPr lang="en-GB" b="1" dirty="0" smtClean="0"/>
+              <a:t>typing</a:t>
             </a:r>
             <a:r>
               <a:rPr lang="en-GB" dirty="0" smtClean="0"/>
@@ -7705,33 +7332,21 @@
             <a:pPr lvl="1" algn="l" rtl="0"/>
             <a:r>
               <a:rPr lang="en-US" dirty="0" smtClean="0"/>
-              <a:t>s</a:t>
-            </a:r>
-            <a:r>
-              <a:rPr lang="en-US" dirty="0" smtClean="0"/>
-              <a:t>tring</a:t>
+              <a:t>string</a:t>
             </a:r>
           </a:p>
           <a:p>
             <a:pPr lvl="1" algn="l" rtl="0"/>
             <a:r>
               <a:rPr lang="en-US" dirty="0" smtClean="0"/>
-              <a:t>a</a:t>
-            </a:r>
-            <a:r>
-              <a:rPr lang="en-US" dirty="0" smtClean="0"/>
-              <a:t>ny</a:t>
+              <a:t>any</a:t>
             </a:r>
           </a:p>
           <a:p>
             <a:pPr lvl="1" algn="l" rtl="0"/>
             <a:r>
               <a:rPr lang="en-US" dirty="0" smtClean="0"/>
-              <a:t>v</a:t>
-            </a:r>
-            <a:r>
-              <a:rPr lang="en-US" dirty="0" smtClean="0"/>
-              <a:t>oid</a:t>
+              <a:t>void</a:t>
             </a:r>
           </a:p>
           <a:p>
@@ -7859,17 +7474,7 @@
                   </a:schemeClr>
                 </a:solidFill>
               </a:rPr>
-              <a:t>b</a:t>
-            </a:r>
-            <a:r>
-              <a:rPr lang="en-US" sz="2800" dirty="0" err="1" smtClean="0">
-                <a:solidFill>
-                  <a:schemeClr val="accent1">
-                    <a:lumMod val="75000"/>
-                  </a:schemeClr>
-                </a:solidFill>
-              </a:rPr>
-              <a:t>oolean</a:t>
+              <a:t>boolean</a:t>
             </a:r>
             <a:endParaRPr lang="en-US" sz="2800" dirty="0" smtClean="0">
               <a:solidFill>
@@ -7911,7 +7516,6 @@
               <a:rPr lang="en-US" sz="2000" dirty="0" smtClean="0"/>
               <a:t> value.</a:t>
             </a:r>
-            <a:endParaRPr lang="en-US" sz="2000" dirty="0" smtClean="0"/>
           </a:p>
           <a:p>
             <a:r>
@@ -7922,8 +7526,40 @@
                   </a:schemeClr>
                 </a:solidFill>
               </a:rPr>
-              <a:t>n</a:t>
-            </a:r>
+              <a:t>number </a:t>
+            </a:r>
+          </a:p>
+          <a:p>
+            <a:pPr>
+              <a:buNone/>
+            </a:pPr>
+            <a:r>
+              <a:rPr lang="en-US" sz="2000" dirty="0" smtClean="0"/>
+              <a:t>	As in JavaScript, all numbers in TypeScript are floating point values. </a:t>
+            </a:r>
+          </a:p>
+          <a:p>
+            <a:pPr>
+              <a:buNone/>
+            </a:pPr>
+            <a:r>
+              <a:rPr lang="en-US" sz="2000" dirty="0" smtClean="0"/>
+              <a:t>	These floating point numbers get the type </a:t>
+            </a:r>
+            <a:r>
+              <a:rPr lang="en-US" sz="2000" dirty="0" smtClean="0">
+                <a:solidFill>
+                  <a:srgbClr val="FF0000"/>
+                </a:solidFill>
+              </a:rPr>
+              <a:t>number</a:t>
+            </a:r>
+            <a:r>
+              <a:rPr lang="en-US" sz="2000" dirty="0" smtClean="0"/>
+              <a:t>. </a:t>
+            </a:r>
+          </a:p>
+          <a:p>
             <a:r>
               <a:rPr lang="en-US" sz="2800" dirty="0" smtClean="0">
                 <a:solidFill>
@@ -7932,7 +7568,7 @@
                   </a:schemeClr>
                 </a:solidFill>
               </a:rPr>
-              <a:t>umber </a:t>
+              <a:t>string</a:t>
             </a:r>
           </a:p>
           <a:p>
@@ -7941,73 +7577,7 @@
             </a:pPr>
             <a:r>
               <a:rPr lang="en-US" sz="2000" dirty="0" smtClean="0"/>
-              <a:t>	As </a:t>
-            </a:r>
-            <a:r>
-              <a:rPr lang="en-US" sz="2000" dirty="0" smtClean="0"/>
-              <a:t>in JavaScript, all numbers in TypeScript are floating point values. </a:t>
-            </a:r>
-            <a:endParaRPr lang="en-US" sz="2000" dirty="0" smtClean="0"/>
-          </a:p>
-          <a:p>
-            <a:pPr>
-              <a:buNone/>
-            </a:pPr>
-            <a:r>
-              <a:rPr lang="en-US" sz="2000" dirty="0" smtClean="0"/>
-              <a:t>	These floating </a:t>
-            </a:r>
-            <a:r>
-              <a:rPr lang="en-US" sz="2000" dirty="0" smtClean="0"/>
-              <a:t>point numbers get the type </a:t>
-            </a:r>
-            <a:r>
-              <a:rPr lang="en-US" sz="2000" dirty="0" smtClean="0">
-                <a:solidFill>
-                  <a:srgbClr val="FF0000"/>
-                </a:solidFill>
-              </a:rPr>
-              <a:t>number</a:t>
-            </a:r>
-            <a:r>
-              <a:rPr lang="en-US" sz="2000" dirty="0" smtClean="0"/>
-              <a:t>. </a:t>
-            </a:r>
-            <a:endParaRPr lang="en-US" sz="2000" dirty="0" smtClean="0"/>
-          </a:p>
-          <a:p>
-            <a:r>
-              <a:rPr lang="en-US" sz="2800" dirty="0" smtClean="0">
-                <a:solidFill>
-                  <a:schemeClr val="accent1">
-                    <a:lumMod val="75000"/>
-                  </a:schemeClr>
-                </a:solidFill>
-              </a:rPr>
-              <a:t>s</a:t>
-            </a:r>
-            <a:r>
-              <a:rPr lang="en-US" sz="2800" dirty="0" smtClean="0">
-                <a:solidFill>
-                  <a:schemeClr val="accent1">
-                    <a:lumMod val="75000"/>
-                  </a:schemeClr>
-                </a:solidFill>
-              </a:rPr>
-              <a:t>tring</a:t>
-            </a:r>
-          </a:p>
-          <a:p>
-            <a:pPr>
-              <a:buNone/>
-            </a:pPr>
-            <a:r>
-              <a:rPr lang="en-US" sz="2000" dirty="0" smtClean="0"/>
-              <a:t>	Just </a:t>
-            </a:r>
-            <a:r>
-              <a:rPr lang="en-US" sz="2000" dirty="0" smtClean="0"/>
-              <a:t>like JavaScript, TypeScript also uses double quotes (") or single quotes (') to surround </a:t>
+              <a:t>	Just like JavaScript, TypeScript also uses double quotes (") or single quotes (') to surround </a:t>
             </a:r>
             <a:r>
               <a:rPr lang="en-US" sz="2000" dirty="0" smtClean="0">
@@ -8165,11 +7735,7 @@
             </a:pPr>
             <a:r>
               <a:rPr lang="en-US" sz="2000" dirty="0" smtClean="0"/>
-              <a:t>	 TypeScript, like JavaScript, allows you to work with arrays of </a:t>
-            </a:r>
-            <a:r>
-              <a:rPr lang="en-US" sz="2000" dirty="0" smtClean="0"/>
-              <a:t>values.</a:t>
+              <a:t>	 TypeScript, like JavaScript, allows you to work with arrays of values.</a:t>
             </a:r>
           </a:p>
           <a:p>
@@ -8265,13 +7831,17 @@
             </a:r>
             <a:r>
               <a:rPr lang="en-US" sz="2000" dirty="0" smtClean="0"/>
-              <a:t>We </a:t>
-            </a:r>
+              <a:t>We may need to describe the type of variables that we do not know when we are writing an application. </a:t>
+            </a:r>
+          </a:p>
+          <a:p>
+            <a:pPr>
+              <a:buNone/>
+            </a:pPr>
             <a:r>
               <a:rPr lang="en-US" sz="2000" dirty="0" smtClean="0"/>
-              <a:t>may need to describe the type of variables that we do not know when we are writing an application. </a:t>
-            </a:r>
-            <a:endParaRPr lang="en-US" sz="2000" dirty="0" smtClean="0"/>
+              <a:t>	These values may come from dynamic content, e.g. from the user or a 3rd party library. </a:t>
+            </a:r>
           </a:p>
           <a:p>
             <a:pPr>
@@ -8279,51 +7849,16 @@
             </a:pPr>
             <a:r>
               <a:rPr lang="en-US" sz="2000" dirty="0" smtClean="0"/>
-              <a:t>	</a:t>
-            </a:r>
+              <a:t>	In these cases, we want to opt-out of type-checking and let the values pass through compile-time checks. </a:t>
+            </a:r>
+          </a:p>
+          <a:p>
+            <a:pPr>
+              <a:buNone/>
+            </a:pPr>
             <a:r>
               <a:rPr lang="en-US" sz="2000" dirty="0" smtClean="0"/>
-              <a:t>These </a:t>
-            </a:r>
-            <a:r>
-              <a:rPr lang="en-US" sz="2000" dirty="0" smtClean="0"/>
-              <a:t>values may come from dynamic content, e.g. from the user or a 3rd party library. </a:t>
-            </a:r>
-            <a:endParaRPr lang="en-US" sz="2000" dirty="0" smtClean="0"/>
-          </a:p>
-          <a:p>
-            <a:pPr>
-              <a:buNone/>
-            </a:pPr>
-            <a:r>
-              <a:rPr lang="en-US" sz="2000" dirty="0" smtClean="0"/>
-              <a:t>	</a:t>
-            </a:r>
-            <a:r>
-              <a:rPr lang="en-US" sz="2000" dirty="0" smtClean="0"/>
-              <a:t>In </a:t>
-            </a:r>
-            <a:r>
-              <a:rPr lang="en-US" sz="2000" dirty="0" smtClean="0"/>
-              <a:t>these cases, we want to opt-out of type-checking and let the values pass through compile-time checks. </a:t>
-            </a:r>
-            <a:endParaRPr lang="en-US" sz="2000" dirty="0" smtClean="0"/>
-          </a:p>
-          <a:p>
-            <a:pPr>
-              <a:buNone/>
-            </a:pPr>
-            <a:r>
-              <a:rPr lang="en-US" sz="2000" dirty="0" smtClean="0"/>
-              <a:t>	</a:t>
-            </a:r>
-            <a:r>
-              <a:rPr lang="en-US" sz="2000" dirty="0" smtClean="0"/>
-              <a:t>To </a:t>
-            </a:r>
-            <a:r>
-              <a:rPr lang="en-US" sz="2000" dirty="0" smtClean="0"/>
-              <a:t>do so, we label these with the any type</a:t>
+              <a:t>	To do so, we label these with the any type</a:t>
             </a:r>
             <a:endParaRPr lang="en-US" sz="2000" dirty="0" smtClean="0">
               <a:solidFill>
@@ -8432,17 +7967,7 @@
                   </a:schemeClr>
                 </a:solidFill>
               </a:rPr>
-              <a:t>v</a:t>
-            </a:r>
-            <a:r>
-              <a:rPr lang="en-US" sz="2800" dirty="0" smtClean="0">
-                <a:solidFill>
-                  <a:schemeClr val="accent1">
-                    <a:lumMod val="75000"/>
-                  </a:schemeClr>
-                </a:solidFill>
-              </a:rPr>
-              <a:t>oid</a:t>
+              <a:t>void</a:t>
             </a:r>
           </a:p>
           <a:p>
@@ -8469,37 +7994,16 @@
             </a:r>
             <a:r>
               <a:rPr lang="en-US" sz="2000" dirty="0" smtClean="0"/>
-              <a:t> is a little like the opposite of </a:t>
-            </a:r>
+              <a:t> is a little like the opposite of any, the absence of having any type at all. </a:t>
+            </a:r>
+          </a:p>
+          <a:p>
+            <a:pPr>
+              <a:buNone/>
+            </a:pPr>
             <a:r>
               <a:rPr lang="en-US" sz="2000" dirty="0" smtClean="0"/>
-              <a:t>any, the </a:t>
-            </a:r>
-            <a:r>
-              <a:rPr lang="en-US" sz="2000" dirty="0" smtClean="0"/>
-              <a:t>absence of having any type at all. </a:t>
-            </a:r>
-            <a:endParaRPr lang="en-US" sz="2000" dirty="0" smtClean="0"/>
-          </a:p>
-          <a:p>
-            <a:pPr>
-              <a:buNone/>
-            </a:pPr>
-            <a:r>
-              <a:rPr lang="en-US" sz="2000" dirty="0" smtClean="0"/>
-              <a:t>	</a:t>
-            </a:r>
-            <a:r>
-              <a:rPr lang="en-US" sz="2000" dirty="0" smtClean="0"/>
-              <a:t>You </a:t>
-            </a:r>
-            <a:r>
-              <a:rPr lang="en-US" sz="2000" dirty="0" smtClean="0"/>
-              <a:t>may commonly see this as the return type of functions that do not return a </a:t>
-            </a:r>
-            <a:r>
-              <a:rPr lang="en-US" sz="2000" dirty="0" smtClean="0"/>
-              <a:t>value.</a:t>
+              <a:t>	You may commonly see this as the return type of functions that do not return a value.</a:t>
             </a:r>
           </a:p>
           <a:p>
@@ -8552,11 +8056,7 @@
             </a:r>
             <a:r>
               <a:rPr lang="en-US" sz="2000" dirty="0" smtClean="0"/>
-              <a:t>(): </a:t>
-            </a:r>
-            <a:r>
-              <a:rPr lang="en-US" sz="2000" dirty="0" smtClean="0"/>
-              <a:t> </a:t>
+              <a:t>():  </a:t>
             </a:r>
             <a:r>
               <a:rPr lang="en-US" sz="2000" b="1" dirty="0" smtClean="0">
@@ -8568,25 +8068,16 @@
             </a:r>
             <a:r>
               <a:rPr lang="en-US" sz="2000" dirty="0" smtClean="0"/>
-              <a:t> </a:t>
-            </a:r>
+              <a:t> { </a:t>
+            </a:r>
+          </a:p>
+          <a:p>
+            <a:pPr>
+              <a:buNone/>
+            </a:pPr>
             <a:r>
               <a:rPr lang="en-US" sz="2000" dirty="0" smtClean="0"/>
-              <a:t>{ </a:t>
-            </a:r>
-            <a:endParaRPr lang="en-US" sz="2000" dirty="0" smtClean="0"/>
-          </a:p>
-          <a:p>
-            <a:pPr>
-              <a:buNone/>
-            </a:pPr>
-            <a:r>
-              <a:rPr lang="en-US" sz="2000" dirty="0" smtClean="0"/>
-              <a:t>	</a:t>
-            </a:r>
-            <a:r>
-              <a:rPr lang="en-US" sz="2000" dirty="0" smtClean="0"/>
-              <a:t>	</a:t>
+              <a:t>		</a:t>
             </a:r>
             <a:r>
               <a:rPr lang="en-US" sz="2000" dirty="0" smtClean="0">
@@ -8608,7 +8099,6 @@
               <a:rPr lang="en-US" sz="2000" dirty="0" smtClean="0"/>
               <a:t>("This is my warning message"); </a:t>
             </a:r>
-            <a:endParaRPr lang="en-US" sz="2000" dirty="0" smtClean="0"/>
           </a:p>
           <a:p>
             <a:pPr>
@@ -8616,11 +8106,7 @@
             </a:pPr>
             <a:r>
               <a:rPr lang="en-US" sz="2000" dirty="0" smtClean="0"/>
-              <a:t>	</a:t>
-            </a:r>
-            <a:r>
-              <a:rPr lang="en-US" sz="2000" dirty="0" smtClean="0"/>
-              <a:t>}</a:t>
+              <a:t>	}</a:t>
             </a:r>
             <a:endParaRPr lang="he-IL" sz="2000" dirty="0">
               <a:solidFill>

--- a/Introduction to TypeScript.pptx
+++ b/Introduction to TypeScript.pptx
@@ -5,34 +5,33 @@
     <p:sldMasterId id="2147483648" r:id="rId1"/>
   </p:sldMasterIdLst>
   <p:notesMasterIdLst>
-    <p:notesMasterId r:id="rId27"/>
+    <p:notesMasterId r:id="rId26"/>
   </p:notesMasterIdLst>
   <p:sldIdLst>
     <p:sldId id="256" r:id="rId2"/>
-    <p:sldId id="257" r:id="rId3"/>
-    <p:sldId id="258" r:id="rId4"/>
-    <p:sldId id="259" r:id="rId5"/>
-    <p:sldId id="260" r:id="rId6"/>
-    <p:sldId id="261" r:id="rId7"/>
-    <p:sldId id="263" r:id="rId8"/>
-    <p:sldId id="264" r:id="rId9"/>
-    <p:sldId id="265" r:id="rId10"/>
-    <p:sldId id="262" r:id="rId11"/>
-    <p:sldId id="266" r:id="rId12"/>
-    <p:sldId id="267" r:id="rId13"/>
-    <p:sldId id="268" r:id="rId14"/>
-    <p:sldId id="269" r:id="rId15"/>
-    <p:sldId id="270" r:id="rId16"/>
-    <p:sldId id="271" r:id="rId17"/>
-    <p:sldId id="272" r:id="rId18"/>
-    <p:sldId id="273" r:id="rId19"/>
-    <p:sldId id="274" r:id="rId20"/>
-    <p:sldId id="275" r:id="rId21"/>
-    <p:sldId id="276" r:id="rId22"/>
-    <p:sldId id="277" r:id="rId23"/>
-    <p:sldId id="278" r:id="rId24"/>
-    <p:sldId id="279" r:id="rId25"/>
-    <p:sldId id="280" r:id="rId26"/>
+    <p:sldId id="258" r:id="rId3"/>
+    <p:sldId id="259" r:id="rId4"/>
+    <p:sldId id="260" r:id="rId5"/>
+    <p:sldId id="261" r:id="rId6"/>
+    <p:sldId id="263" r:id="rId7"/>
+    <p:sldId id="264" r:id="rId8"/>
+    <p:sldId id="265" r:id="rId9"/>
+    <p:sldId id="262" r:id="rId10"/>
+    <p:sldId id="266" r:id="rId11"/>
+    <p:sldId id="267" r:id="rId12"/>
+    <p:sldId id="268" r:id="rId13"/>
+    <p:sldId id="269" r:id="rId14"/>
+    <p:sldId id="270" r:id="rId15"/>
+    <p:sldId id="271" r:id="rId16"/>
+    <p:sldId id="272" r:id="rId17"/>
+    <p:sldId id="273" r:id="rId18"/>
+    <p:sldId id="274" r:id="rId19"/>
+    <p:sldId id="275" r:id="rId20"/>
+    <p:sldId id="276" r:id="rId21"/>
+    <p:sldId id="277" r:id="rId22"/>
+    <p:sldId id="278" r:id="rId23"/>
+    <p:sldId id="279" r:id="rId24"/>
+    <p:sldId id="280" r:id="rId25"/>
   </p:sldIdLst>
   <p:sldSz cx="9144000" cy="6858000" type="screen4x3"/>
   <p:notesSz cx="6858000" cy="9144000"/>
@@ -131,6 +130,22 @@
       </a:defRPr>
     </a:lvl9pPr>
   </p:defaultTextStyle>
+  <p:extLst>
+    <p:ext uri="{EFAFB233-063F-42B5-8137-9DF3F51BA10A}">
+      <p15:sldGuideLst xmlns:p15="http://schemas.microsoft.com/office/powerpoint/2012/main">
+        <p15:guide id="1" orient="horz" pos="2160">
+          <p15:clr>
+            <a:srgbClr val="A4A3A4"/>
+          </p15:clr>
+        </p15:guide>
+        <p15:guide id="2" pos="2880">
+          <p15:clr>
+            <a:srgbClr val="A4A3A4"/>
+          </p15:clr>
+        </p15:guide>
+      </p15:sldGuideLst>
+    </p:ext>
+  </p:extLst>
 </p:presentation>
 </file>
 
@@ -217,7 +232,7 @@
             <a:fld id="{8BE0CD9D-25F7-49FF-A77B-FEDF2B970EDC}" type="datetimeFigureOut">
               <a:rPr lang="he-IL" smtClean="0"/>
               <a:pPr/>
-              <a:t>ב'/כסלו/תשע"ט</a:t>
+              <a:t>י"ב/כסלו/תשע"ט</a:t>
             </a:fld>
             <a:endParaRPr lang="he-IL"/>
           </a:p>
@@ -283,35 +298,35 @@
           <a:p>
             <a:pPr lvl="0"/>
             <a:r>
-              <a:rPr lang="en-US" smtClean="0"/>
+              <a:rPr lang="en-US"/>
               <a:t>Click to edit Master text styles</a:t>
             </a:r>
           </a:p>
           <a:p>
             <a:pPr lvl="1"/>
             <a:r>
-              <a:rPr lang="en-US" smtClean="0"/>
+              <a:rPr lang="en-US"/>
               <a:t>Second level</a:t>
             </a:r>
           </a:p>
           <a:p>
             <a:pPr lvl="2"/>
             <a:r>
-              <a:rPr lang="en-US" smtClean="0"/>
+              <a:rPr lang="en-US"/>
               <a:t>Third level</a:t>
             </a:r>
           </a:p>
           <a:p>
             <a:pPr lvl="3"/>
             <a:r>
-              <a:rPr lang="en-US" smtClean="0"/>
+              <a:rPr lang="en-US"/>
               <a:t>Fourth level</a:t>
             </a:r>
           </a:p>
           <a:p>
             <a:pPr lvl="4"/>
             <a:r>
-              <a:rPr lang="en-US" smtClean="0"/>
+              <a:rPr lang="en-US"/>
               <a:t>Fifth level</a:t>
             </a:r>
             <a:endParaRPr lang="he-IL"/>
@@ -483,88 +498,6 @@
 </p:notesMaster>
 </file>
 
-<file path=ppt/notesSlides/notesSlide1.xml><?xml version="1.0" encoding="utf-8"?>
-<p:notes xmlns:a="http://schemas.openxmlformats.org/drawingml/2006/main" xmlns:r="http://schemas.openxmlformats.org/officeDocument/2006/relationships" xmlns:p="http://schemas.openxmlformats.org/presentationml/2006/main">
-  <p:cSld>
-    <p:spTree>
-      <p:nvGrpSpPr>
-        <p:cNvPr id="1" name=""/>
-        <p:cNvGrpSpPr/>
-        <p:nvPr/>
-      </p:nvGrpSpPr>
-      <p:grpSpPr>
-        <a:xfrm>
-          <a:off x="0" y="0"/>
-          <a:ext cx="0" cy="0"/>
-          <a:chOff x="0" y="0"/>
-          <a:chExt cx="0" cy="0"/>
-        </a:xfrm>
-      </p:grpSpPr>
-      <p:sp>
-        <p:nvSpPr>
-          <p:cNvPr id="2" name="Slide Image Placeholder 1"/>
-          <p:cNvSpPr>
-            <a:spLocks noGrp="1" noRot="1" noChangeAspect="1"/>
-          </p:cNvSpPr>
-          <p:nvPr>
-            <p:ph type="sldImg"/>
-          </p:nvPr>
-        </p:nvSpPr>
-        <p:spPr/>
-      </p:sp>
-      <p:sp>
-        <p:nvSpPr>
-          <p:cNvPr id="3" name="Notes Placeholder 2"/>
-          <p:cNvSpPr>
-            <a:spLocks noGrp="1"/>
-          </p:cNvSpPr>
-          <p:nvPr>
-            <p:ph type="body" idx="1"/>
-          </p:nvPr>
-        </p:nvSpPr>
-        <p:spPr/>
-        <p:txBody>
-          <a:bodyPr>
-            <a:normAutofit/>
-          </a:bodyPr>
-          <a:lstStyle/>
-          <a:p>
-            <a:endParaRPr lang="he-IL"/>
-          </a:p>
-        </p:txBody>
-      </p:sp>
-      <p:sp>
-        <p:nvSpPr>
-          <p:cNvPr id="4" name="Slide Number Placeholder 3"/>
-          <p:cNvSpPr>
-            <a:spLocks noGrp="1"/>
-          </p:cNvSpPr>
-          <p:nvPr>
-            <p:ph type="sldNum" sz="quarter" idx="10"/>
-          </p:nvPr>
-        </p:nvSpPr>
-        <p:spPr/>
-        <p:txBody>
-          <a:bodyPr/>
-          <a:lstStyle/>
-          <a:p>
-            <a:fld id="{ABD576CE-518B-4253-A8E6-062B8D4AB165}" type="slidenum">
-              <a:rPr lang="he-IL" smtClean="0"/>
-              <a:pPr/>
-              <a:t>2</a:t>
-            </a:fld>
-            <a:endParaRPr lang="he-IL"/>
-          </a:p>
-        </p:txBody>
-      </p:sp>
-    </p:spTree>
-  </p:cSld>
-  <p:clrMapOvr>
-    <a:masterClrMapping/>
-  </p:clrMapOvr>
-</p:notes>
-</file>
-
 <file path=ppt/slideLayouts/slideLayout1.xml><?xml version="1.0" encoding="utf-8"?>
 <p:sldLayout xmlns:a="http://schemas.openxmlformats.org/drawingml/2006/main" xmlns:r="http://schemas.openxmlformats.org/officeDocument/2006/relationships" xmlns:p="http://schemas.openxmlformats.org/presentationml/2006/main" type="title" preserve="1">
   <p:cSld name="Title Slide">
@@ -603,7 +536,7 @@
           <a:lstStyle/>
           <a:p>
             <a:r>
-              <a:rPr lang="en-US" dirty="0" smtClean="0"/>
+              <a:rPr lang="en-US" dirty="0"/>
               <a:t>Click to edit Master title style</a:t>
             </a:r>
             <a:endParaRPr lang="he-IL" dirty="0"/>
@@ -723,21 +656,21 @@
           </a:lstStyle>
           <a:p>
             <a:r>
-              <a:rPr lang="en-US" dirty="0" smtClean="0"/>
+              <a:rPr lang="en-US" dirty="0"/>
               <a:t>Click to edit </a:t>
             </a:r>
             <a:r>
-              <a:rPr lang="en-US" dirty="0" err="1" smtClean="0"/>
+              <a:rPr lang="en-US" dirty="0" err="1"/>
               <a:t>Mawegwegwgster</a:t>
             </a:r>
             <a:r>
-              <a:rPr lang="en-US" dirty="0" smtClean="0"/>
+              <a:rPr lang="en-US" dirty="0"/>
               <a:t> subtitle style</a:t>
             </a:r>
           </a:p>
           <a:p>
             <a:r>
-              <a:rPr lang="en-US" dirty="0" err="1" smtClean="0"/>
+              <a:rPr lang="en-US" dirty="0" err="1"/>
               <a:t>er</a:t>
             </a:r>
             <a:endParaRPr lang="he-IL" dirty="0"/>
@@ -779,7 +712,7 @@
           <a:lstStyle/>
           <a:p>
             <a:r>
-              <a:rPr lang="en-US" smtClean="0"/>
+              <a:rPr lang="en-US"/>
               <a:t>Israel Zablianov ©  2018</a:t>
             </a:r>
             <a:endParaRPr lang="he-IL"/>
@@ -851,7 +784,7 @@
           <a:lstStyle/>
           <a:p>
             <a:r>
-              <a:rPr lang="en-US" smtClean="0"/>
+              <a:rPr lang="en-US"/>
               <a:t>Click to edit Master title style</a:t>
             </a:r>
             <a:endParaRPr lang="he-IL"/>
@@ -875,35 +808,35 @@
           <a:p>
             <a:pPr lvl="0"/>
             <a:r>
-              <a:rPr lang="en-US" smtClean="0"/>
+              <a:rPr lang="en-US"/>
               <a:t>Click to edit Master text styles</a:t>
             </a:r>
           </a:p>
           <a:p>
             <a:pPr lvl="1"/>
             <a:r>
-              <a:rPr lang="en-US" smtClean="0"/>
+              <a:rPr lang="en-US"/>
               <a:t>Second level</a:t>
             </a:r>
           </a:p>
           <a:p>
             <a:pPr lvl="2"/>
             <a:r>
-              <a:rPr lang="en-US" smtClean="0"/>
+              <a:rPr lang="en-US"/>
               <a:t>Third level</a:t>
             </a:r>
           </a:p>
           <a:p>
             <a:pPr lvl="3"/>
             <a:r>
-              <a:rPr lang="en-US" smtClean="0"/>
+              <a:rPr lang="en-US"/>
               <a:t>Fourth level</a:t>
             </a:r>
           </a:p>
           <a:p>
             <a:pPr lvl="4"/>
             <a:r>
-              <a:rPr lang="en-US" smtClean="0"/>
+              <a:rPr lang="en-US"/>
               <a:t>Fifth level</a:t>
             </a:r>
             <a:endParaRPr lang="he-IL"/>
@@ -945,7 +878,7 @@
           <a:lstStyle/>
           <a:p>
             <a:r>
-              <a:rPr lang="en-US" smtClean="0"/>
+              <a:rPr lang="en-US"/>
               <a:t>Israel Zablianov ©  2018</a:t>
             </a:r>
             <a:endParaRPr lang="he-IL"/>
@@ -1022,7 +955,7 @@
           <a:lstStyle/>
           <a:p>
             <a:r>
-              <a:rPr lang="en-US" smtClean="0"/>
+              <a:rPr lang="en-US"/>
               <a:t>Click to edit Master title style</a:t>
             </a:r>
             <a:endParaRPr lang="he-IL"/>
@@ -1051,35 +984,35 @@
           <a:p>
             <a:pPr lvl="0"/>
             <a:r>
-              <a:rPr lang="en-US" smtClean="0"/>
+              <a:rPr lang="en-US"/>
               <a:t>Click to edit Master text styles</a:t>
             </a:r>
           </a:p>
           <a:p>
             <a:pPr lvl="1"/>
             <a:r>
-              <a:rPr lang="en-US" smtClean="0"/>
+              <a:rPr lang="en-US"/>
               <a:t>Second level</a:t>
             </a:r>
           </a:p>
           <a:p>
             <a:pPr lvl="2"/>
             <a:r>
-              <a:rPr lang="en-US" smtClean="0"/>
+              <a:rPr lang="en-US"/>
               <a:t>Third level</a:t>
             </a:r>
           </a:p>
           <a:p>
             <a:pPr lvl="3"/>
             <a:r>
-              <a:rPr lang="en-US" smtClean="0"/>
+              <a:rPr lang="en-US"/>
               <a:t>Fourth level</a:t>
             </a:r>
           </a:p>
           <a:p>
             <a:pPr lvl="4"/>
             <a:r>
-              <a:rPr lang="en-US" smtClean="0"/>
+              <a:rPr lang="en-US"/>
               <a:t>Fifth level</a:t>
             </a:r>
             <a:endParaRPr lang="he-IL"/>
@@ -1121,7 +1054,7 @@
           <a:lstStyle/>
           <a:p>
             <a:r>
-              <a:rPr lang="en-US" smtClean="0"/>
+              <a:rPr lang="en-US"/>
               <a:t>Israel Zablianov ©  2018</a:t>
             </a:r>
             <a:endParaRPr lang="he-IL"/>
@@ -1193,7 +1126,7 @@
           <a:lstStyle/>
           <a:p>
             <a:r>
-              <a:rPr lang="en-US" smtClean="0"/>
+              <a:rPr lang="en-US"/>
               <a:t>Click to edit Master title style</a:t>
             </a:r>
             <a:endParaRPr lang="he-IL"/>
@@ -1227,40 +1160,40 @@
           <a:p>
             <a:pPr lvl="0"/>
             <a:r>
-              <a:rPr lang="en-US" dirty="0" smtClean="0"/>
+              <a:rPr lang="en-US" dirty="0"/>
               <a:t>Click to edit Master text styles</a:t>
             </a:r>
           </a:p>
           <a:p>
             <a:pPr lvl="1"/>
             <a:r>
-              <a:rPr lang="en-US" dirty="0" smtClean="0"/>
+              <a:rPr lang="en-US" dirty="0"/>
               <a:t>Second level</a:t>
             </a:r>
           </a:p>
           <a:p>
             <a:pPr lvl="2"/>
             <a:r>
-              <a:rPr lang="en-US" dirty="0" smtClean="0"/>
+              <a:rPr lang="en-US" dirty="0"/>
               <a:t>Third </a:t>
             </a:r>
             <a:r>
-              <a:rPr lang="en-US" dirty="0" err="1" smtClean="0"/>
+              <a:rPr lang="en-US" dirty="0" err="1"/>
               <a:t>lescvel</a:t>
             </a:r>
-            <a:endParaRPr lang="en-US" dirty="0" smtClean="0"/>
+            <a:endParaRPr lang="en-US" dirty="0"/>
           </a:p>
           <a:p>
             <a:pPr lvl="3"/>
             <a:r>
-              <a:rPr lang="en-US" dirty="0" smtClean="0"/>
+              <a:rPr lang="en-US" dirty="0"/>
               <a:t>Fourth level</a:t>
             </a:r>
           </a:p>
           <a:p>
             <a:pPr lvl="4"/>
             <a:r>
-              <a:rPr lang="en-US" dirty="0" smtClean="0"/>
+              <a:rPr lang="en-US" dirty="0"/>
               <a:t>Fifth level</a:t>
             </a:r>
             <a:endParaRPr lang="he-IL" dirty="0"/>
@@ -1302,7 +1235,7 @@
           <a:lstStyle/>
           <a:p>
             <a:r>
-              <a:rPr lang="en-US" smtClean="0"/>
+              <a:rPr lang="en-US"/>
               <a:t>Israel Zablianov ©  2018</a:t>
             </a:r>
             <a:endParaRPr lang="he-IL"/>
@@ -1383,7 +1316,7 @@
           </a:lstStyle>
           <a:p>
             <a:r>
-              <a:rPr lang="en-US" smtClean="0"/>
+              <a:rPr lang="en-US"/>
               <a:t>Click to edit Master title style</a:t>
             </a:r>
             <a:endParaRPr lang="he-IL"/>
@@ -1503,7 +1436,7 @@
           <a:p>
             <a:pPr lvl="0"/>
             <a:r>
-              <a:rPr lang="en-US" smtClean="0"/>
+              <a:rPr lang="en-US"/>
               <a:t>Click to edit Master text styles</a:t>
             </a:r>
           </a:p>
@@ -1544,7 +1477,7 @@
           <a:lstStyle/>
           <a:p>
             <a:r>
-              <a:rPr lang="en-US" smtClean="0"/>
+              <a:rPr lang="en-US"/>
               <a:t>Israel Zablianov ©  2018</a:t>
             </a:r>
             <a:endParaRPr lang="he-IL"/>
@@ -1616,7 +1549,7 @@
           <a:lstStyle/>
           <a:p>
             <a:r>
-              <a:rPr lang="en-US" smtClean="0"/>
+              <a:rPr lang="en-US"/>
               <a:t>Click to edit Master title style</a:t>
             </a:r>
             <a:endParaRPr lang="he-IL"/>
@@ -1673,35 +1606,35 @@
           <a:p>
             <a:pPr lvl="0"/>
             <a:r>
-              <a:rPr lang="en-US" smtClean="0"/>
+              <a:rPr lang="en-US"/>
               <a:t>Click to edit Master text styles</a:t>
             </a:r>
           </a:p>
           <a:p>
             <a:pPr lvl="1"/>
             <a:r>
-              <a:rPr lang="en-US" smtClean="0"/>
+              <a:rPr lang="en-US"/>
               <a:t>Second level</a:t>
             </a:r>
           </a:p>
           <a:p>
             <a:pPr lvl="2"/>
             <a:r>
-              <a:rPr lang="en-US" smtClean="0"/>
+              <a:rPr lang="en-US"/>
               <a:t>Third level</a:t>
             </a:r>
           </a:p>
           <a:p>
             <a:pPr lvl="3"/>
             <a:r>
-              <a:rPr lang="en-US" smtClean="0"/>
+              <a:rPr lang="en-US"/>
               <a:t>Fourth level</a:t>
             </a:r>
           </a:p>
           <a:p>
             <a:pPr lvl="4"/>
             <a:r>
-              <a:rPr lang="en-US" smtClean="0"/>
+              <a:rPr lang="en-US"/>
               <a:t>Fifth level</a:t>
             </a:r>
             <a:endParaRPr lang="he-IL"/>
@@ -1758,35 +1691,35 @@
           <a:p>
             <a:pPr lvl="0"/>
             <a:r>
-              <a:rPr lang="en-US" smtClean="0"/>
+              <a:rPr lang="en-US"/>
               <a:t>Click to edit Master text styles</a:t>
             </a:r>
           </a:p>
           <a:p>
             <a:pPr lvl="1"/>
             <a:r>
-              <a:rPr lang="en-US" smtClean="0"/>
+              <a:rPr lang="en-US"/>
               <a:t>Second level</a:t>
             </a:r>
           </a:p>
           <a:p>
             <a:pPr lvl="2"/>
             <a:r>
-              <a:rPr lang="en-US" smtClean="0"/>
+              <a:rPr lang="en-US"/>
               <a:t>Third level</a:t>
             </a:r>
           </a:p>
           <a:p>
             <a:pPr lvl="3"/>
             <a:r>
-              <a:rPr lang="en-US" smtClean="0"/>
+              <a:rPr lang="en-US"/>
               <a:t>Fourth level</a:t>
             </a:r>
           </a:p>
           <a:p>
             <a:pPr lvl="4"/>
             <a:r>
-              <a:rPr lang="en-US" smtClean="0"/>
+              <a:rPr lang="en-US"/>
               <a:t>Fifth level</a:t>
             </a:r>
             <a:endParaRPr lang="he-IL"/>
@@ -1828,7 +1761,7 @@
           <a:lstStyle/>
           <a:p>
             <a:r>
-              <a:rPr lang="en-US" smtClean="0"/>
+              <a:rPr lang="en-US"/>
               <a:t>Israel Zablianov ©  2018</a:t>
             </a:r>
             <a:endParaRPr lang="he-IL"/>
@@ -1904,7 +1837,7 @@
           </a:lstStyle>
           <a:p>
             <a:r>
-              <a:rPr lang="en-US" smtClean="0"/>
+              <a:rPr lang="en-US"/>
               <a:t>Click to edit Master title style</a:t>
             </a:r>
             <a:endParaRPr lang="he-IL"/>
@@ -1970,7 +1903,7 @@
           <a:p>
             <a:pPr lvl="0"/>
             <a:r>
-              <a:rPr lang="en-US" smtClean="0"/>
+              <a:rPr lang="en-US"/>
               <a:t>Click to edit Master text styles</a:t>
             </a:r>
           </a:p>
@@ -2026,35 +1959,35 @@
           <a:p>
             <a:pPr lvl="0"/>
             <a:r>
-              <a:rPr lang="en-US" smtClean="0"/>
+              <a:rPr lang="en-US"/>
               <a:t>Click to edit Master text styles</a:t>
             </a:r>
           </a:p>
           <a:p>
             <a:pPr lvl="1"/>
             <a:r>
-              <a:rPr lang="en-US" smtClean="0"/>
+              <a:rPr lang="en-US"/>
               <a:t>Second level</a:t>
             </a:r>
           </a:p>
           <a:p>
             <a:pPr lvl="2"/>
             <a:r>
-              <a:rPr lang="en-US" smtClean="0"/>
+              <a:rPr lang="en-US"/>
               <a:t>Third level</a:t>
             </a:r>
           </a:p>
           <a:p>
             <a:pPr lvl="3"/>
             <a:r>
-              <a:rPr lang="en-US" smtClean="0"/>
+              <a:rPr lang="en-US"/>
               <a:t>Fourth level</a:t>
             </a:r>
           </a:p>
           <a:p>
             <a:pPr lvl="4"/>
             <a:r>
-              <a:rPr lang="en-US" smtClean="0"/>
+              <a:rPr lang="en-US"/>
               <a:t>Fifth level</a:t>
             </a:r>
             <a:endParaRPr lang="he-IL"/>
@@ -2120,7 +2053,7 @@
           <a:p>
             <a:pPr lvl="0"/>
             <a:r>
-              <a:rPr lang="en-US" smtClean="0"/>
+              <a:rPr lang="en-US"/>
               <a:t>Click to edit Master text styles</a:t>
             </a:r>
           </a:p>
@@ -2176,35 +2109,35 @@
           <a:p>
             <a:pPr lvl="0"/>
             <a:r>
-              <a:rPr lang="en-US" smtClean="0"/>
+              <a:rPr lang="en-US"/>
               <a:t>Click to edit Master text styles</a:t>
             </a:r>
           </a:p>
           <a:p>
             <a:pPr lvl="1"/>
             <a:r>
-              <a:rPr lang="en-US" smtClean="0"/>
+              <a:rPr lang="en-US"/>
               <a:t>Second level</a:t>
             </a:r>
           </a:p>
           <a:p>
             <a:pPr lvl="2"/>
             <a:r>
-              <a:rPr lang="en-US" smtClean="0"/>
+              <a:rPr lang="en-US"/>
               <a:t>Third level</a:t>
             </a:r>
           </a:p>
           <a:p>
             <a:pPr lvl="3"/>
             <a:r>
-              <a:rPr lang="en-US" smtClean="0"/>
+              <a:rPr lang="en-US"/>
               <a:t>Fourth level</a:t>
             </a:r>
           </a:p>
           <a:p>
             <a:pPr lvl="4"/>
             <a:r>
-              <a:rPr lang="en-US" smtClean="0"/>
+              <a:rPr lang="en-US"/>
               <a:t>Fifth level</a:t>
             </a:r>
             <a:endParaRPr lang="he-IL"/>
@@ -2246,7 +2179,7 @@
           <a:lstStyle/>
           <a:p>
             <a:r>
-              <a:rPr lang="en-US" smtClean="0"/>
+              <a:rPr lang="en-US"/>
               <a:t>Israel Zablianov ©  2018</a:t>
             </a:r>
             <a:endParaRPr lang="he-IL"/>
@@ -2318,7 +2251,7 @@
           <a:lstStyle/>
           <a:p>
             <a:r>
-              <a:rPr lang="en-US" smtClean="0"/>
+              <a:rPr lang="en-US"/>
               <a:t>Click to edit Master title style</a:t>
             </a:r>
             <a:endParaRPr lang="he-IL"/>
@@ -2360,7 +2293,7 @@
           <a:lstStyle/>
           <a:p>
             <a:r>
-              <a:rPr lang="en-US" smtClean="0"/>
+              <a:rPr lang="en-US"/>
               <a:t>Israel Zablianov ©  2018</a:t>
             </a:r>
             <a:endParaRPr lang="he-IL"/>
@@ -2451,7 +2384,7 @@
           <a:lstStyle/>
           <a:p>
             <a:r>
-              <a:rPr lang="en-US" smtClean="0"/>
+              <a:rPr lang="en-US"/>
               <a:t>Israel Zablianov ©  2018</a:t>
             </a:r>
             <a:endParaRPr lang="he-IL"/>
@@ -2532,7 +2465,7 @@
           </a:lstStyle>
           <a:p>
             <a:r>
-              <a:rPr lang="en-US" smtClean="0"/>
+              <a:rPr lang="en-US"/>
               <a:t>Click to edit Master title style</a:t>
             </a:r>
             <a:endParaRPr lang="he-IL"/>
@@ -2589,35 +2522,35 @@
           <a:p>
             <a:pPr lvl="0"/>
             <a:r>
-              <a:rPr lang="en-US" smtClean="0"/>
+              <a:rPr lang="en-US"/>
               <a:t>Click to edit Master text styles</a:t>
             </a:r>
           </a:p>
           <a:p>
             <a:pPr lvl="1"/>
             <a:r>
-              <a:rPr lang="en-US" smtClean="0"/>
+              <a:rPr lang="en-US"/>
               <a:t>Second level</a:t>
             </a:r>
           </a:p>
           <a:p>
             <a:pPr lvl="2"/>
             <a:r>
-              <a:rPr lang="en-US" smtClean="0"/>
+              <a:rPr lang="en-US"/>
               <a:t>Third level</a:t>
             </a:r>
           </a:p>
           <a:p>
             <a:pPr lvl="3"/>
             <a:r>
-              <a:rPr lang="en-US" smtClean="0"/>
+              <a:rPr lang="en-US"/>
               <a:t>Fourth level</a:t>
             </a:r>
           </a:p>
           <a:p>
             <a:pPr lvl="4"/>
             <a:r>
-              <a:rPr lang="en-US" smtClean="0"/>
+              <a:rPr lang="en-US"/>
               <a:t>Fifth level</a:t>
             </a:r>
             <a:endParaRPr lang="he-IL"/>
@@ -2683,7 +2616,7 @@
           <a:p>
             <a:pPr lvl="0"/>
             <a:r>
-              <a:rPr lang="en-US" smtClean="0"/>
+              <a:rPr lang="en-US"/>
               <a:t>Click to edit Master text styles</a:t>
             </a:r>
           </a:p>
@@ -2724,7 +2657,7 @@
           <a:lstStyle/>
           <a:p>
             <a:r>
-              <a:rPr lang="en-US" smtClean="0"/>
+              <a:rPr lang="en-US"/>
               <a:t>Israel Zablianov ©  2018</a:t>
             </a:r>
             <a:endParaRPr lang="he-IL"/>
@@ -2805,7 +2738,7 @@
           </a:lstStyle>
           <a:p>
             <a:r>
-              <a:rPr lang="en-US" smtClean="0"/>
+              <a:rPr lang="en-US"/>
               <a:t>Click to edit Master title style</a:t>
             </a:r>
             <a:endParaRPr lang="he-IL"/>
@@ -2932,7 +2865,7 @@
           <a:p>
             <a:pPr lvl="0"/>
             <a:r>
-              <a:rPr lang="en-US" smtClean="0"/>
+              <a:rPr lang="en-US"/>
               <a:t>Click to edit Master text styles</a:t>
             </a:r>
           </a:p>
@@ -2973,7 +2906,7 @@
           <a:lstStyle/>
           <a:p>
             <a:r>
-              <a:rPr lang="en-US" smtClean="0"/>
+              <a:rPr lang="en-US"/>
               <a:t>Israel Zablianov ©  2018</a:t>
             </a:r>
             <a:endParaRPr lang="he-IL"/>
@@ -3086,7 +3019,7 @@
           <a:lstStyle/>
           <a:p>
             <a:r>
-              <a:rPr lang="en-US" dirty="0" smtClean="0"/>
+              <a:rPr lang="en-US" dirty="0"/>
               <a:t>Introduction to TypeScript</a:t>
             </a:r>
             <a:endParaRPr lang="he-IL" dirty="0"/>
@@ -3120,20 +3053,20 @@
           <a:p>
             <a:pPr lvl="0"/>
             <a:r>
-              <a:rPr lang="en-GB" dirty="0" smtClean="0"/>
+              <a:rPr lang="en-GB" dirty="0"/>
               <a:t>TypeScript Overview </a:t>
             </a:r>
           </a:p>
           <a:p>
             <a:pPr lvl="0"/>
             <a:r>
-              <a:rPr lang="en-GB" dirty="0" smtClean="0"/>
+              <a:rPr lang="en-GB" dirty="0"/>
               <a:t>	general idea, relation to JavaScript and a little bit of history</a:t>
             </a:r>
           </a:p>
           <a:p>
             <a:pPr lvl="0"/>
-            <a:endParaRPr lang="en-GB" dirty="0" smtClean="0"/>
+            <a:endParaRPr lang="en-GB" dirty="0"/>
           </a:p>
         </p:txBody>
       </p:sp>
@@ -3208,7 +3141,7 @@
           </a:lstStyle>
           <a:p>
             <a:r>
-              <a:rPr lang="en-US" smtClean="0"/>
+              <a:rPr lang="en-US"/>
               <a:t>Israel Zablianov ©  2018</a:t>
             </a:r>
             <a:endParaRPr lang="he-IL" dirty="0"/>
@@ -3570,10 +3503,6 @@
               <a:rPr lang="en-GB" sz="5400" dirty="0"/>
               <a:t>Introduction to TypeScript</a:t>
             </a:r>
-            <a:r>
-              <a:rPr lang="en-US" sz="5400" dirty="0"/>
-              <a:t/>
-            </a:r>
             <a:br>
               <a:rPr lang="en-US" sz="5400" dirty="0"/>
             </a:br>
@@ -3608,7 +3537,7 @@
               <a:buChar char="•"/>
             </a:pPr>
             <a:r>
-              <a:rPr lang="en-GB" sz="2800" dirty="0" smtClean="0">
+              <a:rPr lang="en-GB" sz="2800" dirty="0">
                 <a:solidFill>
                   <a:schemeClr val="tx1"/>
                 </a:solidFill>
@@ -3621,21 +3550,8 @@
                   <a:schemeClr val="tx1"/>
                 </a:solidFill>
               </a:rPr>
-              <a:t>TypeScript </a:t>
-            </a:r>
-            <a:r>
-              <a:rPr lang="en-GB" sz="3200" dirty="0" smtClean="0">
-                <a:solidFill>
-                  <a:schemeClr val="tx1"/>
-                </a:solidFill>
-              </a:rPr>
-              <a:t>Overview</a:t>
-            </a:r>
-            <a:endParaRPr lang="en-GB" sz="3200" dirty="0">
-              <a:solidFill>
-                <a:schemeClr val="tx1"/>
-              </a:solidFill>
-            </a:endParaRPr>
+              <a:t>TypeScript Overview</a:t>
+            </a:r>
           </a:p>
           <a:p>
             <a:pPr marL="0" lvl="1" algn="l" rtl="0">
@@ -3652,14 +3568,14 @@
               <a:t>	</a:t>
             </a:r>
             <a:r>
-              <a:rPr lang="en-GB" sz="2400" dirty="0" smtClean="0">
+              <a:rPr lang="en-GB" sz="2400" dirty="0">
                 <a:solidFill>
                   <a:schemeClr val="tx1"/>
                 </a:solidFill>
               </a:rPr>
               <a:t>General idea, relation to JavaScript, history.</a:t>
             </a:r>
-            <a:endParaRPr lang="en-GB" sz="3200" dirty="0" smtClean="0">
+            <a:endParaRPr lang="en-GB" sz="3200" dirty="0">
               <a:solidFill>
                 <a:schemeClr val="tx1"/>
               </a:solidFill>
@@ -3668,7 +3584,7 @@
           <a:p>
             <a:pPr algn="l"/>
             <a:r>
-              <a:rPr lang="en-GB" sz="3200" dirty="0" smtClean="0">
+              <a:rPr lang="en-GB" sz="3200" dirty="0">
                 <a:solidFill>
                   <a:schemeClr val="tx1"/>
                 </a:solidFill>
@@ -3689,7 +3605,7 @@
               <a:t>	</a:t>
             </a:r>
             <a:r>
-              <a:rPr lang="en-GB" dirty="0" smtClean="0">
+              <a:rPr lang="en-GB" dirty="0">
                 <a:solidFill>
                   <a:schemeClr val="tx1"/>
                 </a:solidFill>
@@ -3700,7 +3616,7 @@
           <a:p>
             <a:pPr algn="l"/>
             <a:r>
-              <a:rPr lang="en-GB" sz="3200" dirty="0" smtClean="0">
+              <a:rPr lang="en-GB" sz="3200" dirty="0">
                 <a:solidFill>
                   <a:schemeClr val="tx1"/>
                 </a:solidFill>
@@ -3711,7 +3627,7 @@
           <a:p>
             <a:pPr lvl="2" algn="l" rtl="0"/>
             <a:r>
-              <a:rPr lang="en-GB" dirty="0" smtClean="0">
+              <a:rPr lang="en-GB" dirty="0">
                 <a:solidFill>
                   <a:schemeClr val="tx1"/>
                 </a:solidFill>
@@ -3722,7 +3638,7 @@
           <a:p>
             <a:pPr lvl="2" algn="l" rtl="0"/>
             <a:r>
-              <a:rPr lang="en-GB" dirty="0" smtClean="0">
+              <a:rPr lang="en-GB" dirty="0">
                 <a:solidFill>
                   <a:schemeClr val="tx1"/>
                 </a:solidFill>
@@ -3738,7 +3654,7 @@
           <a:p>
             <a:pPr algn="l"/>
             <a:r>
-              <a:rPr lang="en-GB" sz="3200" dirty="0" smtClean="0">
+              <a:rPr lang="en-GB" sz="3200" dirty="0">
                 <a:solidFill>
                   <a:schemeClr val="tx1"/>
                 </a:solidFill>
@@ -3749,7 +3665,7 @@
           <a:p>
             <a:pPr lvl="1" algn="l" rtl="0"/>
             <a:r>
-              <a:rPr lang="en-GB" sz="3600" dirty="0" smtClean="0">
+              <a:rPr lang="en-GB" sz="3600" dirty="0">
                 <a:solidFill>
                   <a:schemeClr val="tx1"/>
                 </a:solidFill>
@@ -3762,26 +3678,10 @@
                   <a:schemeClr val="tx1"/>
                 </a:solidFill>
               </a:rPr>
-              <a:t>F</a:t>
-            </a:r>
-            <a:r>
-              <a:rPr lang="en-GB" sz="2400" dirty="0" smtClean="0">
-                <a:solidFill>
-                  <a:schemeClr val="tx1"/>
-                </a:solidFill>
-              </a:rPr>
-              <a:t>unctions</a:t>
-            </a:r>
-            <a:r>
-              <a:rPr lang="en-GB" sz="2400" dirty="0">
-                <a:solidFill>
-                  <a:schemeClr val="tx1"/>
-                </a:solidFill>
-              </a:rPr>
-              <a:t>, arrow functions and accessors.</a:t>
-            </a:r>
-            <a:r>
-              <a:rPr lang="en-GB" sz="3600" dirty="0" smtClean="0">
+              <a:t>Functions, arrow functions and accessors.</a:t>
+            </a:r>
+            <a:r>
+              <a:rPr lang="en-GB" sz="3600" dirty="0">
                 <a:solidFill>
                   <a:schemeClr val="tx1"/>
                 </a:solidFill>
@@ -3792,7 +3692,7 @@
           <a:p>
             <a:pPr algn="l"/>
             <a:r>
-              <a:rPr lang="en-GB" sz="3200" dirty="0" smtClean="0">
+              <a:rPr lang="en-GB" sz="3200" dirty="0">
                 <a:solidFill>
                   <a:schemeClr val="tx1"/>
                 </a:solidFill>
@@ -3802,7 +3702,7 @@
           </a:p>
           <a:p>
             <a:pPr algn="l"/>
-            <a:endParaRPr lang="en-GB" sz="3200" dirty="0" smtClean="0">
+            <a:endParaRPr lang="en-GB" sz="3200" dirty="0">
               <a:solidFill>
                 <a:schemeClr val="tx1"/>
               </a:solidFill>
@@ -3826,17 +3726,17 @@
           <a:lstStyle/>
           <a:p>
             <a:r>
-              <a:rPr lang="en-US" dirty="0" smtClean="0"/>
+              <a:rPr lang="en-US" dirty="0"/>
               <a:t>Israel </a:t>
             </a:r>
             <a:r>
-              <a:rPr lang="en-US" dirty="0" smtClean="0">
+              <a:rPr lang="en-US" dirty="0">
                 <a:latin typeface="Corbel"/>
               </a:rPr>
               <a:t>Zablianov ©</a:t>
             </a:r>
             <a:r>
-              <a:rPr lang="en-US" dirty="0" smtClean="0"/>
+              <a:rPr lang="en-US" dirty="0"/>
               <a:t>  2018</a:t>
             </a:r>
             <a:endParaRPr lang="he-IL" dirty="0"/>
@@ -3848,13 +3748,6 @@
   <p:clrMapOvr>
     <a:masterClrMapping/>
   </p:clrMapOvr>
-  <p:timing>
-    <p:tnLst>
-      <p:par>
-        <p:cTn id="1" dur="indefinite" restart="never" nodeType="tmRoot"/>
-      </p:par>
-    </p:tnLst>
-  </p:timing>
 </p:sld>
 </file>
 
@@ -3891,7 +3784,7 @@
           <a:lstStyle/>
           <a:p>
             <a:r>
-              <a:rPr lang="en-US" dirty="0" smtClean="0"/>
+              <a:rPr lang="en-US" dirty="0"/>
               <a:t>Interfaces</a:t>
             </a:r>
             <a:endParaRPr lang="he-IL" dirty="0"/>
@@ -3910,44 +3803,164 @@
         </p:nvSpPr>
         <p:spPr/>
         <p:txBody>
-          <a:bodyPr>
-            <a:normAutofit/>
-          </a:bodyPr>
-          <a:lstStyle/>
-          <a:p>
-            <a:r>
-              <a:rPr lang="en-US" sz="3200" dirty="0" smtClean="0"/>
-              <a:t>Interfaces provide a way to define the expected structure of the variable.</a:t>
-            </a:r>
-          </a:p>
-          <a:p>
-            <a:r>
-              <a:rPr lang="en-US" sz="3200" dirty="0" smtClean="0"/>
-              <a:t>Unlike static languages, there is no need to explicitly implement the interface – only match the interface structure (</a:t>
-            </a:r>
-            <a:r>
-              <a:rPr lang="en-US" sz="3200" b="1" dirty="0" smtClean="0"/>
-              <a:t>“duck</a:t>
-            </a:r>
-            <a:r>
-              <a:rPr lang="en-US" sz="3200" dirty="0" smtClean="0"/>
-              <a:t> typing</a:t>
-            </a:r>
-            <a:r>
-              <a:rPr lang="en-US" sz="3200" b="1" dirty="0" smtClean="0"/>
-              <a:t>”</a:t>
-            </a:r>
-            <a:r>
-              <a:rPr lang="en-US" sz="3200" dirty="0" smtClean="0"/>
-              <a:t>).</a:t>
-            </a:r>
-          </a:p>
-          <a:p>
-            <a:r>
-              <a:rPr lang="en-US" sz="3200" dirty="0" smtClean="0"/>
-              <a:t> Interfaces have no equivalent in JavaScript.</a:t>
-            </a:r>
-            <a:endParaRPr lang="he-IL" sz="3200" dirty="0"/>
+          <a:bodyPr/>
+          <a:lstStyle/>
+          <a:p>
+            <a:r>
+              <a:rPr lang="en-GB" dirty="0"/>
+              <a:t>Examples:</a:t>
+            </a:r>
+          </a:p>
+          <a:p>
+            <a:pPr>
+              <a:buNone/>
+            </a:pPr>
+            <a:endParaRPr lang="en-GB" dirty="0"/>
+          </a:p>
+          <a:p>
+            <a:pPr>
+              <a:buNone/>
+            </a:pPr>
+            <a:r>
+              <a:rPr lang="en-US" b="1" dirty="0">
+                <a:solidFill>
+                  <a:schemeClr val="accent1">
+                    <a:lumMod val="50000"/>
+                  </a:schemeClr>
+                </a:solidFill>
+              </a:rPr>
+              <a:t>interface</a:t>
+            </a:r>
+            <a:r>
+              <a:rPr lang="en-US" dirty="0"/>
+              <a:t> Animal { </a:t>
+            </a:r>
+          </a:p>
+          <a:p>
+            <a:pPr>
+              <a:buNone/>
+            </a:pPr>
+            <a:r>
+              <a:rPr lang="en-US" dirty="0"/>
+              <a:t>	color: </a:t>
+            </a:r>
+            <a:r>
+              <a:rPr lang="en-US" dirty="0">
+                <a:solidFill>
+                  <a:srgbClr val="00B050"/>
+                </a:solidFill>
+              </a:rPr>
+              <a:t>string</a:t>
+            </a:r>
+            <a:r>
+              <a:rPr lang="en-US" dirty="0"/>
+              <a:t>; </a:t>
+            </a:r>
+          </a:p>
+          <a:p>
+            <a:pPr>
+              <a:buNone/>
+            </a:pPr>
+            <a:r>
+              <a:rPr lang="en-US" dirty="0"/>
+              <a:t>	name: </a:t>
+            </a:r>
+            <a:r>
+              <a:rPr lang="en-US" dirty="0">
+                <a:solidFill>
+                  <a:srgbClr val="00B050"/>
+                </a:solidFill>
+              </a:rPr>
+              <a:t>string</a:t>
+            </a:r>
+            <a:r>
+              <a:rPr lang="en-US" dirty="0"/>
+              <a:t>;</a:t>
+            </a:r>
+          </a:p>
+          <a:p>
+            <a:pPr>
+              <a:buNone/>
+            </a:pPr>
+            <a:r>
+              <a:rPr lang="en-US" dirty="0"/>
+              <a:t>	owner: </a:t>
+            </a:r>
+            <a:r>
+              <a:rPr lang="en-US" dirty="0">
+                <a:solidFill>
+                  <a:srgbClr val="00B050"/>
+                </a:solidFill>
+              </a:rPr>
+              <a:t>string</a:t>
+            </a:r>
+            <a:r>
+              <a:rPr lang="en-US" dirty="0"/>
+              <a:t>;</a:t>
+            </a:r>
+          </a:p>
+          <a:p>
+            <a:pPr>
+              <a:buNone/>
+            </a:pPr>
+            <a:r>
+              <a:rPr lang="en-US" dirty="0"/>
+              <a:t>	height: </a:t>
+            </a:r>
+            <a:r>
+              <a:rPr lang="en-US" dirty="0">
+                <a:solidFill>
+                  <a:srgbClr val="00B050"/>
+                </a:solidFill>
+              </a:rPr>
+              <a:t>number</a:t>
+            </a:r>
+            <a:r>
+              <a:rPr lang="en-US" dirty="0"/>
+              <a:t>;</a:t>
+            </a:r>
+          </a:p>
+          <a:p>
+            <a:pPr>
+              <a:buNone/>
+            </a:pPr>
+            <a:r>
+              <a:rPr lang="en-US" dirty="0"/>
+              <a:t>	</a:t>
+            </a:r>
+            <a:r>
+              <a:rPr lang="en-US" dirty="0" err="1"/>
+              <a:t>isDomestic</a:t>
+            </a:r>
+            <a:r>
+              <a:rPr lang="en-US" dirty="0"/>
+              <a:t>: </a:t>
+            </a:r>
+            <a:r>
+              <a:rPr lang="en-US" dirty="0" err="1">
+                <a:solidFill>
+                  <a:srgbClr val="00B050"/>
+                </a:solidFill>
+              </a:rPr>
+              <a:t>boolean</a:t>
+            </a:r>
+            <a:r>
+              <a:rPr lang="en-US" dirty="0"/>
+              <a:t>;</a:t>
+            </a:r>
+          </a:p>
+          <a:p>
+            <a:pPr>
+              <a:buNone/>
+            </a:pPr>
+            <a:r>
+              <a:rPr lang="en-US" dirty="0"/>
+              <a:t>} </a:t>
+            </a:r>
+            <a:br>
+              <a:rPr lang="en-US" dirty="0"/>
+            </a:br>
+            <a:endParaRPr lang="he-IL" dirty="0"/>
           </a:p>
         </p:txBody>
       </p:sp>
@@ -3967,7 +3980,7 @@
           <a:lstStyle/>
           <a:p>
             <a:r>
-              <a:rPr lang="en-US" smtClean="0"/>
+              <a:rPr lang="en-US"/>
               <a:t>Israel Zablianov ©  2018</a:t>
             </a:r>
             <a:endParaRPr lang="he-IL"/>
@@ -3979,13 +3992,6 @@
   <p:clrMapOvr>
     <a:masterClrMapping/>
   </p:clrMapOvr>
-  <p:timing>
-    <p:tnLst>
-      <p:par>
-        <p:cTn id="1" dur="indefinite" restart="never" nodeType="tmRoot"/>
-      </p:par>
-    </p:tnLst>
-  </p:timing>
 </p:sld>
 </file>
 
@@ -4022,7 +4028,7 @@
           <a:lstStyle/>
           <a:p>
             <a:r>
-              <a:rPr lang="en-US" dirty="0" smtClean="0"/>
+              <a:rPr lang="en-GB" dirty="0"/>
               <a:t>Interfaces</a:t>
             </a:r>
             <a:endParaRPr lang="he-IL" dirty="0"/>
@@ -4041,26 +4047,38 @@
         </p:nvSpPr>
         <p:spPr/>
         <p:txBody>
-          <a:bodyPr/>
-          <a:lstStyle/>
-          <a:p>
-            <a:r>
-              <a:rPr lang="en-GB" dirty="0" smtClean="0"/>
-              <a:t>Examples:</a:t>
+          <a:bodyPr>
+            <a:normAutofit lnSpcReduction="10000"/>
+          </a:bodyPr>
+          <a:lstStyle/>
+          <a:p>
+            <a:r>
+              <a:rPr lang="en-US" sz="2800" dirty="0"/>
+              <a:t>Optional Properties</a:t>
             </a:r>
           </a:p>
           <a:p>
             <a:pPr>
               <a:buNone/>
             </a:pPr>
-            <a:endParaRPr lang="en-GB" dirty="0" smtClean="0"/>
+            <a:r>
+              <a:rPr lang="en-US" dirty="0"/>
+              <a:t>	</a:t>
+            </a:r>
+            <a:r>
+              <a:rPr lang="en-US" sz="2000" dirty="0"/>
+              <a:t>Not all properties of an interface may be required. Some exist under certain conditions or may not be there at all.</a:t>
+            </a:r>
+          </a:p>
+          <a:p>
+            <a:endParaRPr lang="en-US" dirty="0"/>
           </a:p>
           <a:p>
             <a:pPr>
               <a:buNone/>
             </a:pPr>
             <a:r>
-              <a:rPr lang="en-US" b="1" dirty="0" smtClean="0">
+              <a:rPr lang="en-US" b="1" dirty="0">
                 <a:solidFill>
                   <a:schemeClr val="accent1">
                     <a:lumMod val="50000"/>
@@ -4070,7 +4088,7 @@
               <a:t>interface</a:t>
             </a:r>
             <a:r>
-              <a:rPr lang="en-US" dirty="0" smtClean="0"/>
+              <a:rPr lang="en-US" dirty="0"/>
               <a:t> Animal { </a:t>
             </a:r>
           </a:p>
@@ -4079,11 +4097,11 @@
               <a:buNone/>
             </a:pPr>
             <a:r>
-              <a:rPr lang="en-US" dirty="0" smtClean="0"/>
+              <a:rPr lang="en-US" dirty="0"/>
               <a:t>	color: </a:t>
             </a:r>
             <a:r>
-              <a:rPr lang="en-US" dirty="0" smtClean="0">
+              <a:rPr lang="en-US" dirty="0">
                 <a:solidFill>
                   <a:srgbClr val="00B050"/>
                 </a:solidFill>
@@ -4091,7 +4109,7 @@
               <a:t>string</a:t>
             </a:r>
             <a:r>
-              <a:rPr lang="en-US" dirty="0" smtClean="0"/>
+              <a:rPr lang="en-US" dirty="0"/>
               <a:t>; </a:t>
             </a:r>
           </a:p>
@@ -4100,11 +4118,11 @@
               <a:buNone/>
             </a:pPr>
             <a:r>
-              <a:rPr lang="en-US" dirty="0" smtClean="0"/>
+              <a:rPr lang="en-US" dirty="0"/>
               <a:t>	name: </a:t>
             </a:r>
             <a:r>
-              <a:rPr lang="en-US" dirty="0" smtClean="0">
+              <a:rPr lang="en-US" dirty="0">
                 <a:solidFill>
                   <a:srgbClr val="00B050"/>
                 </a:solidFill>
@@ -4112,7 +4130,7 @@
               <a:t>string</a:t>
             </a:r>
             <a:r>
-              <a:rPr lang="en-US" dirty="0" smtClean="0"/>
+              <a:rPr lang="en-US" dirty="0"/>
               <a:t>;</a:t>
             </a:r>
           </a:p>
@@ -4121,11 +4139,11 @@
               <a:buNone/>
             </a:pPr>
             <a:r>
-              <a:rPr lang="en-US" dirty="0" smtClean="0"/>
-              <a:t>	owner: </a:t>
-            </a:r>
-            <a:r>
-              <a:rPr lang="en-US" dirty="0" smtClean="0">
+              <a:rPr lang="en-US" dirty="0"/>
+              <a:t>	owner?: </a:t>
+            </a:r>
+            <a:r>
+              <a:rPr lang="en-US" dirty="0">
                 <a:solidFill>
                   <a:srgbClr val="00B050"/>
                 </a:solidFill>
@@ -4133,7 +4151,7 @@
               <a:t>string</a:t>
             </a:r>
             <a:r>
-              <a:rPr lang="en-US" dirty="0" smtClean="0"/>
+              <a:rPr lang="en-US" dirty="0"/>
               <a:t>;</a:t>
             </a:r>
           </a:p>
@@ -4142,11 +4160,11 @@
               <a:buNone/>
             </a:pPr>
             <a:r>
-              <a:rPr lang="en-US" dirty="0" smtClean="0"/>
-              <a:t>	height: </a:t>
-            </a:r>
-            <a:r>
-              <a:rPr lang="en-US" dirty="0" smtClean="0">
+              <a:rPr lang="en-US" dirty="0"/>
+              <a:t>	height?: </a:t>
+            </a:r>
+            <a:r>
+              <a:rPr lang="en-US" dirty="0">
                 <a:solidFill>
                   <a:srgbClr val="00B050"/>
                 </a:solidFill>
@@ -4154,7 +4172,7 @@
               <a:t>number</a:t>
             </a:r>
             <a:r>
-              <a:rPr lang="en-US" dirty="0" smtClean="0"/>
+              <a:rPr lang="en-US" dirty="0"/>
               <a:t>;</a:t>
             </a:r>
           </a:p>
@@ -4163,19 +4181,19 @@
               <a:buNone/>
             </a:pPr>
             <a:r>
-              <a:rPr lang="en-US" dirty="0" smtClean="0"/>
+              <a:rPr lang="en-US" dirty="0"/>
               <a:t>	</a:t>
             </a:r>
             <a:r>
-              <a:rPr lang="en-US" dirty="0" err="1" smtClean="0"/>
+              <a:rPr lang="en-US" dirty="0" err="1"/>
               <a:t>isDomestic</a:t>
             </a:r>
             <a:r>
-              <a:rPr lang="en-US" dirty="0" smtClean="0"/>
-              <a:t>: </a:t>
-            </a:r>
-            <a:r>
-              <a:rPr lang="en-US" dirty="0" err="1" smtClean="0">
+              <a:rPr lang="en-US" dirty="0"/>
+              <a:t>?: </a:t>
+            </a:r>
+            <a:r>
+              <a:rPr lang="en-US" dirty="0" err="1">
                 <a:solidFill>
                   <a:srgbClr val="00B050"/>
                 </a:solidFill>
@@ -4183,7 +4201,7 @@
               <a:t>boolean</a:t>
             </a:r>
             <a:r>
-              <a:rPr lang="en-US" dirty="0" smtClean="0"/>
+              <a:rPr lang="en-US" dirty="0"/>
               <a:t>;</a:t>
             </a:r>
           </a:p>
@@ -4192,12 +4210,14 @@
               <a:buNone/>
             </a:pPr>
             <a:r>
-              <a:rPr lang="en-US" dirty="0" smtClean="0"/>
-              <a:t>} </a:t>
-            </a:r>
-            <a:br>
-              <a:rPr lang="en-US" dirty="0" smtClean="0"/>
-            </a:br>
+              <a:rPr lang="en-US" dirty="0"/>
+              <a:t>}</a:t>
+            </a:r>
+          </a:p>
+          <a:p>
+            <a:pPr>
+              <a:buNone/>
+            </a:pPr>
             <a:endParaRPr lang="he-IL" dirty="0"/>
           </a:p>
         </p:txBody>
@@ -4218,7 +4238,7 @@
           <a:lstStyle/>
           <a:p>
             <a:r>
-              <a:rPr lang="en-US" smtClean="0"/>
+              <a:rPr lang="en-US"/>
               <a:t>Israel Zablianov ©  2018</a:t>
             </a:r>
             <a:endParaRPr lang="he-IL"/>
@@ -4266,8 +4286,8 @@
           <a:lstStyle/>
           <a:p>
             <a:r>
-              <a:rPr lang="en-GB" dirty="0" smtClean="0"/>
-              <a:t>Interfaces</a:t>
+              <a:rPr lang="en-US" dirty="0"/>
+              <a:t>Classes</a:t>
             </a:r>
             <a:endParaRPr lang="he-IL" dirty="0"/>
           </a:p>
@@ -4286,177 +4306,43 @@
         <p:spPr/>
         <p:txBody>
           <a:bodyPr>
-            <a:normAutofit lnSpcReduction="10000"/>
+            <a:normAutofit/>
           </a:bodyPr>
           <a:lstStyle/>
           <a:p>
             <a:r>
-              <a:rPr lang="en-US" sz="2800" dirty="0" smtClean="0"/>
-              <a:t>Optional Properties</a:t>
-            </a:r>
-          </a:p>
-          <a:p>
-            <a:pPr>
-              <a:buNone/>
-            </a:pPr>
-            <a:r>
-              <a:rPr lang="en-US" dirty="0" smtClean="0"/>
-              <a:t>	</a:t>
-            </a:r>
-            <a:r>
-              <a:rPr lang="en-US" sz="2000" dirty="0" smtClean="0"/>
-              <a:t>Not all properties of an interface may be required. Some exist under certain conditions or may not be there at all.</a:t>
-            </a:r>
-          </a:p>
-          <a:p>
-            <a:endParaRPr lang="en-US" dirty="0" smtClean="0"/>
-          </a:p>
-          <a:p>
-            <a:pPr>
-              <a:buNone/>
-            </a:pPr>
-            <a:r>
-              <a:rPr lang="en-US" b="1" dirty="0" smtClean="0">
-                <a:solidFill>
-                  <a:schemeClr val="accent1">
-                    <a:lumMod val="50000"/>
-                  </a:schemeClr>
-                </a:solidFill>
-              </a:rPr>
-              <a:t>interface</a:t>
-            </a:r>
-            <a:r>
-              <a:rPr lang="en-US" dirty="0" smtClean="0"/>
-              <a:t> Animal { </a:t>
-            </a:r>
-          </a:p>
-          <a:p>
-            <a:pPr>
-              <a:buNone/>
-            </a:pPr>
-            <a:r>
-              <a:rPr lang="en-US" dirty="0" smtClean="0"/>
-              <a:t>	color: </a:t>
-            </a:r>
-            <a:r>
-              <a:rPr lang="en-US" dirty="0" smtClean="0">
-                <a:solidFill>
-                  <a:srgbClr val="00B050"/>
-                </a:solidFill>
-              </a:rPr>
-              <a:t>string</a:t>
-            </a:r>
-            <a:r>
-              <a:rPr lang="en-US" dirty="0" smtClean="0"/>
-              <a:t>; </a:t>
-            </a:r>
-          </a:p>
-          <a:p>
-            <a:pPr>
-              <a:buNone/>
-            </a:pPr>
-            <a:r>
-              <a:rPr lang="en-US" dirty="0" smtClean="0"/>
-              <a:t>	name: </a:t>
-            </a:r>
-            <a:r>
-              <a:rPr lang="en-US" dirty="0" smtClean="0">
-                <a:solidFill>
-                  <a:srgbClr val="00B050"/>
-                </a:solidFill>
-              </a:rPr>
-              <a:t>string</a:t>
-            </a:r>
-            <a:r>
-              <a:rPr lang="en-US" dirty="0" smtClean="0"/>
-              <a:t>;</a:t>
-            </a:r>
-          </a:p>
-          <a:p>
-            <a:pPr>
-              <a:buNone/>
-            </a:pPr>
-            <a:r>
-              <a:rPr lang="en-US" dirty="0" smtClean="0"/>
-              <a:t>	owner?: </a:t>
-            </a:r>
-            <a:r>
-              <a:rPr lang="en-US" dirty="0" smtClean="0">
-                <a:solidFill>
-                  <a:srgbClr val="00B050"/>
-                </a:solidFill>
-              </a:rPr>
-              <a:t>string</a:t>
-            </a:r>
-            <a:r>
-              <a:rPr lang="en-US" dirty="0" smtClean="0"/>
-              <a:t>;</a:t>
-            </a:r>
-          </a:p>
-          <a:p>
-            <a:pPr>
-              <a:buNone/>
-            </a:pPr>
-            <a:r>
-              <a:rPr lang="en-US" dirty="0" smtClean="0"/>
-              <a:t>	height?: </a:t>
-            </a:r>
-            <a:r>
-              <a:rPr lang="en-US" dirty="0" smtClean="0">
-                <a:solidFill>
-                  <a:srgbClr val="00B050"/>
-                </a:solidFill>
-              </a:rPr>
-              <a:t>number</a:t>
-            </a:r>
-            <a:r>
-              <a:rPr lang="en-US" dirty="0" smtClean="0"/>
-              <a:t>;</a:t>
-            </a:r>
-          </a:p>
-          <a:p>
-            <a:pPr>
-              <a:buNone/>
-            </a:pPr>
-            <a:r>
-              <a:rPr lang="en-US" dirty="0" smtClean="0"/>
-              <a:t>	</a:t>
-            </a:r>
-            <a:r>
-              <a:rPr lang="en-US" dirty="0" err="1" smtClean="0"/>
-              <a:t>isDomestic</a:t>
-            </a:r>
-            <a:r>
-              <a:rPr lang="en-US" dirty="0" smtClean="0"/>
-              <a:t>?: </a:t>
-            </a:r>
-            <a:r>
-              <a:rPr lang="en-US" dirty="0" err="1" smtClean="0">
-                <a:solidFill>
-                  <a:srgbClr val="00B050"/>
-                </a:solidFill>
-              </a:rPr>
-              <a:t>boolean</a:t>
-            </a:r>
-            <a:r>
-              <a:rPr lang="en-US" dirty="0" smtClean="0"/>
-              <a:t>;</a:t>
-            </a:r>
-          </a:p>
-          <a:p>
-            <a:pPr>
-              <a:buNone/>
-            </a:pPr>
-            <a:r>
-              <a:rPr lang="en-US" dirty="0" smtClean="0"/>
-              <a:t>}</a:t>
-            </a:r>
-          </a:p>
-          <a:p>
-            <a:pPr>
-              <a:buNone/>
-            </a:pPr>
-            <a:endParaRPr lang="he-IL" dirty="0"/>
+              <a:rPr lang="en-US" sz="2800" dirty="0"/>
+              <a:t>Classes are the main building blocks of OOP.</a:t>
+            </a:r>
+          </a:p>
+          <a:p>
+            <a:r>
+              <a:rPr lang="en-US" sz="2800" dirty="0"/>
+              <a:t>Starting with </a:t>
+            </a:r>
+            <a:r>
+              <a:rPr lang="en-US" sz="2800" dirty="0" err="1"/>
+              <a:t>ECMAScript</a:t>
+            </a:r>
+            <a:r>
+              <a:rPr lang="en-US" sz="2800" dirty="0"/>
+              <a:t> 2015, also known as </a:t>
+            </a:r>
+            <a:r>
+              <a:rPr lang="en-US" sz="2800" dirty="0" err="1"/>
+              <a:t>ECMAScript</a:t>
+            </a:r>
+            <a:r>
+              <a:rPr lang="en-US" sz="2800" dirty="0"/>
+              <a:t> 6, JavaScript also supports object-oriented class-based approach. In TypeScript, developers can use these techniques, and compile them down to JavaScript that works across all major browsers and platforms. </a:t>
+            </a:r>
+          </a:p>
+          <a:p>
+            <a:r>
+              <a:rPr lang="en-US" sz="2800" dirty="0"/>
+              <a:t>Classes can derive from other classes, implement interfaces, and have access modifiers.</a:t>
+            </a:r>
+            <a:endParaRPr lang="he-IL" sz="2800" dirty="0"/>
           </a:p>
         </p:txBody>
       </p:sp>
@@ -4476,7 +4362,7 @@
           <a:lstStyle/>
           <a:p>
             <a:r>
-              <a:rPr lang="en-US" smtClean="0"/>
+              <a:rPr lang="en-US"/>
               <a:t>Israel Zablianov ©  2018</a:t>
             </a:r>
             <a:endParaRPr lang="he-IL"/>
@@ -4524,7 +4410,7 @@
           <a:lstStyle/>
           <a:p>
             <a:r>
-              <a:rPr lang="en-US" dirty="0" smtClean="0"/>
+              <a:rPr lang="en-US" dirty="0"/>
               <a:t>Classes</a:t>
             </a:r>
             <a:endParaRPr lang="he-IL" dirty="0"/>
@@ -4549,38 +4435,228 @@
           <a:lstStyle/>
           <a:p>
             <a:r>
-              <a:rPr lang="en-US" sz="2800" dirty="0" smtClean="0"/>
-              <a:t>Classes are the main building blocks of OOP.</a:t>
-            </a:r>
-          </a:p>
-          <a:p>
-            <a:r>
-              <a:rPr lang="en-US" sz="2800" dirty="0" smtClean="0"/>
-              <a:t>Starting with </a:t>
-            </a:r>
-            <a:r>
-              <a:rPr lang="en-US" sz="2800" dirty="0" err="1" smtClean="0"/>
-              <a:t>ECMAScript</a:t>
-            </a:r>
-            <a:r>
-              <a:rPr lang="en-US" sz="2800" dirty="0" smtClean="0"/>
-              <a:t> 2015, also known as </a:t>
-            </a:r>
-            <a:r>
-              <a:rPr lang="en-US" sz="2800" dirty="0" err="1" smtClean="0"/>
-              <a:t>ECMAScript</a:t>
-            </a:r>
-            <a:r>
-              <a:rPr lang="en-US" sz="2800" dirty="0" smtClean="0"/>
-              <a:t> 6, JavaScript also supports object-oriented class-based approach. In TypeScript, developers can use these techniques, and compile them down to JavaScript that works across all major browsers and platforms. </a:t>
-            </a:r>
-          </a:p>
-          <a:p>
-            <a:r>
-              <a:rPr lang="en-US" sz="2800" dirty="0" smtClean="0"/>
-              <a:t>Classes can derive from other classes, implement interfaces, and have access modifiers.</a:t>
-            </a:r>
-            <a:endParaRPr lang="he-IL" sz="2800" dirty="0"/>
+              <a:rPr lang="en-US" dirty="0"/>
+              <a:t>Examples</a:t>
+            </a:r>
+          </a:p>
+          <a:p>
+            <a:endParaRPr lang="en-US" dirty="0"/>
+          </a:p>
+          <a:p>
+            <a:pPr>
+              <a:buNone/>
+            </a:pPr>
+            <a:r>
+              <a:rPr lang="en-US" dirty="0"/>
+              <a:t>	</a:t>
+            </a:r>
+            <a:r>
+              <a:rPr lang="en-US" dirty="0">
+                <a:solidFill>
+                  <a:schemeClr val="accent1">
+                    <a:lumMod val="75000"/>
+                  </a:schemeClr>
+                </a:solidFill>
+              </a:rPr>
+              <a:t>Class</a:t>
+            </a:r>
+            <a:r>
+              <a:rPr lang="en-US" dirty="0"/>
+              <a:t> Dog </a:t>
+            </a:r>
+            <a:r>
+              <a:rPr lang="en-US" dirty="0">
+                <a:solidFill>
+                  <a:schemeClr val="accent1">
+                    <a:lumMod val="75000"/>
+                  </a:schemeClr>
+                </a:solidFill>
+              </a:rPr>
+              <a:t>implements</a:t>
+            </a:r>
+            <a:r>
+              <a:rPr lang="en-US" dirty="0"/>
+              <a:t> </a:t>
+            </a:r>
+            <a:r>
+              <a:rPr lang="en-US" dirty="0">
+                <a:solidFill>
+                  <a:schemeClr val="accent3">
+                    <a:lumMod val="75000"/>
+                  </a:schemeClr>
+                </a:solidFill>
+              </a:rPr>
+              <a:t>Animal</a:t>
+            </a:r>
+            <a:r>
+              <a:rPr lang="en-US" dirty="0"/>
+              <a:t> {</a:t>
+            </a:r>
+          </a:p>
+          <a:p>
+            <a:pPr>
+              <a:buNone/>
+            </a:pPr>
+            <a:r>
+              <a:rPr lang="en-US" dirty="0"/>
+              <a:t>		color = </a:t>
+            </a:r>
+            <a:r>
+              <a:rPr lang="en-US" dirty="0">
+                <a:solidFill>
+                  <a:schemeClr val="accent6">
+                    <a:lumMod val="75000"/>
+                  </a:schemeClr>
+                </a:solidFill>
+              </a:rPr>
+              <a:t>“”</a:t>
+            </a:r>
+            <a:r>
+              <a:rPr lang="en-US" dirty="0"/>
+              <a:t>; </a:t>
+            </a:r>
+          </a:p>
+          <a:p>
+            <a:pPr>
+              <a:buNone/>
+            </a:pPr>
+            <a:r>
+              <a:rPr lang="en-US" dirty="0"/>
+              <a:t>		name = </a:t>
+            </a:r>
+            <a:r>
+              <a:rPr lang="en-US" dirty="0">
+                <a:solidFill>
+                  <a:schemeClr val="accent6">
+                    <a:lumMod val="75000"/>
+                  </a:schemeClr>
+                </a:solidFill>
+              </a:rPr>
+              <a:t>“”</a:t>
+            </a:r>
+            <a:r>
+              <a:rPr lang="en-US" dirty="0"/>
+              <a:t>;</a:t>
+            </a:r>
+          </a:p>
+          <a:p>
+            <a:pPr>
+              <a:buNone/>
+            </a:pPr>
+            <a:r>
+              <a:rPr lang="en-US" dirty="0"/>
+              <a:t>		</a:t>
+            </a:r>
+            <a:r>
+              <a:rPr lang="en-US" dirty="0">
+                <a:solidFill>
+                  <a:schemeClr val="accent1">
+                    <a:lumMod val="75000"/>
+                  </a:schemeClr>
+                </a:solidFill>
+              </a:rPr>
+              <a:t>constructor</a:t>
+            </a:r>
+            <a:r>
+              <a:rPr lang="en-US" dirty="0"/>
+              <a:t>(color: </a:t>
+            </a:r>
+            <a:r>
+              <a:rPr lang="en-US" dirty="0">
+                <a:solidFill>
+                  <a:schemeClr val="accent3">
+                    <a:lumMod val="75000"/>
+                  </a:schemeClr>
+                </a:solidFill>
+              </a:rPr>
+              <a:t>string</a:t>
+            </a:r>
+            <a:r>
+              <a:rPr lang="en-US" dirty="0"/>
+              <a:t>, name: </a:t>
+            </a:r>
+            <a:r>
+              <a:rPr lang="en-US" dirty="0">
+                <a:solidFill>
+                  <a:schemeClr val="accent3">
+                    <a:lumMod val="75000"/>
+                  </a:schemeClr>
+                </a:solidFill>
+              </a:rPr>
+              <a:t>string</a:t>
+            </a:r>
+            <a:r>
+              <a:rPr lang="en-US" dirty="0"/>
+              <a:t>) { </a:t>
+            </a:r>
+          </a:p>
+          <a:p>
+            <a:pPr>
+              <a:buNone/>
+            </a:pPr>
+            <a:r>
+              <a:rPr lang="en-US" dirty="0"/>
+              <a:t>			</a:t>
+            </a:r>
+            <a:r>
+              <a:rPr lang="en-US" dirty="0" err="1">
+                <a:solidFill>
+                  <a:schemeClr val="accent1">
+                    <a:lumMod val="75000"/>
+                  </a:schemeClr>
+                </a:solidFill>
+              </a:rPr>
+              <a:t>this</a:t>
+            </a:r>
+            <a:r>
+              <a:rPr lang="en-US" dirty="0" err="1"/>
+              <a:t>.color</a:t>
+            </a:r>
+            <a:r>
+              <a:rPr lang="en-US" dirty="0"/>
+              <a:t> = color;</a:t>
+            </a:r>
+          </a:p>
+          <a:p>
+            <a:pPr>
+              <a:buNone/>
+            </a:pPr>
+            <a:r>
+              <a:rPr lang="en-US" dirty="0"/>
+              <a:t>			</a:t>
+            </a:r>
+            <a:r>
+              <a:rPr lang="en-US" dirty="0">
+                <a:solidFill>
+                  <a:schemeClr val="accent1">
+                    <a:lumMod val="75000"/>
+                  </a:schemeClr>
+                </a:solidFill>
+              </a:rPr>
+              <a:t>this</a:t>
+            </a:r>
+            <a:r>
+              <a:rPr lang="en-US" dirty="0"/>
+              <a:t>.name = name;</a:t>
+            </a:r>
+          </a:p>
+          <a:p>
+            <a:pPr>
+              <a:buNone/>
+            </a:pPr>
+            <a:r>
+              <a:rPr lang="en-US" dirty="0"/>
+              <a:t>		}</a:t>
+            </a:r>
+          </a:p>
+          <a:p>
+            <a:pPr>
+              <a:buNone/>
+            </a:pPr>
+            <a:r>
+              <a:rPr lang="en-US" dirty="0"/>
+              <a:t>	}</a:t>
+            </a:r>
           </a:p>
         </p:txBody>
       </p:sp>
@@ -4600,7 +4676,7 @@
           <a:lstStyle/>
           <a:p>
             <a:r>
-              <a:rPr lang="en-US" smtClean="0"/>
+              <a:rPr lang="en-US"/>
               <a:t>Israel Zablianov ©  2018</a:t>
             </a:r>
             <a:endParaRPr lang="he-IL"/>
@@ -4648,7 +4724,7 @@
           <a:lstStyle/>
           <a:p>
             <a:r>
-              <a:rPr lang="en-US" dirty="0" smtClean="0"/>
+              <a:rPr lang="en-US" dirty="0"/>
               <a:t>Classes</a:t>
             </a:r>
             <a:endParaRPr lang="he-IL" dirty="0"/>
@@ -4667,234 +4743,10 @@
         </p:nvSpPr>
         <p:spPr/>
         <p:txBody>
-          <a:bodyPr>
-            <a:normAutofit/>
-          </a:bodyPr>
-          <a:lstStyle/>
-          <a:p>
-            <a:r>
-              <a:rPr lang="en-US" dirty="0" smtClean="0"/>
-              <a:t>Examples</a:t>
-            </a:r>
-          </a:p>
-          <a:p>
-            <a:endParaRPr lang="en-US" dirty="0" smtClean="0"/>
-          </a:p>
-          <a:p>
-            <a:pPr>
-              <a:buNone/>
-            </a:pPr>
-            <a:r>
-              <a:rPr lang="en-US" dirty="0" smtClean="0"/>
-              <a:t>	</a:t>
-            </a:r>
-            <a:r>
-              <a:rPr lang="en-US" dirty="0" smtClean="0">
-                <a:solidFill>
-                  <a:schemeClr val="accent1">
-                    <a:lumMod val="75000"/>
-                  </a:schemeClr>
-                </a:solidFill>
-              </a:rPr>
-              <a:t>Class</a:t>
-            </a:r>
-            <a:r>
-              <a:rPr lang="en-US" dirty="0" smtClean="0"/>
-              <a:t> Dog </a:t>
-            </a:r>
-            <a:r>
-              <a:rPr lang="en-US" dirty="0" smtClean="0">
-                <a:solidFill>
-                  <a:schemeClr val="accent1">
-                    <a:lumMod val="75000"/>
-                  </a:schemeClr>
-                </a:solidFill>
-              </a:rPr>
-              <a:t>implements</a:t>
-            </a:r>
-            <a:r>
-              <a:rPr lang="en-US" dirty="0" smtClean="0"/>
-              <a:t> </a:t>
-            </a:r>
-            <a:r>
-              <a:rPr lang="en-US" dirty="0" smtClean="0">
-                <a:solidFill>
-                  <a:schemeClr val="accent3">
-                    <a:lumMod val="75000"/>
-                  </a:schemeClr>
-                </a:solidFill>
-              </a:rPr>
-              <a:t>Animal</a:t>
-            </a:r>
-            <a:r>
-              <a:rPr lang="en-US" dirty="0" smtClean="0"/>
-              <a:t> {</a:t>
-            </a:r>
-          </a:p>
-          <a:p>
-            <a:pPr>
-              <a:buNone/>
-            </a:pPr>
-            <a:r>
-              <a:rPr lang="en-US" dirty="0" smtClean="0"/>
-              <a:t>		color = </a:t>
-            </a:r>
-            <a:r>
-              <a:rPr lang="en-US" dirty="0" smtClean="0">
-                <a:solidFill>
-                  <a:schemeClr val="accent6">
-                    <a:lumMod val="75000"/>
-                  </a:schemeClr>
-                </a:solidFill>
-              </a:rPr>
-              <a:t>“”</a:t>
-            </a:r>
-            <a:r>
-              <a:rPr lang="en-US" dirty="0" smtClean="0"/>
-              <a:t>; </a:t>
-            </a:r>
-          </a:p>
-          <a:p>
-            <a:pPr>
-              <a:buNone/>
-            </a:pPr>
-            <a:r>
-              <a:rPr lang="en-US" dirty="0" smtClean="0"/>
-              <a:t>		name = </a:t>
-            </a:r>
-            <a:r>
-              <a:rPr lang="en-US" dirty="0" smtClean="0">
-                <a:solidFill>
-                  <a:schemeClr val="accent6">
-                    <a:lumMod val="75000"/>
-                  </a:schemeClr>
-                </a:solidFill>
-              </a:rPr>
-              <a:t>“”</a:t>
-            </a:r>
-            <a:r>
-              <a:rPr lang="en-US" dirty="0" smtClean="0"/>
-              <a:t>;</a:t>
-            </a:r>
-          </a:p>
-          <a:p>
-            <a:pPr>
-              <a:buNone/>
-            </a:pPr>
-            <a:r>
-              <a:rPr lang="en-US" dirty="0" smtClean="0"/>
-              <a:t>		</a:t>
-            </a:r>
-            <a:r>
-              <a:rPr lang="en-US" dirty="0" smtClean="0">
-                <a:solidFill>
-                  <a:schemeClr val="accent1">
-                    <a:lumMod val="75000"/>
-                  </a:schemeClr>
-                </a:solidFill>
-              </a:rPr>
-              <a:t>constructor</a:t>
-            </a:r>
-            <a:r>
-              <a:rPr lang="en-US" dirty="0" smtClean="0"/>
-              <a:t>(color: </a:t>
-            </a:r>
-            <a:r>
-              <a:rPr lang="en-US" dirty="0" smtClean="0">
-                <a:solidFill>
-                  <a:schemeClr val="accent3">
-                    <a:lumMod val="75000"/>
-                  </a:schemeClr>
-                </a:solidFill>
-              </a:rPr>
-              <a:t>string</a:t>
-            </a:r>
-            <a:r>
-              <a:rPr lang="en-US" dirty="0" smtClean="0"/>
-              <a:t>, name: </a:t>
-            </a:r>
-            <a:r>
-              <a:rPr lang="en-US" dirty="0" smtClean="0">
-                <a:solidFill>
-                  <a:schemeClr val="accent3">
-                    <a:lumMod val="75000"/>
-                  </a:schemeClr>
-                </a:solidFill>
-              </a:rPr>
-              <a:t>string</a:t>
-            </a:r>
-            <a:r>
-              <a:rPr lang="en-US" dirty="0" smtClean="0"/>
-              <a:t>) { </a:t>
-            </a:r>
-          </a:p>
-          <a:p>
-            <a:pPr>
-              <a:buNone/>
-            </a:pPr>
-            <a:r>
-              <a:rPr lang="en-US" dirty="0" smtClean="0"/>
-              <a:t>			</a:t>
-            </a:r>
-            <a:r>
-              <a:rPr lang="en-US" dirty="0" err="1" smtClean="0">
-                <a:solidFill>
-                  <a:schemeClr val="accent1">
-                    <a:lumMod val="75000"/>
-                  </a:schemeClr>
-                </a:solidFill>
-              </a:rPr>
-              <a:t>this</a:t>
-            </a:r>
-            <a:r>
-              <a:rPr lang="en-US" dirty="0" err="1" smtClean="0"/>
-              <a:t>.color</a:t>
-            </a:r>
-            <a:r>
-              <a:rPr lang="en-US" dirty="0" smtClean="0"/>
-              <a:t> = color;</a:t>
-            </a:r>
-          </a:p>
-          <a:p>
-            <a:pPr>
-              <a:buNone/>
-            </a:pPr>
-            <a:r>
-              <a:rPr lang="en-US" dirty="0" smtClean="0"/>
-              <a:t>			</a:t>
-            </a:r>
-            <a:r>
-              <a:rPr lang="en-US" dirty="0" smtClean="0">
-                <a:solidFill>
-                  <a:schemeClr val="accent1">
-                    <a:lumMod val="75000"/>
-                  </a:schemeClr>
-                </a:solidFill>
-              </a:rPr>
-              <a:t>this</a:t>
-            </a:r>
-            <a:r>
-              <a:rPr lang="en-US" dirty="0" smtClean="0"/>
-              <a:t>.name = name;</a:t>
-            </a:r>
-          </a:p>
-          <a:p>
-            <a:pPr>
-              <a:buNone/>
-            </a:pPr>
-            <a:r>
-              <a:rPr lang="en-US" dirty="0" smtClean="0"/>
-              <a:t>		}</a:t>
-            </a:r>
-          </a:p>
-          <a:p>
-            <a:pPr>
-              <a:buNone/>
-            </a:pPr>
-            <a:r>
-              <a:rPr lang="en-US" dirty="0" smtClean="0"/>
-              <a:t>	}</a:t>
-            </a:r>
+          <a:bodyPr/>
+          <a:lstStyle/>
+          <a:p>
+            <a:endParaRPr lang="he-IL" dirty="0"/>
           </a:p>
         </p:txBody>
       </p:sp>
@@ -4914,104 +4766,7 @@
           <a:lstStyle/>
           <a:p>
             <a:r>
-              <a:rPr lang="en-US" smtClean="0"/>
-              <a:t>Israel Zablianov ©  2018</a:t>
-            </a:r>
-            <a:endParaRPr lang="he-IL"/>
-          </a:p>
-        </p:txBody>
-      </p:sp>
-    </p:spTree>
-  </p:cSld>
-  <p:clrMapOvr>
-    <a:masterClrMapping/>
-  </p:clrMapOvr>
-  <p:timing>
-    <p:tnLst>
-      <p:par>
-        <p:cTn id="1" dur="indefinite" restart="never" nodeType="tmRoot"/>
-      </p:par>
-    </p:tnLst>
-  </p:timing>
-</p:sld>
-</file>
-
-<file path=ppt/slides/slide15.xml><?xml version="1.0" encoding="utf-8"?>
-<p:sld xmlns:a="http://schemas.openxmlformats.org/drawingml/2006/main" xmlns:r="http://schemas.openxmlformats.org/officeDocument/2006/relationships" xmlns:p="http://schemas.openxmlformats.org/presentationml/2006/main">
-  <p:cSld>
-    <p:spTree>
-      <p:nvGrpSpPr>
-        <p:cNvPr id="1" name=""/>
-        <p:cNvGrpSpPr/>
-        <p:nvPr/>
-      </p:nvGrpSpPr>
-      <p:grpSpPr>
-        <a:xfrm>
-          <a:off x="0" y="0"/>
-          <a:ext cx="0" cy="0"/>
-          <a:chOff x="0" y="0"/>
-          <a:chExt cx="0" cy="0"/>
-        </a:xfrm>
-      </p:grpSpPr>
-      <p:sp>
-        <p:nvSpPr>
-          <p:cNvPr id="2" name="Title 1"/>
-          <p:cNvSpPr>
-            <a:spLocks noGrp="1"/>
-          </p:cNvSpPr>
-          <p:nvPr>
-            <p:ph type="title"/>
-          </p:nvPr>
-        </p:nvSpPr>
-        <p:spPr/>
-        <p:txBody>
-          <a:bodyPr/>
-          <a:lstStyle/>
-          <a:p>
-            <a:r>
-              <a:rPr lang="en-US" dirty="0" smtClean="0"/>
-              <a:t>Classes</a:t>
-            </a:r>
-            <a:endParaRPr lang="he-IL" dirty="0"/>
-          </a:p>
-        </p:txBody>
-      </p:sp>
-      <p:sp>
-        <p:nvSpPr>
-          <p:cNvPr id="3" name="Content Placeholder 2"/>
-          <p:cNvSpPr>
-            <a:spLocks noGrp="1"/>
-          </p:cNvSpPr>
-          <p:nvPr>
-            <p:ph idx="1"/>
-          </p:nvPr>
-        </p:nvSpPr>
-        <p:spPr/>
-        <p:txBody>
-          <a:bodyPr/>
-          <a:lstStyle/>
-          <a:p>
-            <a:endParaRPr lang="he-IL" dirty="0"/>
-          </a:p>
-        </p:txBody>
-      </p:sp>
-      <p:sp>
-        <p:nvSpPr>
-          <p:cNvPr id="4" name="Footer Placeholder 3"/>
-          <p:cNvSpPr>
-            <a:spLocks noGrp="1"/>
-          </p:cNvSpPr>
-          <p:nvPr>
-            <p:ph type="ftr" sz="quarter" idx="11"/>
-          </p:nvPr>
-        </p:nvSpPr>
-        <p:spPr/>
-        <p:txBody>
-          <a:bodyPr/>
-          <a:lstStyle/>
-          <a:p>
-            <a:r>
-              <a:rPr lang="en-US" smtClean="0"/>
+              <a:rPr lang="en-US"/>
               <a:t>Israel Zablianov ©  2018</a:t>
             </a:r>
             <a:endParaRPr lang="he-IL"/>
@@ -5049,13 +4804,120 @@
   <p:clrMapOvr>
     <a:masterClrMapping/>
   </p:clrMapOvr>
-  <p:timing>
-    <p:tnLst>
-      <p:par>
-        <p:cTn id="1" dur="indefinite" restart="never" nodeType="tmRoot"/>
-      </p:par>
-    </p:tnLst>
-  </p:timing>
+</p:sld>
+</file>
+
+<file path=ppt/slides/slide15.xml><?xml version="1.0" encoding="utf-8"?>
+<p:sld xmlns:a="http://schemas.openxmlformats.org/drawingml/2006/main" xmlns:r="http://schemas.openxmlformats.org/officeDocument/2006/relationships" xmlns:p="http://schemas.openxmlformats.org/presentationml/2006/main">
+  <p:cSld>
+    <p:spTree>
+      <p:nvGrpSpPr>
+        <p:cNvPr id="1" name=""/>
+        <p:cNvGrpSpPr/>
+        <p:nvPr/>
+      </p:nvGrpSpPr>
+      <p:grpSpPr>
+        <a:xfrm>
+          <a:off x="0" y="0"/>
+          <a:ext cx="0" cy="0"/>
+          <a:chOff x="0" y="0"/>
+          <a:chExt cx="0" cy="0"/>
+        </a:xfrm>
+      </p:grpSpPr>
+      <p:sp>
+        <p:nvSpPr>
+          <p:cNvPr id="2" name="Title 1"/>
+          <p:cNvSpPr>
+            <a:spLocks noGrp="1"/>
+          </p:cNvSpPr>
+          <p:nvPr>
+            <p:ph type="title"/>
+          </p:nvPr>
+        </p:nvSpPr>
+        <p:spPr/>
+        <p:txBody>
+          <a:bodyPr/>
+          <a:lstStyle/>
+          <a:p>
+            <a:r>
+              <a:rPr lang="en-US" dirty="0"/>
+              <a:t>Class Inheritance</a:t>
+            </a:r>
+            <a:endParaRPr lang="he-IL" dirty="0"/>
+          </a:p>
+        </p:txBody>
+      </p:sp>
+      <p:sp>
+        <p:nvSpPr>
+          <p:cNvPr id="3" name="Content Placeholder 2"/>
+          <p:cNvSpPr>
+            <a:spLocks noGrp="1"/>
+          </p:cNvSpPr>
+          <p:nvPr>
+            <p:ph idx="1"/>
+          </p:nvPr>
+        </p:nvSpPr>
+        <p:spPr/>
+        <p:txBody>
+          <a:bodyPr>
+            <a:normAutofit/>
+          </a:bodyPr>
+          <a:lstStyle/>
+          <a:p>
+            <a:r>
+              <a:rPr lang="en-US" sz="2800" dirty="0"/>
+              <a:t>In TypeScript, we can use common object-oriented patterns. One of the most fundamental patterns in class-based programming is being able to extend existing classes to create new ones using inheritance.</a:t>
+            </a:r>
+          </a:p>
+          <a:p>
+            <a:r>
+              <a:rPr lang="en-US" sz="2800" dirty="0"/>
+              <a:t>Class inheritance is done via the extends keyword.</a:t>
+            </a:r>
+          </a:p>
+          <a:p>
+            <a:r>
+              <a:rPr lang="en-US" sz="2800" dirty="0"/>
+              <a:t>Inheritance is based on prototype inheritance.</a:t>
+            </a:r>
+          </a:p>
+          <a:p>
+            <a:r>
+              <a:rPr lang="en-US" sz="2800" dirty="0"/>
+              <a:t>Interface implementation is done via the implements keyword.</a:t>
+            </a:r>
+            <a:endParaRPr lang="he-IL" sz="2800" dirty="0"/>
+          </a:p>
+        </p:txBody>
+      </p:sp>
+      <p:sp>
+        <p:nvSpPr>
+          <p:cNvPr id="4" name="Footer Placeholder 3"/>
+          <p:cNvSpPr>
+            <a:spLocks noGrp="1"/>
+          </p:cNvSpPr>
+          <p:nvPr>
+            <p:ph type="ftr" sz="quarter" idx="11"/>
+          </p:nvPr>
+        </p:nvSpPr>
+        <p:spPr/>
+        <p:txBody>
+          <a:bodyPr/>
+          <a:lstStyle/>
+          <a:p>
+            <a:r>
+              <a:rPr lang="en-US"/>
+              <a:t>Israel Zablianov ©  2018</a:t>
+            </a:r>
+            <a:endParaRPr lang="he-IL"/>
+          </a:p>
+        </p:txBody>
+      </p:sp>
+    </p:spTree>
+  </p:cSld>
+  <p:clrMapOvr>
+    <a:masterClrMapping/>
+  </p:clrMapOvr>
 </p:sld>
 </file>
 
@@ -5092,7 +4954,7 @@
           <a:lstStyle/>
           <a:p>
             <a:r>
-              <a:rPr lang="en-US" dirty="0" smtClean="0"/>
+              <a:rPr lang="en-US" dirty="0"/>
               <a:t>Class Inheritance</a:t>
             </a:r>
             <a:endParaRPr lang="he-IL" dirty="0"/>
@@ -5116,29 +4978,16 @@
           </a:bodyPr>
           <a:lstStyle/>
           <a:p>
-            <a:r>
-              <a:rPr lang="en-US" sz="2800" dirty="0" smtClean="0"/>
-              <a:t>In TypeScript, we can use common object-oriented patterns. One of the most fundamental patterns in class-based programming is being able to extend existing classes to create new ones using inheritance.</a:t>
-            </a:r>
-          </a:p>
-          <a:p>
-            <a:r>
-              <a:rPr lang="en-US" sz="2800" dirty="0" smtClean="0"/>
-              <a:t>Class inheritance is done via the extends keyword.</a:t>
-            </a:r>
-          </a:p>
-          <a:p>
-            <a:r>
-              <a:rPr lang="en-US" sz="2800" dirty="0" smtClean="0"/>
-              <a:t>Inheritance is based on prototype inheritance.</a:t>
-            </a:r>
-          </a:p>
-          <a:p>
-            <a:r>
-              <a:rPr lang="en-US" sz="2800" dirty="0" smtClean="0"/>
-              <a:t>Interface implementation is done via the implements keyword.</a:t>
-            </a:r>
-            <a:endParaRPr lang="he-IL" sz="2800" dirty="0"/>
+            <a:pPr>
+              <a:buNone/>
+            </a:pPr>
+            <a:r>
+              <a:rPr lang="en-US" dirty="0"/>
+              <a:t>Examples</a:t>
+            </a:r>
+          </a:p>
+          <a:p>
+            <a:endParaRPr lang="en-US" dirty="0"/>
           </a:p>
         </p:txBody>
       </p:sp>
@@ -5158,115 +5007,7 @@
           <a:lstStyle/>
           <a:p>
             <a:r>
-              <a:rPr lang="en-US" smtClean="0"/>
-              <a:t>Israel Zablianov ©  2018</a:t>
-            </a:r>
-            <a:endParaRPr lang="he-IL"/>
-          </a:p>
-        </p:txBody>
-      </p:sp>
-    </p:spTree>
-  </p:cSld>
-  <p:clrMapOvr>
-    <a:masterClrMapping/>
-  </p:clrMapOvr>
-  <p:timing>
-    <p:tnLst>
-      <p:par>
-        <p:cTn id="1" dur="indefinite" restart="never" nodeType="tmRoot"/>
-      </p:par>
-    </p:tnLst>
-  </p:timing>
-</p:sld>
-</file>
-
-<file path=ppt/slides/slide17.xml><?xml version="1.0" encoding="utf-8"?>
-<p:sld xmlns:a="http://schemas.openxmlformats.org/drawingml/2006/main" xmlns:r="http://schemas.openxmlformats.org/officeDocument/2006/relationships" xmlns:p="http://schemas.openxmlformats.org/presentationml/2006/main">
-  <p:cSld>
-    <p:spTree>
-      <p:nvGrpSpPr>
-        <p:cNvPr id="1" name=""/>
-        <p:cNvGrpSpPr/>
-        <p:nvPr/>
-      </p:nvGrpSpPr>
-      <p:grpSpPr>
-        <a:xfrm>
-          <a:off x="0" y="0"/>
-          <a:ext cx="0" cy="0"/>
-          <a:chOff x="0" y="0"/>
-          <a:chExt cx="0" cy="0"/>
-        </a:xfrm>
-      </p:grpSpPr>
-      <p:sp>
-        <p:nvSpPr>
-          <p:cNvPr id="2" name="Title 1"/>
-          <p:cNvSpPr>
-            <a:spLocks noGrp="1"/>
-          </p:cNvSpPr>
-          <p:nvPr>
-            <p:ph type="title"/>
-          </p:nvPr>
-        </p:nvSpPr>
-        <p:spPr/>
-        <p:txBody>
-          <a:bodyPr/>
-          <a:lstStyle/>
-          <a:p>
-            <a:r>
-              <a:rPr lang="en-US" dirty="0" smtClean="0"/>
-              <a:t>Class Inheritance</a:t>
-            </a:r>
-            <a:endParaRPr lang="he-IL" dirty="0"/>
-          </a:p>
-        </p:txBody>
-      </p:sp>
-      <p:sp>
-        <p:nvSpPr>
-          <p:cNvPr id="3" name="Content Placeholder 2"/>
-          <p:cNvSpPr>
-            <a:spLocks noGrp="1"/>
-          </p:cNvSpPr>
-          <p:nvPr>
-            <p:ph idx="1"/>
-          </p:nvPr>
-        </p:nvSpPr>
-        <p:spPr/>
-        <p:txBody>
-          <a:bodyPr>
-            <a:normAutofit/>
-          </a:bodyPr>
-          <a:lstStyle/>
-          <a:p>
-            <a:pPr>
-              <a:buNone/>
-            </a:pPr>
-            <a:r>
-              <a:rPr lang="en-US" dirty="0" smtClean="0"/>
-              <a:t>Examples</a:t>
-            </a:r>
-          </a:p>
-          <a:p>
-            <a:endParaRPr lang="en-US" dirty="0" smtClean="0"/>
-          </a:p>
-        </p:txBody>
-      </p:sp>
-      <p:sp>
-        <p:nvSpPr>
-          <p:cNvPr id="4" name="Footer Placeholder 3"/>
-          <p:cNvSpPr>
-            <a:spLocks noGrp="1"/>
-          </p:cNvSpPr>
-          <p:nvPr>
-            <p:ph type="ftr" sz="quarter" idx="11"/>
-          </p:nvPr>
-        </p:nvSpPr>
-        <p:spPr/>
-        <p:txBody>
-          <a:bodyPr/>
-          <a:lstStyle/>
-          <a:p>
-            <a:r>
-              <a:rPr lang="en-US" smtClean="0"/>
+              <a:rPr lang="en-US"/>
               <a:t>Israel Zablianov ©  2018</a:t>
             </a:r>
             <a:endParaRPr lang="he-IL"/>
@@ -5304,17 +5045,10 @@
   <p:clrMapOvr>
     <a:masterClrMapping/>
   </p:clrMapOvr>
-  <p:timing>
-    <p:tnLst>
-      <p:par>
-        <p:cTn id="1" dur="indefinite" restart="never" nodeType="tmRoot"/>
-      </p:par>
-    </p:tnLst>
-  </p:timing>
 </p:sld>
 </file>
 
-<file path=ppt/slides/slide18.xml><?xml version="1.0" encoding="utf-8"?>
+<file path=ppt/slides/slide17.xml><?xml version="1.0" encoding="utf-8"?>
 <p:sld xmlns:a="http://schemas.openxmlformats.org/drawingml/2006/main" xmlns:r="http://schemas.openxmlformats.org/officeDocument/2006/relationships" xmlns:p="http://schemas.openxmlformats.org/presentationml/2006/main">
   <p:cSld>
     <p:spTree>
@@ -5347,7 +5081,7 @@
           <a:lstStyle/>
           <a:p>
             <a:r>
-              <a:rPr lang="en-GB" dirty="0" smtClean="0"/>
+              <a:rPr lang="en-GB" dirty="0"/>
               <a:t>Functions</a:t>
             </a:r>
             <a:endParaRPr lang="he-IL" dirty="0"/>
@@ -5375,7 +5109,7 @@
               <a:buNone/>
             </a:pPr>
             <a:r>
-              <a:rPr lang="en-US" sz="2800" dirty="0" smtClean="0"/>
+              <a:rPr lang="en-US" sz="2800" dirty="0"/>
               <a:t>Just as in JavaScript, TypeScript functions can be</a:t>
             </a:r>
           </a:p>
@@ -5384,7 +5118,7 @@
               <a:buNone/>
             </a:pPr>
             <a:r>
-              <a:rPr lang="en-US" sz="2800" dirty="0" smtClean="0"/>
+              <a:rPr lang="en-US" sz="2800" dirty="0"/>
               <a:t>created both as a named function or as an anonymous</a:t>
             </a:r>
           </a:p>
@@ -5393,7 +5127,7 @@
               <a:buNone/>
             </a:pPr>
             <a:r>
-              <a:rPr lang="en-US" sz="2800" dirty="0" smtClean="0"/>
+              <a:rPr lang="en-US" sz="2800" dirty="0"/>
               <a:t>function.</a:t>
             </a:r>
           </a:p>
@@ -5418,7 +5152,7 @@
           <a:lstStyle/>
           <a:p>
             <a:r>
-              <a:rPr lang="en-US" smtClean="0"/>
+              <a:rPr lang="en-US"/>
               <a:t>Israel Zablianov ©  2018</a:t>
             </a:r>
             <a:endParaRPr lang="he-IL"/>
@@ -5456,17 +5190,10 @@
   <p:clrMapOvr>
     <a:masterClrMapping/>
   </p:clrMapOvr>
-  <p:timing>
-    <p:tnLst>
-      <p:par>
-        <p:cTn id="1" dur="indefinite" restart="never" nodeType="tmRoot"/>
-      </p:par>
-    </p:tnLst>
-  </p:timing>
 </p:sld>
 </file>
 
-<file path=ppt/slides/slide19.xml><?xml version="1.0" encoding="utf-8"?>
+<file path=ppt/slides/slide18.xml><?xml version="1.0" encoding="utf-8"?>
 <p:sld xmlns:a="http://schemas.openxmlformats.org/drawingml/2006/main" xmlns:r="http://schemas.openxmlformats.org/officeDocument/2006/relationships" xmlns:p="http://schemas.openxmlformats.org/presentationml/2006/main">
   <p:cSld>
     <p:spTree>
@@ -5499,7 +5226,7 @@
           <a:lstStyle/>
           <a:p>
             <a:r>
-              <a:rPr lang="en-US" dirty="0" smtClean="0"/>
+              <a:rPr lang="en-US" dirty="0"/>
               <a:t>Function Type</a:t>
             </a:r>
             <a:endParaRPr lang="he-IL" dirty="0"/>
@@ -5525,12 +5252,12 @@
               <a:buNone/>
             </a:pPr>
             <a:r>
-              <a:rPr lang="en-US" dirty="0" smtClean="0"/>
+              <a:rPr lang="en-US" dirty="0"/>
               <a:t>There are several ways to define function type</a:t>
             </a:r>
           </a:p>
           <a:p>
-            <a:endParaRPr lang="en-US" dirty="0" smtClean="0"/>
+            <a:endParaRPr lang="en-US" dirty="0"/>
           </a:p>
         </p:txBody>
       </p:sp>
@@ -5550,7 +5277,7 @@
           <a:lstStyle/>
           <a:p>
             <a:r>
-              <a:rPr lang="en-US" smtClean="0"/>
+              <a:rPr lang="en-US"/>
               <a:t>Israel Zablianov ©  2018</a:t>
             </a:r>
             <a:endParaRPr lang="he-IL"/>
@@ -5666,17 +5393,10 @@
   <p:clrMapOvr>
     <a:masterClrMapping/>
   </p:clrMapOvr>
-  <p:timing>
-    <p:tnLst>
-      <p:par>
-        <p:cTn id="1" dur="indefinite" restart="never" nodeType="tmRoot"/>
-      </p:par>
-    </p:tnLst>
-  </p:timing>
 </p:sld>
 </file>
 
-<file path=ppt/slides/slide2.xml><?xml version="1.0" encoding="utf-8"?>
+<file path=ppt/slides/slide19.xml><?xml version="1.0" encoding="utf-8"?>
 <p:sld xmlns:a="http://schemas.openxmlformats.org/drawingml/2006/main" xmlns:r="http://schemas.openxmlformats.org/officeDocument/2006/relationships" xmlns:p="http://schemas.openxmlformats.org/presentationml/2006/main">
   <p:cSld>
     <p:spTree>
@@ -5695,221 +5415,6 @@
       </p:grpSpPr>
       <p:sp>
         <p:nvSpPr>
-          <p:cNvPr id="3" name="Content Placeholder 2"/>
-          <p:cNvSpPr>
-            <a:spLocks noGrp="1"/>
-          </p:cNvSpPr>
-          <p:nvPr>
-            <p:ph idx="1"/>
-          </p:nvPr>
-        </p:nvSpPr>
-        <p:spPr>
-          <a:xfrm>
-            <a:off x="457200" y="188640"/>
-            <a:ext cx="8229600" cy="6336704"/>
-          </a:xfrm>
-        </p:spPr>
-        <p:txBody>
-          <a:bodyPr>
-            <a:normAutofit fontScale="70000" lnSpcReduction="20000"/>
-          </a:bodyPr>
-          <a:lstStyle/>
-          <a:p>
-            <a:pPr>
-              <a:buNone/>
-            </a:pPr>
-            <a:r>
-              <a:rPr lang="en-GB" sz="5400" dirty="0" smtClean="0"/>
-              <a:t>Advanced TypeScript</a:t>
-            </a:r>
-          </a:p>
-          <a:p>
-            <a:r>
-              <a:rPr lang="en-US" sz="3200" dirty="0"/>
-              <a:t>Equality</a:t>
-            </a:r>
-          </a:p>
-          <a:p>
-            <a:r>
-              <a:rPr lang="en-US" sz="3200" dirty="0"/>
-              <a:t>References</a:t>
-            </a:r>
-          </a:p>
-          <a:p>
-            <a:r>
-              <a:rPr lang="en-US" sz="3200" dirty="0"/>
-              <a:t>Null and Undefined</a:t>
-            </a:r>
-          </a:p>
-          <a:p>
-            <a:r>
-              <a:rPr lang="en-US" sz="3200" dirty="0"/>
-              <a:t>t</a:t>
-            </a:r>
-            <a:r>
-              <a:rPr lang="en-US" sz="3200" dirty="0" smtClean="0"/>
-              <a:t>his Key word and Closure</a:t>
-            </a:r>
-          </a:p>
-          <a:p>
-            <a:r>
-              <a:rPr lang="en-US" sz="3200" dirty="0"/>
-              <a:t>v</a:t>
-            </a:r>
-            <a:r>
-              <a:rPr lang="en-US" sz="3200" dirty="0" smtClean="0"/>
-              <a:t>ar, let and const key words</a:t>
-            </a:r>
-          </a:p>
-          <a:p>
-            <a:r>
-              <a:rPr lang="en-US" sz="3200" dirty="0"/>
-              <a:t>Rest </a:t>
-            </a:r>
-            <a:r>
-              <a:rPr lang="en-US" sz="3200" dirty="0" smtClean="0"/>
-              <a:t>Parameters</a:t>
-            </a:r>
-          </a:p>
-          <a:p>
-            <a:r>
-              <a:rPr lang="en-US" sz="3200" dirty="0" smtClean="0"/>
-              <a:t>Spread operator</a:t>
-            </a:r>
-          </a:p>
-          <a:p>
-            <a:r>
-              <a:rPr lang="en-US" sz="3200" dirty="0" smtClean="0"/>
-              <a:t>Destructuring</a:t>
-            </a:r>
-          </a:p>
-          <a:p>
-            <a:r>
-              <a:rPr lang="en-US" sz="3200" dirty="0"/>
-              <a:t>f</a:t>
-            </a:r>
-            <a:r>
-              <a:rPr lang="en-US" sz="3200" dirty="0" smtClean="0"/>
-              <a:t>or, of, in key words and iterators</a:t>
-            </a:r>
-          </a:p>
-          <a:p>
-            <a:r>
-              <a:rPr lang="en-US" sz="3200" dirty="0" smtClean="0"/>
-              <a:t>Template strings</a:t>
-            </a:r>
-          </a:p>
-          <a:p>
-            <a:r>
-              <a:rPr lang="en-US" sz="3200" dirty="0" smtClean="0"/>
-              <a:t>Generators</a:t>
-            </a:r>
-          </a:p>
-          <a:p>
-            <a:r>
-              <a:rPr lang="en-US" sz="3200" dirty="0" smtClean="0"/>
-              <a:t>Promise and async await key words</a:t>
-            </a:r>
-          </a:p>
-          <a:p>
-            <a:r>
-              <a:rPr lang="en-US" sz="3200" dirty="0" smtClean="0"/>
-              <a:t>Enums and union types </a:t>
-            </a:r>
-            <a:endParaRPr lang="en-US" sz="3200" dirty="0"/>
-          </a:p>
-          <a:p>
-            <a:r>
-              <a:rPr lang="en-US" sz="3200" dirty="0" smtClean="0"/>
-              <a:t>Casting and type assertion</a:t>
-            </a:r>
-            <a:endParaRPr lang="en-US" sz="3200" dirty="0"/>
-          </a:p>
-          <a:p>
-            <a:r>
-              <a:rPr lang="en-US" sz="3200" dirty="0"/>
-              <a:t>t</a:t>
-            </a:r>
-            <a:r>
-              <a:rPr lang="en-US" sz="3200" dirty="0" smtClean="0"/>
-              <a:t>ypeof and instanceof key words</a:t>
-            </a:r>
-          </a:p>
-          <a:p>
-            <a:pPr>
-              <a:buNone/>
-            </a:pPr>
-            <a:endParaRPr lang="en-US" sz="3200" dirty="0" smtClean="0"/>
-          </a:p>
-          <a:p>
-            <a:pPr>
-              <a:buNone/>
-            </a:pPr>
-            <a:r>
-              <a:rPr lang="en-US" sz="3200" dirty="0" smtClean="0"/>
-              <a:t>And much more…</a:t>
-            </a:r>
-            <a:endParaRPr lang="he-IL" sz="3200" dirty="0"/>
-          </a:p>
-        </p:txBody>
-      </p:sp>
-      <p:sp>
-        <p:nvSpPr>
-          <p:cNvPr id="6" name="Footer Placeholder 5"/>
-          <p:cNvSpPr>
-            <a:spLocks noGrp="1"/>
-          </p:cNvSpPr>
-          <p:nvPr>
-            <p:ph type="ftr" sz="quarter" idx="11"/>
-          </p:nvPr>
-        </p:nvSpPr>
-        <p:spPr/>
-        <p:txBody>
-          <a:bodyPr/>
-          <a:lstStyle/>
-          <a:p>
-            <a:r>
-              <a:rPr lang="en-US" smtClean="0"/>
-              <a:t>Israel Zablianov ©  2018</a:t>
-            </a:r>
-            <a:endParaRPr lang="he-IL"/>
-          </a:p>
-        </p:txBody>
-      </p:sp>
-    </p:spTree>
-  </p:cSld>
-  <p:clrMapOvr>
-    <a:masterClrMapping/>
-  </p:clrMapOvr>
-  <p:timing>
-    <p:tnLst>
-      <p:par>
-        <p:cTn id="1" dur="indefinite" restart="never" nodeType="tmRoot"/>
-      </p:par>
-    </p:tnLst>
-  </p:timing>
-</p:sld>
-</file>
-
-<file path=ppt/slides/slide20.xml><?xml version="1.0" encoding="utf-8"?>
-<p:sld xmlns:a="http://schemas.openxmlformats.org/drawingml/2006/main" xmlns:r="http://schemas.openxmlformats.org/officeDocument/2006/relationships" xmlns:p="http://schemas.openxmlformats.org/presentationml/2006/main">
-  <p:cSld>
-    <p:spTree>
-      <p:nvGrpSpPr>
-        <p:cNvPr id="1" name=""/>
-        <p:cNvGrpSpPr/>
-        <p:nvPr/>
-      </p:nvGrpSpPr>
-      <p:grpSpPr>
-        <a:xfrm>
-          <a:off x="0" y="0"/>
-          <a:ext cx="0" cy="0"/>
-          <a:chOff x="0" y="0"/>
-          <a:chExt cx="0" cy="0"/>
-        </a:xfrm>
-      </p:grpSpPr>
-      <p:sp>
-        <p:nvSpPr>
           <p:cNvPr id="2" name="Title 1"/>
           <p:cNvSpPr>
             <a:spLocks noGrp="1"/>
@@ -5926,7 +5431,7 @@
           <a:lstStyle/>
           <a:p>
             <a:r>
-              <a:rPr lang="en-US" sz="3800" dirty="0" smtClean="0"/>
+              <a:rPr lang="en-US" sz="3800" dirty="0"/>
               <a:t>Functions  optional &amp; default parameters</a:t>
             </a:r>
             <a:endParaRPr lang="he-IL" sz="3800" dirty="0"/>
@@ -5951,49 +5456,49 @@
           <a:lstStyle/>
           <a:p>
             <a:r>
-              <a:rPr lang="en-US" sz="2000" dirty="0" smtClean="0"/>
+              <a:rPr lang="en-US" sz="2000" dirty="0"/>
               <a:t>In TypeScript, every parameter is assumed to be required by the</a:t>
             </a:r>
           </a:p>
           <a:p>
             <a:r>
-              <a:rPr lang="en-US" sz="2000" dirty="0" smtClean="0"/>
+              <a:rPr lang="en-US" sz="2000" dirty="0"/>
               <a:t>function.</a:t>
             </a:r>
           </a:p>
           <a:p>
             <a:r>
-              <a:rPr lang="en-US" sz="2000" dirty="0" smtClean="0"/>
+              <a:rPr lang="en-US" sz="2000" dirty="0"/>
               <a:t>This doesn’t mean that it can’t be given null or undefined.</a:t>
             </a:r>
           </a:p>
           <a:p>
             <a:r>
-              <a:rPr lang="en-US" sz="2000" dirty="0" smtClean="0"/>
+              <a:rPr lang="en-US" sz="2000" dirty="0"/>
               <a:t>The compiler also assumes that these parameters are the only</a:t>
             </a:r>
           </a:p>
           <a:p>
             <a:r>
-              <a:rPr lang="en-US" sz="2000" dirty="0" smtClean="0"/>
+              <a:rPr lang="en-US" sz="2000" dirty="0"/>
               <a:t>parameters</a:t>
             </a:r>
           </a:p>
           <a:p>
             <a:r>
-              <a:rPr lang="en-US" sz="2000" dirty="0" smtClean="0"/>
+              <a:rPr lang="en-US" sz="2000" dirty="0"/>
               <a:t>that will be passed to the function. </a:t>
             </a:r>
           </a:p>
           <a:p>
             <a:r>
-              <a:rPr lang="en-US" sz="2000" dirty="0" smtClean="0"/>
+              <a:rPr lang="en-US" sz="2000" dirty="0"/>
               <a:t>In short, the number of arguments given to a function has to</a:t>
             </a:r>
           </a:p>
           <a:p>
             <a:r>
-              <a:rPr lang="en-US" sz="2000" dirty="0" smtClean="0"/>
+              <a:rPr lang="en-US" sz="2000" dirty="0"/>
               <a:t>match the number of parameters the function expects.</a:t>
             </a:r>
           </a:p>
@@ -6015,7 +5520,7 @@
           <a:lstStyle/>
           <a:p>
             <a:r>
-              <a:rPr lang="en-US" smtClean="0"/>
+              <a:rPr lang="en-US"/>
               <a:t>Israel Zablianov ©  2018</a:t>
             </a:r>
             <a:endParaRPr lang="he-IL"/>
@@ -6053,17 +5558,10 @@
   <p:clrMapOvr>
     <a:masterClrMapping/>
   </p:clrMapOvr>
-  <p:timing>
-    <p:tnLst>
-      <p:par>
-        <p:cTn id="1" dur="indefinite" restart="never" nodeType="tmRoot"/>
-      </p:par>
-    </p:tnLst>
-  </p:timing>
 </p:sld>
 </file>
 
-<file path=ppt/slides/slide21.xml><?xml version="1.0" encoding="utf-8"?>
+<file path=ppt/slides/slide2.xml><?xml version="1.0" encoding="utf-8"?>
 <p:sld xmlns:a="http://schemas.openxmlformats.org/drawingml/2006/main" xmlns:r="http://schemas.openxmlformats.org/officeDocument/2006/relationships" xmlns:p="http://schemas.openxmlformats.org/presentationml/2006/main">
   <p:cSld>
     <p:spTree>
@@ -6092,13 +5590,142 @@
         </p:nvSpPr>
         <p:spPr/>
         <p:txBody>
+          <a:bodyPr/>
+          <a:lstStyle/>
+          <a:p>
+            <a:r>
+              <a:rPr lang="en-GB" sz="4000" dirty="0"/>
+              <a:t> </a:t>
+            </a:r>
+            <a:r>
+              <a:rPr lang="en-GB" dirty="0"/>
+              <a:t>TypeScript Overview</a:t>
+            </a:r>
+            <a:endParaRPr lang="he-IL" dirty="0"/>
+          </a:p>
+        </p:txBody>
+      </p:sp>
+      <p:sp>
+        <p:nvSpPr>
+          <p:cNvPr id="3" name="Content Placeholder 2"/>
+          <p:cNvSpPr>
+            <a:spLocks noGrp="1"/>
+          </p:cNvSpPr>
+          <p:nvPr>
+            <p:ph idx="1"/>
+          </p:nvPr>
+        </p:nvSpPr>
+        <p:spPr/>
+        <p:txBody>
+          <a:bodyPr/>
+          <a:lstStyle/>
+          <a:p>
+            <a:r>
+              <a:rPr lang="en-GB" dirty="0"/>
+              <a:t>TypeScript is a superset of JavaScript </a:t>
+            </a:r>
+            <a:r>
+              <a:rPr lang="en-US" dirty="0"/>
+              <a:t>that compiles to clean JavaScript output.</a:t>
+            </a:r>
+          </a:p>
+          <a:p>
+            <a:r>
+              <a:rPr lang="en-US" dirty="0"/>
+              <a:t>JavaScript program is also a valid TypeScript program.</a:t>
+            </a:r>
+          </a:p>
+          <a:p>
+            <a:r>
+              <a:rPr lang="en-US" dirty="0"/>
+              <a:t>TypeScript provides static typing through type annotations to enable type checking at compile time.</a:t>
+            </a:r>
+          </a:p>
+          <a:p>
+            <a:r>
+              <a:rPr lang="en-US" dirty="0"/>
+              <a:t>TypeScript was first made public in October 2012 (at version 0.8), after two years of internal development at Microsoft.</a:t>
+            </a:r>
+          </a:p>
+          <a:p>
+            <a:r>
+              <a:rPr lang="en-US" dirty="0"/>
+              <a:t>TypeScript adds optional types to JavaScript that support tools for large-scale JavaScript applications for any browser, for any host, on any OS.</a:t>
+            </a:r>
+            <a:endParaRPr lang="en-GB" dirty="0"/>
+          </a:p>
+          <a:p>
+            <a:endParaRPr lang="he-IL" dirty="0"/>
+          </a:p>
+        </p:txBody>
+      </p:sp>
+      <p:sp>
+        <p:nvSpPr>
+          <p:cNvPr id="4" name="Footer Placeholder 3"/>
+          <p:cNvSpPr>
+            <a:spLocks noGrp="1"/>
+          </p:cNvSpPr>
+          <p:nvPr>
+            <p:ph type="ftr" sz="quarter" idx="11"/>
+          </p:nvPr>
+        </p:nvSpPr>
+        <p:spPr/>
+        <p:txBody>
+          <a:bodyPr/>
+          <a:lstStyle/>
+          <a:p>
+            <a:r>
+              <a:rPr lang="en-US"/>
+              <a:t>Israel Zablianov ©  2018</a:t>
+            </a:r>
+            <a:endParaRPr lang="he-IL"/>
+          </a:p>
+        </p:txBody>
+      </p:sp>
+    </p:spTree>
+  </p:cSld>
+  <p:clrMapOvr>
+    <a:masterClrMapping/>
+  </p:clrMapOvr>
+</p:sld>
+</file>
+
+<file path=ppt/slides/slide20.xml><?xml version="1.0" encoding="utf-8"?>
+<p:sld xmlns:a="http://schemas.openxmlformats.org/drawingml/2006/main" xmlns:r="http://schemas.openxmlformats.org/officeDocument/2006/relationships" xmlns:p="http://schemas.openxmlformats.org/presentationml/2006/main">
+  <p:cSld>
+    <p:spTree>
+      <p:nvGrpSpPr>
+        <p:cNvPr id="1" name=""/>
+        <p:cNvGrpSpPr/>
+        <p:nvPr/>
+      </p:nvGrpSpPr>
+      <p:grpSpPr>
+        <a:xfrm>
+          <a:off x="0" y="0"/>
+          <a:ext cx="0" cy="0"/>
+          <a:chOff x="0" y="0"/>
+          <a:chExt cx="0" cy="0"/>
+        </a:xfrm>
+      </p:grpSpPr>
+      <p:sp>
+        <p:nvSpPr>
+          <p:cNvPr id="2" name="Title 1"/>
+          <p:cNvSpPr>
+            <a:spLocks noGrp="1"/>
+          </p:cNvSpPr>
+          <p:nvPr>
+            <p:ph type="title"/>
+          </p:nvPr>
+        </p:nvSpPr>
+        <p:spPr/>
+        <p:txBody>
           <a:bodyPr>
             <a:normAutofit/>
           </a:bodyPr>
           <a:lstStyle/>
           <a:p>
             <a:r>
-              <a:rPr lang="en-US" sz="3800" dirty="0" smtClean="0"/>
+              <a:rPr lang="en-US" sz="3800" dirty="0"/>
               <a:t>Functions optional &amp; default parameters</a:t>
             </a:r>
             <a:endParaRPr lang="he-IL" sz="3800" dirty="0"/>
@@ -6123,31 +5750,31 @@
           <a:lstStyle/>
           <a:p>
             <a:r>
-              <a:rPr lang="en-US" sz="2000" dirty="0" smtClean="0"/>
+              <a:rPr lang="en-US" sz="2000" dirty="0"/>
               <a:t>In JavaScript, every parameter is optional, and users may leave them off as</a:t>
             </a:r>
           </a:p>
           <a:p>
             <a:r>
-              <a:rPr lang="en-US" sz="2000" dirty="0" smtClean="0"/>
+              <a:rPr lang="en-US" sz="2000" dirty="0"/>
               <a:t>they see fit. </a:t>
             </a:r>
           </a:p>
           <a:p>
             <a:r>
-              <a:rPr lang="en-US" sz="2000" dirty="0" smtClean="0"/>
+              <a:rPr lang="en-US" sz="2000" dirty="0"/>
               <a:t>When they do, their value is undefined. </a:t>
             </a:r>
           </a:p>
           <a:p>
             <a:r>
-              <a:rPr lang="en-US" sz="2000" dirty="0" smtClean="0"/>
+              <a:rPr lang="en-US" sz="2000" dirty="0"/>
               <a:t>We can get this functionality in TypeScript by adding a ? to the end of</a:t>
             </a:r>
           </a:p>
           <a:p>
             <a:r>
-              <a:rPr lang="en-US" sz="2000" dirty="0" smtClean="0"/>
+              <a:rPr lang="en-US" sz="2000" dirty="0"/>
               <a:t>parameters we want to be optional. </a:t>
             </a:r>
           </a:p>
@@ -6156,7 +5783,7 @@
               <a:buNone/>
             </a:pPr>
             <a:r>
-              <a:rPr lang="en-US" sz="2000" dirty="0" smtClean="0"/>
+              <a:rPr lang="en-US" sz="2000" dirty="0"/>
               <a:t>For example, let’s say we want the last name parameter from</a:t>
             </a:r>
           </a:p>
@@ -6165,7 +5792,7 @@
               <a:buNone/>
             </a:pPr>
             <a:r>
-              <a:rPr lang="en-US" sz="2000" dirty="0" smtClean="0"/>
+              <a:rPr lang="en-US" sz="2000" dirty="0"/>
               <a:t>above to be optional:</a:t>
             </a:r>
             <a:endParaRPr lang="he-IL" sz="2000" dirty="0"/>
@@ -6188,7 +5815,7 @@
           <a:lstStyle/>
           <a:p>
             <a:r>
-              <a:rPr lang="en-US" smtClean="0"/>
+              <a:rPr lang="en-US"/>
               <a:t>Israel Zablianov ©  2018</a:t>
             </a:r>
             <a:endParaRPr lang="he-IL"/>
@@ -6226,17 +5853,10 @@
   <p:clrMapOvr>
     <a:masterClrMapping/>
   </p:clrMapOvr>
-  <p:timing>
-    <p:tnLst>
-      <p:par>
-        <p:cTn id="1" dur="indefinite" restart="never" nodeType="tmRoot"/>
-      </p:par>
-    </p:tnLst>
-  </p:timing>
 </p:sld>
 </file>
 
-<file path=ppt/slides/slide22.xml><?xml version="1.0" encoding="utf-8"?>
+<file path=ppt/slides/slide21.xml><?xml version="1.0" encoding="utf-8"?>
 <p:sld xmlns:a="http://schemas.openxmlformats.org/drawingml/2006/main" xmlns:r="http://schemas.openxmlformats.org/officeDocument/2006/relationships" xmlns:p="http://schemas.openxmlformats.org/presentationml/2006/main">
   <p:cSld>
     <p:spTree>
@@ -6271,7 +5891,7 @@
           <a:lstStyle/>
           <a:p>
             <a:r>
-              <a:rPr lang="en-US" sz="3800" dirty="0" smtClean="0"/>
+              <a:rPr lang="en-US" sz="3800" dirty="0"/>
               <a:t>Functions optional &amp; default parameters</a:t>
             </a:r>
             <a:endParaRPr lang="he-IL" sz="3800" dirty="0"/>
@@ -6296,25 +5916,25 @@
           <a:lstStyle/>
           <a:p>
             <a:r>
-              <a:rPr lang="en-US" sz="2000" dirty="0" smtClean="0"/>
+              <a:rPr lang="en-US" sz="2000" dirty="0"/>
               <a:t>In TypeScript, we can also set a value that a parameter will be assigned if the user does not provide one, or if the user passes undefined in its place.</a:t>
             </a:r>
           </a:p>
           <a:p>
             <a:r>
-              <a:rPr lang="en-US" sz="2000" dirty="0" smtClean="0"/>
+              <a:rPr lang="en-US" sz="2000" dirty="0"/>
               <a:t>These are called default-initialized parameters. </a:t>
             </a:r>
           </a:p>
           <a:p>
-            <a:endParaRPr lang="en-US" sz="2000" dirty="0" smtClean="0"/>
+            <a:endParaRPr lang="en-US" sz="2000" dirty="0"/>
           </a:p>
           <a:p>
             <a:pPr>
               <a:buNone/>
             </a:pPr>
             <a:r>
-              <a:rPr lang="en-US" sz="2000" dirty="0" smtClean="0"/>
+              <a:rPr lang="en-US" sz="2000" dirty="0"/>
               <a:t>Let’s take the previous example and default the last name to "Smith".</a:t>
             </a:r>
             <a:endParaRPr lang="he-IL" sz="2000" dirty="0"/>
@@ -6337,7 +5957,7 @@
           <a:lstStyle/>
           <a:p>
             <a:r>
-              <a:rPr lang="en-US" smtClean="0"/>
+              <a:rPr lang="en-US"/>
               <a:t>Israel Zablianov ©  2018</a:t>
             </a:r>
             <a:endParaRPr lang="he-IL"/>
@@ -6378,7 +5998,7 @@
 </p:sld>
 </file>
 
-<file path=ppt/slides/slide23.xml><?xml version="1.0" encoding="utf-8"?>
+<file path=ppt/slides/slide22.xml><?xml version="1.0" encoding="utf-8"?>
 <p:sld xmlns:a="http://schemas.openxmlformats.org/drawingml/2006/main" xmlns:r="http://schemas.openxmlformats.org/officeDocument/2006/relationships" xmlns:p="http://schemas.openxmlformats.org/presentationml/2006/main">
   <p:cSld>
     <p:spTree>
@@ -6411,7 +6031,7 @@
           <a:lstStyle/>
           <a:p>
             <a:r>
-              <a:rPr lang="en-US" dirty="0" smtClean="0"/>
+              <a:rPr lang="en-US" dirty="0"/>
               <a:t>Generics</a:t>
             </a:r>
             <a:endParaRPr lang="he-IL" dirty="0"/>
@@ -6436,31 +6056,31 @@
           <a:lstStyle/>
           <a:p>
             <a:r>
-              <a:rPr lang="en-US" sz="2000" dirty="0" smtClean="0"/>
+              <a:rPr lang="en-US" sz="2000" dirty="0"/>
               <a:t>A major part of software engineering is building components that not only have well-defined and consistent APIs, but are also reusable. </a:t>
             </a:r>
           </a:p>
           <a:p>
             <a:r>
-              <a:rPr lang="en-US" sz="2000" dirty="0" smtClean="0"/>
+              <a:rPr lang="en-US" sz="2000" dirty="0"/>
               <a:t>Generics is the capability to create components that can work with a variety of types.</a:t>
             </a:r>
           </a:p>
           <a:p>
             <a:r>
-              <a:rPr lang="en-US" sz="2000" dirty="0" err="1" smtClean="0"/>
+              <a:rPr lang="en-US" sz="2000" dirty="0" err="1"/>
               <a:t>TypeScript’s</a:t>
             </a:r>
             <a:r>
-              <a:rPr lang="en-US" sz="2000" dirty="0" smtClean="0"/>
+              <a:rPr lang="en-US" sz="2000" dirty="0"/>
               <a:t> generics does not </a:t>
             </a:r>
             <a:r>
-              <a:rPr lang="en-US" sz="2000" dirty="0" err="1" smtClean="0"/>
+              <a:rPr lang="en-US" sz="2000" dirty="0" err="1"/>
               <a:t>transpile</a:t>
             </a:r>
             <a:r>
-              <a:rPr lang="en-US" sz="2000" dirty="0" smtClean="0"/>
+              <a:rPr lang="en-US" sz="2000" dirty="0"/>
               <a:t> to anything special than a regular object.</a:t>
             </a:r>
             <a:endParaRPr lang="he-IL" sz="2000" dirty="0"/>
@@ -6483,7 +6103,7 @@
           <a:lstStyle/>
           <a:p>
             <a:r>
-              <a:rPr lang="en-US" smtClean="0"/>
+              <a:rPr lang="en-US"/>
               <a:t>Israel Zablianov ©  2018</a:t>
             </a:r>
             <a:endParaRPr lang="he-IL"/>
@@ -6521,17 +6141,10 @@
   <p:clrMapOvr>
     <a:masterClrMapping/>
   </p:clrMapOvr>
-  <p:timing>
-    <p:tnLst>
-      <p:par>
-        <p:cTn id="1" dur="indefinite" restart="never" nodeType="tmRoot"/>
-      </p:par>
-    </p:tnLst>
-  </p:timing>
 </p:sld>
 </file>
 
-<file path=ppt/slides/slide24.xml><?xml version="1.0" encoding="utf-8"?>
+<file path=ppt/slides/slide23.xml><?xml version="1.0" encoding="utf-8"?>
 <p:sld xmlns:a="http://schemas.openxmlformats.org/drawingml/2006/main" xmlns:r="http://schemas.openxmlformats.org/officeDocument/2006/relationships" xmlns:p="http://schemas.openxmlformats.org/presentationml/2006/main">
   <p:cSld>
     <p:spTree>
@@ -6566,7 +6179,7 @@
           <a:lstStyle/>
           <a:p>
             <a:r>
-              <a:rPr lang="en-US" dirty="0" smtClean="0"/>
+              <a:rPr lang="en-US" dirty="0"/>
               <a:t>Generic Constraints</a:t>
             </a:r>
             <a:endParaRPr lang="he-IL" dirty="0"/>
@@ -6591,18 +6204,18 @@
           <a:lstStyle/>
           <a:p>
             <a:r>
-              <a:rPr lang="en-US" sz="2000" dirty="0" smtClean="0"/>
+              <a:rPr lang="en-US" sz="2000" dirty="0"/>
               <a:t>Sometimes you want to write a generic function or class that works on a set of types where you have some knowledge about what capabilities that set of types will have.</a:t>
             </a:r>
           </a:p>
           <a:p>
             <a:r>
-              <a:rPr lang="en-US" sz="2000" dirty="0" smtClean="0"/>
+              <a:rPr lang="en-US" sz="2000" dirty="0"/>
               <a:t>The generic type can have constraints which will allow only specific types to be used as the types.</a:t>
             </a:r>
           </a:p>
           <a:p>
-            <a:endParaRPr lang="en-US" sz="2000" dirty="0" smtClean="0"/>
+            <a:endParaRPr lang="en-US" sz="2000" dirty="0"/>
           </a:p>
           <a:p>
             <a:pPr>
@@ -6628,7 +6241,7 @@
           <a:lstStyle/>
           <a:p>
             <a:r>
-              <a:rPr lang="en-US" smtClean="0"/>
+              <a:rPr lang="en-US"/>
               <a:t>Israel Zablianov ©  2018</a:t>
             </a:r>
             <a:endParaRPr lang="he-IL"/>
@@ -6666,17 +6279,10 @@
   <p:clrMapOvr>
     <a:masterClrMapping/>
   </p:clrMapOvr>
-  <p:timing>
-    <p:tnLst>
-      <p:par>
-        <p:cTn id="1" dur="indefinite" restart="never" nodeType="tmRoot"/>
-      </p:par>
-    </p:tnLst>
-  </p:timing>
 </p:sld>
 </file>
 
-<file path=ppt/slides/slide25.xml><?xml version="1.0" encoding="utf-8"?>
+<file path=ppt/slides/slide24.xml><?xml version="1.0" encoding="utf-8"?>
 <p:sld xmlns:a="http://schemas.openxmlformats.org/drawingml/2006/main" xmlns:r="http://schemas.openxmlformats.org/officeDocument/2006/relationships" xmlns:p="http://schemas.openxmlformats.org/presentationml/2006/main">
   <p:cSld>
     <p:spTree>
@@ -6747,7 +6353,7 @@
           <a:lstStyle/>
           <a:p>
             <a:r>
-              <a:rPr lang="en-US" smtClean="0"/>
+              <a:rPr lang="en-US"/>
               <a:t>Israel Zablianov ©  2018</a:t>
             </a:r>
             <a:endParaRPr lang="he-IL"/>
@@ -6785,13 +6391,6 @@
   <p:clrMapOvr>
     <a:masterClrMapping/>
   </p:clrMapOvr>
-  <p:timing>
-    <p:tnLst>
-      <p:par>
-        <p:cTn id="1" dur="indefinite" restart="never" nodeType="tmRoot"/>
-      </p:par>
-    </p:tnLst>
-  </p:timing>
 </p:sld>
 </file>
 
@@ -6828,12 +6427,8 @@
           <a:lstStyle/>
           <a:p>
             <a:r>
-              <a:rPr lang="en-GB" sz="4000" dirty="0" smtClean="0"/>
-              <a:t> </a:t>
-            </a:r>
-            <a:r>
-              <a:rPr lang="en-GB" dirty="0" smtClean="0"/>
-              <a:t>TypeScript Overview</a:t>
+              <a:rPr lang="en-GB" dirty="0"/>
+              <a:t>Types</a:t>
             </a:r>
             <a:endParaRPr lang="he-IL" dirty="0"/>
           </a:p>
@@ -6855,41 +6450,29 @@
           <a:lstStyle/>
           <a:p>
             <a:r>
-              <a:rPr lang="en-GB" dirty="0" smtClean="0"/>
-              <a:t>TypeScript is a superset of JavaScript </a:t>
-            </a:r>
-            <a:r>
-              <a:rPr lang="en-US" dirty="0" smtClean="0"/>
-              <a:t>that compiles to clean JavaScript output.</a:t>
-            </a:r>
-          </a:p>
-          <a:p>
-            <a:r>
-              <a:rPr lang="en-US" dirty="0" smtClean="0"/>
-              <a:t>JavaScript program is also a valid TypeScript program.</a:t>
-            </a:r>
-          </a:p>
-          <a:p>
-            <a:r>
-              <a:rPr lang="en-US" dirty="0" smtClean="0"/>
-              <a:t>TypeScript provides static typing through type annotations to enable type checking at compile time.</a:t>
-            </a:r>
-          </a:p>
-          <a:p>
-            <a:r>
-              <a:rPr lang="en-US" dirty="0" smtClean="0"/>
-              <a:t>TypeScript was first made public in October 2012 (at version 0.8), after two years of internal development at Microsoft.</a:t>
-            </a:r>
-          </a:p>
-          <a:p>
-            <a:r>
-              <a:rPr lang="en-US" dirty="0" smtClean="0"/>
-              <a:t>TypeScript adds optional types to JavaScript that support tools for large-scale JavaScript applications for any browser, for any host, on any OS.</a:t>
-            </a:r>
-            <a:endParaRPr lang="en-GB" dirty="0" smtClean="0"/>
-          </a:p>
-          <a:p>
-            <a:endParaRPr lang="he-IL" dirty="0"/>
+              <a:rPr lang="en-GB" dirty="0"/>
+              <a:t>TypeScript has a type system.</a:t>
+            </a:r>
+          </a:p>
+          <a:p>
+            <a:r>
+              <a:rPr lang="en-GB"/>
+              <a:t>TypeScript provides </a:t>
+            </a:r>
+            <a:r>
+              <a:rPr lang="en-GB" b="1" dirty="0"/>
+              <a:t>static typing</a:t>
+            </a:r>
+            <a:r>
+              <a:rPr lang="en-GB" dirty="0"/>
+              <a:t>, meaning it only effects on compile time.</a:t>
+            </a:r>
+          </a:p>
+          <a:p>
+            <a:r>
+              <a:rPr lang="en-GB" dirty="0"/>
+              <a:t>Examples: </a:t>
+            </a:r>
           </a:p>
         </p:txBody>
       </p:sp>
@@ -6909,135 +6492,7 @@
           <a:lstStyle/>
           <a:p>
             <a:r>
-              <a:rPr lang="en-US" smtClean="0"/>
-              <a:t>Israel Zablianov ©  2018</a:t>
-            </a:r>
-            <a:endParaRPr lang="he-IL"/>
-          </a:p>
-        </p:txBody>
-      </p:sp>
-    </p:spTree>
-  </p:cSld>
-  <p:clrMapOvr>
-    <a:masterClrMapping/>
-  </p:clrMapOvr>
-  <p:timing>
-    <p:tnLst>
-      <p:par>
-        <p:cTn id="1" dur="indefinite" restart="never" nodeType="tmRoot"/>
-      </p:par>
-    </p:tnLst>
-  </p:timing>
-</p:sld>
-</file>
-
-<file path=ppt/slides/slide4.xml><?xml version="1.0" encoding="utf-8"?>
-<p:sld xmlns:a="http://schemas.openxmlformats.org/drawingml/2006/main" xmlns:r="http://schemas.openxmlformats.org/officeDocument/2006/relationships" xmlns:p="http://schemas.openxmlformats.org/presentationml/2006/main">
-  <p:cSld>
-    <p:spTree>
-      <p:nvGrpSpPr>
-        <p:cNvPr id="1" name=""/>
-        <p:cNvGrpSpPr/>
-        <p:nvPr/>
-      </p:nvGrpSpPr>
-      <p:grpSpPr>
-        <a:xfrm>
-          <a:off x="0" y="0"/>
-          <a:ext cx="0" cy="0"/>
-          <a:chOff x="0" y="0"/>
-          <a:chExt cx="0" cy="0"/>
-        </a:xfrm>
-      </p:grpSpPr>
-      <p:sp>
-        <p:nvSpPr>
-          <p:cNvPr id="2" name="Title 1"/>
-          <p:cNvSpPr>
-            <a:spLocks noGrp="1"/>
-          </p:cNvSpPr>
-          <p:nvPr>
-            <p:ph type="title"/>
-          </p:nvPr>
-        </p:nvSpPr>
-        <p:spPr/>
-        <p:txBody>
-          <a:bodyPr/>
-          <a:lstStyle/>
-          <a:p>
-            <a:r>
-              <a:rPr lang="en-GB" dirty="0" smtClean="0"/>
-              <a:t>Types</a:t>
-            </a:r>
-            <a:endParaRPr lang="he-IL" dirty="0"/>
-          </a:p>
-        </p:txBody>
-      </p:sp>
-      <p:sp>
-        <p:nvSpPr>
-          <p:cNvPr id="3" name="Content Placeholder 2"/>
-          <p:cNvSpPr>
-            <a:spLocks noGrp="1"/>
-          </p:cNvSpPr>
-          <p:nvPr>
-            <p:ph idx="1"/>
-          </p:nvPr>
-        </p:nvSpPr>
-        <p:spPr/>
-        <p:txBody>
-          <a:bodyPr/>
-          <a:lstStyle/>
-          <a:p>
-            <a:r>
-              <a:rPr lang="en-GB" dirty="0" smtClean="0"/>
-              <a:t>TypeScript has a type system.</a:t>
-            </a:r>
-          </a:p>
-          <a:p>
-            <a:r>
-              <a:rPr lang="en-GB" smtClean="0"/>
-              <a:t>TypeScript </a:t>
-            </a:r>
-            <a:r>
-              <a:rPr lang="en-GB" smtClean="0"/>
-              <a:t>provides </a:t>
-            </a:r>
-            <a:r>
-              <a:rPr lang="en-GB" b="1" dirty="0" smtClean="0"/>
-              <a:t>static </a:t>
-            </a:r>
-            <a:r>
-              <a:rPr lang="en-GB" b="1" dirty="0" smtClean="0"/>
-              <a:t>typing</a:t>
-            </a:r>
-            <a:r>
-              <a:rPr lang="en-GB" dirty="0" smtClean="0"/>
-              <a:t>, meaning it only effects on compile time.</a:t>
-            </a:r>
-          </a:p>
-          <a:p>
-            <a:r>
-              <a:rPr lang="en-GB" dirty="0" smtClean="0"/>
-              <a:t>Examples: </a:t>
-            </a:r>
-          </a:p>
-        </p:txBody>
-      </p:sp>
-      <p:sp>
-        <p:nvSpPr>
-          <p:cNvPr id="4" name="Footer Placeholder 3"/>
-          <p:cNvSpPr>
-            <a:spLocks noGrp="1"/>
-          </p:cNvSpPr>
-          <p:nvPr>
-            <p:ph type="ftr" sz="quarter" idx="11"/>
-          </p:nvPr>
-        </p:nvSpPr>
-        <p:spPr/>
-        <p:txBody>
-          <a:bodyPr/>
-          <a:lstStyle/>
-          <a:p>
-            <a:r>
-              <a:rPr lang="en-US" smtClean="0"/>
+              <a:rPr lang="en-US"/>
               <a:t>Israel Zablianov ©  2018</a:t>
             </a:r>
             <a:endParaRPr lang="he-IL"/>
@@ -7075,17 +6530,10 @@
   <p:clrMapOvr>
     <a:masterClrMapping/>
   </p:clrMapOvr>
-  <p:timing>
-    <p:tnLst>
-      <p:par>
-        <p:cTn id="1" dur="indefinite" restart="never" nodeType="tmRoot"/>
-      </p:par>
-    </p:tnLst>
-  </p:timing>
 </p:sld>
 </file>
 
-<file path=ppt/slides/slide5.xml><?xml version="1.0" encoding="utf-8"?>
+<file path=ppt/slides/slide4.xml><?xml version="1.0" encoding="utf-8"?>
 <p:sld xmlns:a="http://schemas.openxmlformats.org/drawingml/2006/main" xmlns:r="http://schemas.openxmlformats.org/officeDocument/2006/relationships" xmlns:p="http://schemas.openxmlformats.org/presentationml/2006/main">
   <p:cSld>
     <p:spTree>
@@ -7118,7 +6566,7 @@
           <a:lstStyle/>
           <a:p>
             <a:r>
-              <a:rPr lang="en-US" dirty="0" smtClean="0"/>
+              <a:rPr lang="en-US" dirty="0"/>
               <a:t>Types</a:t>
             </a:r>
             <a:endParaRPr lang="he-IL" dirty="0"/>
@@ -7145,16 +6593,16 @@
           <a:bodyPr/>
           <a:lstStyle/>
           <a:p>
-            <a:endParaRPr lang="en-US" dirty="0" smtClean="0"/>
-          </a:p>
-          <a:p>
-            <a:endParaRPr lang="en-US" dirty="0" smtClean="0"/>
-          </a:p>
-          <a:p>
-            <a:endParaRPr lang="en-US" dirty="0" smtClean="0"/>
-          </a:p>
-          <a:p>
-            <a:endParaRPr lang="en-US" dirty="0" smtClean="0"/>
+            <a:endParaRPr lang="en-US" dirty="0"/>
+          </a:p>
+          <a:p>
+            <a:endParaRPr lang="en-US" dirty="0"/>
+          </a:p>
+          <a:p>
+            <a:endParaRPr lang="en-US" dirty="0"/>
+          </a:p>
+          <a:p>
+            <a:endParaRPr lang="en-US" dirty="0"/>
           </a:p>
           <a:p>
             <a:endParaRPr lang="he-IL" dirty="0"/>
@@ -7177,7 +6625,7 @@
           <a:lstStyle/>
           <a:p>
             <a:r>
-              <a:rPr lang="en-US" smtClean="0"/>
+              <a:rPr lang="en-US"/>
               <a:t>Israel Zablianov ©  2018</a:t>
             </a:r>
             <a:endParaRPr lang="he-IL"/>
@@ -7241,13 +6689,159 @@
   <p:clrMapOvr>
     <a:masterClrMapping/>
   </p:clrMapOvr>
-  <p:timing>
-    <p:tnLst>
-      <p:par>
-        <p:cTn id="1" dur="indefinite" restart="never" nodeType="tmRoot"/>
-      </p:par>
-    </p:tnLst>
-  </p:timing>
+</p:sld>
+</file>
+
+<file path=ppt/slides/slide5.xml><?xml version="1.0" encoding="utf-8"?>
+<p:sld xmlns:a="http://schemas.openxmlformats.org/drawingml/2006/main" xmlns:r="http://schemas.openxmlformats.org/officeDocument/2006/relationships" xmlns:p="http://schemas.openxmlformats.org/presentationml/2006/main">
+  <p:cSld>
+    <p:spTree>
+      <p:nvGrpSpPr>
+        <p:cNvPr id="1" name=""/>
+        <p:cNvGrpSpPr/>
+        <p:nvPr/>
+      </p:nvGrpSpPr>
+      <p:grpSpPr>
+        <a:xfrm>
+          <a:off x="0" y="0"/>
+          <a:ext cx="0" cy="0"/>
+          <a:chOff x="0" y="0"/>
+          <a:chExt cx="0" cy="0"/>
+        </a:xfrm>
+      </p:grpSpPr>
+      <p:sp>
+        <p:nvSpPr>
+          <p:cNvPr id="2" name="Title 1"/>
+          <p:cNvSpPr>
+            <a:spLocks noGrp="1"/>
+          </p:cNvSpPr>
+          <p:nvPr>
+            <p:ph type="title"/>
+          </p:nvPr>
+        </p:nvSpPr>
+        <p:spPr/>
+        <p:txBody>
+          <a:bodyPr/>
+          <a:lstStyle/>
+          <a:p>
+            <a:r>
+              <a:rPr lang="en-US" dirty="0"/>
+              <a:t>Types</a:t>
+            </a:r>
+            <a:endParaRPr lang="he-IL" dirty="0"/>
+          </a:p>
+        </p:txBody>
+      </p:sp>
+      <p:sp>
+        <p:nvSpPr>
+          <p:cNvPr id="3" name="Content Placeholder 2"/>
+          <p:cNvSpPr>
+            <a:spLocks noGrp="1"/>
+          </p:cNvSpPr>
+          <p:nvPr>
+            <p:ph idx="1"/>
+          </p:nvPr>
+        </p:nvSpPr>
+        <p:spPr/>
+        <p:txBody>
+          <a:bodyPr>
+            <a:normAutofit lnSpcReduction="10000"/>
+          </a:bodyPr>
+          <a:lstStyle/>
+          <a:p>
+            <a:r>
+              <a:rPr lang="en-US" dirty="0"/>
+              <a:t>The basic types are</a:t>
+            </a:r>
+          </a:p>
+          <a:p>
+            <a:pPr lvl="1" algn="l" rtl="0"/>
+            <a:r>
+              <a:rPr lang="en-US" dirty="0" err="1"/>
+              <a:t>boolean</a:t>
+            </a:r>
+            <a:endParaRPr lang="en-US" dirty="0"/>
+          </a:p>
+          <a:p>
+            <a:pPr lvl="1" algn="l" rtl="0"/>
+            <a:r>
+              <a:rPr lang="en-US" dirty="0"/>
+              <a:t>number</a:t>
+            </a:r>
+          </a:p>
+          <a:p>
+            <a:pPr lvl="1" algn="l" rtl="0"/>
+            <a:r>
+              <a:rPr lang="en-US" dirty="0"/>
+              <a:t>string</a:t>
+            </a:r>
+          </a:p>
+          <a:p>
+            <a:pPr lvl="1" algn="l" rtl="0"/>
+            <a:r>
+              <a:rPr lang="en-US" dirty="0"/>
+              <a:t>any</a:t>
+            </a:r>
+          </a:p>
+          <a:p>
+            <a:pPr lvl="1" algn="l" rtl="0"/>
+            <a:r>
+              <a:rPr lang="en-US" dirty="0"/>
+              <a:t>void</a:t>
+            </a:r>
+          </a:p>
+          <a:p>
+            <a:pPr lvl="1" algn="l" rtl="0"/>
+            <a:r>
+              <a:rPr lang="en-US" dirty="0"/>
+              <a:t>[]</a:t>
+            </a:r>
+          </a:p>
+          <a:p>
+            <a:pPr lvl="1" algn="l" rtl="0"/>
+            <a:r>
+              <a:rPr lang="en-US" dirty="0"/>
+              <a:t>Date</a:t>
+            </a:r>
+          </a:p>
+          <a:p>
+            <a:pPr lvl="1" algn="l" rtl="0"/>
+            <a:r>
+              <a:rPr lang="en-US" dirty="0"/>
+              <a:t>object</a:t>
+            </a:r>
+            <a:endParaRPr lang="he-IL" dirty="0"/>
+          </a:p>
+        </p:txBody>
+      </p:sp>
+      <p:sp>
+        <p:nvSpPr>
+          <p:cNvPr id="4" name="Footer Placeholder 3"/>
+          <p:cNvSpPr>
+            <a:spLocks noGrp="1"/>
+          </p:cNvSpPr>
+          <p:nvPr>
+            <p:ph type="ftr" sz="quarter" idx="11"/>
+          </p:nvPr>
+        </p:nvSpPr>
+        <p:spPr/>
+        <p:txBody>
+          <a:bodyPr/>
+          <a:lstStyle/>
+          <a:p>
+            <a:r>
+              <a:rPr lang="en-US"/>
+              <a:t>Israel Zablianov ©  2018</a:t>
+            </a:r>
+            <a:endParaRPr lang="he-IL"/>
+          </a:p>
+        </p:txBody>
+      </p:sp>
+    </p:spTree>
+  </p:cSld>
+  <p:clrMapOvr>
+    <a:masterClrMapping/>
+  </p:clrMapOvr>
 </p:sld>
 </file>
 
@@ -7284,7 +6878,7 @@
           <a:lstStyle/>
           <a:p>
             <a:r>
-              <a:rPr lang="en-US" dirty="0" smtClean="0"/>
+              <a:rPr lang="en-US" dirty="0"/>
               <a:t>Types</a:t>
             </a:r>
             <a:endParaRPr lang="he-IL" dirty="0"/>
@@ -7303,73 +6897,163 @@
         </p:nvSpPr>
         <p:spPr/>
         <p:txBody>
-          <a:bodyPr>
-            <a:normAutofit lnSpcReduction="10000"/>
-          </a:bodyPr>
-          <a:lstStyle/>
-          <a:p>
-            <a:r>
-              <a:rPr lang="en-US" dirty="0" smtClean="0"/>
-              <a:t>The basic types are</a:t>
-            </a:r>
-          </a:p>
-          <a:p>
-            <a:pPr lvl="1" algn="l" rtl="0"/>
-            <a:r>
-              <a:rPr lang="en-US" dirty="0" err="1" smtClean="0"/>
+          <a:bodyPr/>
+          <a:lstStyle/>
+          <a:p>
+            <a:r>
+              <a:rPr lang="en-US" sz="2800" dirty="0" err="1">
+                <a:solidFill>
+                  <a:schemeClr val="accent1">
+                    <a:lumMod val="75000"/>
+                  </a:schemeClr>
+                </a:solidFill>
+              </a:rPr>
               <a:t>boolean</a:t>
             </a:r>
-            <a:endParaRPr lang="en-US" dirty="0" smtClean="0"/>
-          </a:p>
-          <a:p>
-            <a:pPr lvl="1" algn="l" rtl="0"/>
-            <a:r>
-              <a:rPr lang="en-US" dirty="0" smtClean="0"/>
+            <a:endParaRPr lang="en-US" sz="2800" dirty="0">
+              <a:solidFill>
+                <a:schemeClr val="accent1">
+                  <a:lumMod val="75000"/>
+                </a:schemeClr>
+              </a:solidFill>
+            </a:endParaRPr>
+          </a:p>
+          <a:p>
+            <a:pPr>
+              <a:buNone/>
+            </a:pPr>
+            <a:r>
+              <a:rPr lang="en-US" dirty="0"/>
+              <a:t>	</a:t>
+            </a:r>
+            <a:r>
+              <a:rPr lang="en-US" sz="2000" dirty="0"/>
+              <a:t> The most basic </a:t>
+            </a:r>
+            <a:r>
+              <a:rPr lang="en-US" sz="2000" dirty="0" err="1"/>
+              <a:t>datatype</a:t>
+            </a:r>
+            <a:r>
+              <a:rPr lang="en-US" sz="2000" dirty="0"/>
+              <a:t> is the simple true/false value, which JavaScript and TypeScript call a </a:t>
+            </a:r>
+            <a:r>
+              <a:rPr lang="en-US" sz="2000" dirty="0" err="1">
+                <a:solidFill>
+                  <a:srgbClr val="FF0000"/>
+                </a:solidFill>
+              </a:rPr>
+              <a:t>boolean</a:t>
+            </a:r>
+            <a:r>
+              <a:rPr lang="en-US" sz="2000" dirty="0"/>
+              <a:t> value.</a:t>
+            </a:r>
+          </a:p>
+          <a:p>
+            <a:r>
+              <a:rPr lang="en-US" sz="2800" dirty="0">
+                <a:solidFill>
+                  <a:schemeClr val="accent1">
+                    <a:lumMod val="75000"/>
+                  </a:schemeClr>
+                </a:solidFill>
+              </a:rPr>
+              <a:t>number </a:t>
+            </a:r>
+          </a:p>
+          <a:p>
+            <a:pPr>
+              <a:buNone/>
+            </a:pPr>
+            <a:r>
+              <a:rPr lang="en-US" sz="2000" dirty="0"/>
+              <a:t>	As in JavaScript, all numbers in TypeScript are floating point values. </a:t>
+            </a:r>
+          </a:p>
+          <a:p>
+            <a:pPr>
+              <a:buNone/>
+            </a:pPr>
+            <a:r>
+              <a:rPr lang="en-US" sz="2000" dirty="0"/>
+              <a:t>	These floating point numbers get the type </a:t>
+            </a:r>
+            <a:r>
+              <a:rPr lang="en-US" sz="2000" dirty="0">
+                <a:solidFill>
+                  <a:srgbClr val="FF0000"/>
+                </a:solidFill>
+              </a:rPr>
               <a:t>number</a:t>
             </a:r>
-          </a:p>
-          <a:p>
-            <a:pPr lvl="1" algn="l" rtl="0"/>
-            <a:r>
-              <a:rPr lang="en-US" dirty="0" smtClean="0"/>
+            <a:r>
+              <a:rPr lang="en-US" sz="2000" dirty="0"/>
+              <a:t>. </a:t>
+            </a:r>
+          </a:p>
+          <a:p>
+            <a:r>
+              <a:rPr lang="en-US" sz="2800" dirty="0">
+                <a:solidFill>
+                  <a:schemeClr val="accent1">
+                    <a:lumMod val="75000"/>
+                  </a:schemeClr>
+                </a:solidFill>
+              </a:rPr>
               <a:t>string</a:t>
             </a:r>
           </a:p>
           <a:p>
-            <a:pPr lvl="1" algn="l" rtl="0"/>
-            <a:r>
-              <a:rPr lang="en-US" dirty="0" smtClean="0"/>
-              <a:t>any</a:t>
-            </a:r>
-          </a:p>
-          <a:p>
-            <a:pPr lvl="1" algn="l" rtl="0"/>
-            <a:r>
-              <a:rPr lang="en-US" dirty="0" smtClean="0"/>
-              <a:t>void</a:t>
-            </a:r>
-          </a:p>
-          <a:p>
-            <a:pPr lvl="1" algn="l" rtl="0"/>
-            <a:r>
-              <a:rPr lang="en-US" dirty="0" smtClean="0"/>
-              <a:t>[]</a:t>
-            </a:r>
-          </a:p>
-          <a:p>
-            <a:pPr lvl="1" algn="l" rtl="0"/>
-            <a:r>
-              <a:rPr lang="en-US" dirty="0" smtClean="0"/>
-              <a:t>Date</a:t>
-            </a:r>
-          </a:p>
-          <a:p>
-            <a:pPr lvl="1" algn="l" rtl="0"/>
-            <a:r>
-              <a:rPr lang="en-US" dirty="0" smtClean="0"/>
-              <a:t>object</a:t>
-            </a:r>
-            <a:endParaRPr lang="he-IL" dirty="0"/>
+            <a:pPr>
+              <a:buNone/>
+            </a:pPr>
+            <a:r>
+              <a:rPr lang="en-US" sz="2000" dirty="0"/>
+              <a:t>	Just like JavaScript, TypeScript also uses double quotes (") or single quotes (') to surround </a:t>
+            </a:r>
+            <a:r>
+              <a:rPr lang="en-US" sz="2000" dirty="0">
+                <a:solidFill>
+                  <a:srgbClr val="FF0000"/>
+                </a:solidFill>
+              </a:rPr>
+              <a:t>string</a:t>
+            </a:r>
+            <a:r>
+              <a:rPr lang="en-US" sz="2000" dirty="0"/>
+              <a:t> data.</a:t>
+            </a:r>
+            <a:endParaRPr lang="en-US" sz="2000" dirty="0">
+              <a:solidFill>
+                <a:schemeClr val="accent1">
+                  <a:lumMod val="75000"/>
+                </a:schemeClr>
+              </a:solidFill>
+            </a:endParaRPr>
+          </a:p>
+          <a:p>
+            <a:pPr>
+              <a:buNone/>
+            </a:pPr>
+            <a:r>
+              <a:rPr lang="en-US" sz="2800" dirty="0">
+                <a:solidFill>
+                  <a:schemeClr val="accent1">
+                    <a:lumMod val="75000"/>
+                  </a:schemeClr>
+                </a:solidFill>
+              </a:rPr>
+              <a:t>	</a:t>
+            </a:r>
+            <a:endParaRPr lang="he-IL" sz="2800" dirty="0">
+              <a:solidFill>
+                <a:schemeClr val="accent1">
+                  <a:lumMod val="75000"/>
+                </a:schemeClr>
+              </a:solidFill>
+            </a:endParaRPr>
           </a:p>
         </p:txBody>
       </p:sp>
@@ -7389,7 +7073,7 @@
           <a:lstStyle/>
           <a:p>
             <a:r>
-              <a:rPr lang="en-US" smtClean="0"/>
+              <a:rPr lang="en-US"/>
               <a:t>Israel Zablianov ©  2018</a:t>
             </a:r>
             <a:endParaRPr lang="he-IL"/>
@@ -7401,13 +7085,6 @@
   <p:clrMapOvr>
     <a:masterClrMapping/>
   </p:clrMapOvr>
-  <p:timing>
-    <p:tnLst>
-      <p:par>
-        <p:cTn id="1" dur="indefinite" restart="never" nodeType="tmRoot"/>
-      </p:par>
-    </p:tnLst>
-  </p:timing>
 </p:sld>
 </file>
 
@@ -7444,7 +7121,7 @@
           <a:lstStyle/>
           <a:p>
             <a:r>
-              <a:rPr lang="en-US" dirty="0" smtClean="0"/>
+              <a:rPr lang="en-US" dirty="0"/>
               <a:t>Types</a:t>
             </a:r>
             <a:endParaRPr lang="he-IL" dirty="0"/>
@@ -7463,70 +7140,106 @@
         </p:nvSpPr>
         <p:spPr/>
         <p:txBody>
-          <a:bodyPr/>
-          <a:lstStyle/>
-          <a:p>
-            <a:r>
-              <a:rPr lang="en-US" sz="2800" dirty="0" err="1" smtClean="0">
+          <a:bodyPr>
+            <a:normAutofit/>
+          </a:bodyPr>
+          <a:lstStyle/>
+          <a:p>
+            <a:r>
+              <a:rPr lang="en-US" sz="2800" dirty="0">
                 <a:solidFill>
                   <a:schemeClr val="accent1">
                     <a:lumMod val="75000"/>
                   </a:schemeClr>
                 </a:solidFill>
               </a:rPr>
-              <a:t>boolean</a:t>
-            </a:r>
-            <a:endParaRPr lang="en-US" sz="2800" dirty="0" smtClean="0">
-              <a:solidFill>
-                <a:schemeClr val="accent1">
-                  <a:lumMod val="75000"/>
-                </a:schemeClr>
-              </a:solidFill>
-            </a:endParaRPr>
+              <a:t>[] – Array</a:t>
+            </a:r>
           </a:p>
           <a:p>
             <a:pPr>
               <a:buNone/>
             </a:pPr>
             <a:r>
-              <a:rPr lang="en-US" dirty="0" smtClean="0"/>
+              <a:rPr lang="en-US" sz="2000" dirty="0"/>
+              <a:t>	 TypeScript, like JavaScript, allows you to work with arrays of values.</a:t>
+            </a:r>
+          </a:p>
+          <a:p>
+            <a:pPr>
+              <a:buNone/>
+            </a:pPr>
+            <a:r>
+              <a:rPr lang="en-US" sz="2000" dirty="0"/>
               <a:t>	</a:t>
             </a:r>
             <a:r>
-              <a:rPr lang="en-US" sz="2000" dirty="0" smtClean="0"/>
-              <a:t> The most basic </a:t>
-            </a:r>
-            <a:r>
-              <a:rPr lang="en-US" sz="2000" dirty="0" err="1" smtClean="0"/>
-              <a:t>datatype</a:t>
-            </a:r>
-            <a:r>
-              <a:rPr lang="en-US" sz="2000" dirty="0" smtClean="0"/>
-              <a:t> is the simple true/false value, which JavaScript and TypeScript call a </a:t>
-            </a:r>
-            <a:r>
-              <a:rPr lang="en-US" sz="2000" dirty="0" err="1" smtClean="0">
+              <a:rPr lang="en-US" sz="2000" b="1" dirty="0"/>
+              <a:t> let</a:t>
+            </a:r>
+            <a:r>
+              <a:rPr lang="en-US" sz="2000" dirty="0"/>
+              <a:t> </a:t>
+            </a:r>
+            <a:r>
+              <a:rPr lang="en-US" sz="2000" dirty="0">
                 <a:solidFill>
-                  <a:srgbClr val="FF0000"/>
+                  <a:srgbClr val="00B050"/>
                 </a:solidFill>
               </a:rPr>
-              <a:t>boolean</a:t>
-            </a:r>
-            <a:r>
-              <a:rPr lang="en-US" sz="2000" dirty="0" smtClean="0"/>
-              <a:t> value.</a:t>
-            </a:r>
-          </a:p>
-          <a:p>
-            <a:r>
-              <a:rPr lang="en-US" sz="2800" dirty="0" smtClean="0">
+              <a:t>list</a:t>
+            </a:r>
+            <a:r>
+              <a:rPr lang="en-US" sz="2000" dirty="0"/>
+              <a:t>: </a:t>
+            </a:r>
+            <a:r>
+              <a:rPr lang="en-US" sz="2000" dirty="0">
+                <a:solidFill>
+                  <a:srgbClr val="0070C0"/>
+                </a:solidFill>
+              </a:rPr>
+              <a:t>number</a:t>
+            </a:r>
+            <a:r>
+              <a:rPr lang="en-US" sz="2000" dirty="0"/>
+              <a:t>[] = </a:t>
+            </a:r>
+            <a:r>
+              <a:rPr lang="en-US" sz="2000" dirty="0">
+                <a:solidFill>
+                  <a:srgbClr val="0070C0"/>
+                </a:solidFill>
+              </a:rPr>
+              <a:t>[</a:t>
+            </a:r>
+            <a:r>
+              <a:rPr lang="en-US" sz="2000" dirty="0"/>
+              <a:t>1, 2, 3</a:t>
+            </a:r>
+            <a:r>
+              <a:rPr lang="en-US" sz="2000" dirty="0">
+                <a:solidFill>
+                  <a:srgbClr val="0070C0"/>
+                </a:solidFill>
+              </a:rPr>
+              <a:t>]</a:t>
+            </a:r>
+            <a:r>
+              <a:rPr lang="en-US" sz="2000" dirty="0"/>
+              <a:t>;</a:t>
+            </a:r>
+          </a:p>
+          <a:p>
+            <a:r>
+              <a:rPr lang="en-US" sz="2800" dirty="0">
                 <a:solidFill>
                   <a:schemeClr val="accent1">
                     <a:lumMod val="75000"/>
                   </a:schemeClr>
                 </a:solidFill>
               </a:rPr>
-              <a:t>number </a:t>
+              <a:t>any</a:t>
             </a:r>
           </a:p>
           <a:p>
@@ -7534,77 +7247,7 @@
               <a:buNone/>
             </a:pPr>
             <a:r>
-              <a:rPr lang="en-US" sz="2000" dirty="0" smtClean="0"/>
-              <a:t>	As in JavaScript, all numbers in TypeScript are floating point values. </a:t>
-            </a:r>
-          </a:p>
-          <a:p>
-            <a:pPr>
-              <a:buNone/>
-            </a:pPr>
-            <a:r>
-              <a:rPr lang="en-US" sz="2000" dirty="0" smtClean="0"/>
-              <a:t>	These floating point numbers get the type </a:t>
-            </a:r>
-            <a:r>
-              <a:rPr lang="en-US" sz="2000" dirty="0" smtClean="0">
-                <a:solidFill>
-                  <a:srgbClr val="FF0000"/>
-                </a:solidFill>
-              </a:rPr>
-              <a:t>number</a:t>
-            </a:r>
-            <a:r>
-              <a:rPr lang="en-US" sz="2000" dirty="0" smtClean="0"/>
-              <a:t>. </a:t>
-            </a:r>
-          </a:p>
-          <a:p>
-            <a:r>
-              <a:rPr lang="en-US" sz="2800" dirty="0" smtClean="0">
-                <a:solidFill>
-                  <a:schemeClr val="accent1">
-                    <a:lumMod val="75000"/>
-                  </a:schemeClr>
-                </a:solidFill>
-              </a:rPr>
-              <a:t>string</a:t>
-            </a:r>
-          </a:p>
-          <a:p>
-            <a:pPr>
-              <a:buNone/>
-            </a:pPr>
-            <a:r>
-              <a:rPr lang="en-US" sz="2000" dirty="0" smtClean="0"/>
-              <a:t>	Just like JavaScript, TypeScript also uses double quotes (") or single quotes (') to surround </a:t>
-            </a:r>
-            <a:r>
-              <a:rPr lang="en-US" sz="2000" dirty="0" smtClean="0">
-                <a:solidFill>
-                  <a:srgbClr val="FF0000"/>
-                </a:solidFill>
-              </a:rPr>
-              <a:t>string</a:t>
-            </a:r>
-            <a:r>
-              <a:rPr lang="en-US" sz="2000" dirty="0" smtClean="0"/>
-              <a:t> data.</a:t>
-            </a:r>
-            <a:endParaRPr lang="en-US" sz="2000" dirty="0" smtClean="0">
-              <a:solidFill>
-                <a:schemeClr val="accent1">
-                  <a:lumMod val="75000"/>
-                </a:schemeClr>
-              </a:solidFill>
-            </a:endParaRPr>
-          </a:p>
-          <a:p>
-            <a:pPr>
-              <a:buNone/>
-            </a:pPr>
-            <a:r>
-              <a:rPr lang="en-US" sz="2800" dirty="0" smtClean="0">
+              <a:rPr lang="en-US" sz="2800" dirty="0">
                 <a:solidFill>
                   <a:schemeClr val="accent1">
                     <a:lumMod val="75000"/>
@@ -7613,7 +7256,38 @@
               </a:rPr>
               <a:t>	</a:t>
             </a:r>
-            <a:endParaRPr lang="he-IL" sz="2800" dirty="0">
+            <a:r>
+              <a:rPr lang="en-US" sz="2000" dirty="0"/>
+              <a:t>We may need to describe the type of variables that we do not know when we are writing an application. </a:t>
+            </a:r>
+          </a:p>
+          <a:p>
+            <a:pPr>
+              <a:buNone/>
+            </a:pPr>
+            <a:r>
+              <a:rPr lang="en-US" sz="2000" dirty="0"/>
+              <a:t>	These values may come from dynamic content, e.g. from the user or a 3rd party library. </a:t>
+            </a:r>
+          </a:p>
+          <a:p>
+            <a:pPr>
+              <a:buNone/>
+            </a:pPr>
+            <a:r>
+              <a:rPr lang="en-US" sz="2000" dirty="0"/>
+              <a:t>	In these cases, we want to opt-out of type-checking and let the values pass through compile-time checks. </a:t>
+            </a:r>
+          </a:p>
+          <a:p>
+            <a:pPr>
+              <a:buNone/>
+            </a:pPr>
+            <a:r>
+              <a:rPr lang="en-US" sz="2000" dirty="0"/>
+              <a:t>	To do so, we label these with the any type</a:t>
+            </a:r>
+            <a:endParaRPr lang="en-US" sz="2000" dirty="0">
               <a:solidFill>
                 <a:schemeClr val="accent1">
                   <a:lumMod val="75000"/>
@@ -7621,6 +7295,9 @@
               </a:solidFill>
             </a:endParaRPr>
           </a:p>
+          <a:p>
+            <a:endParaRPr lang="he-IL" sz="2800" dirty="0"/>
+          </a:p>
         </p:txBody>
       </p:sp>
       <p:sp>
@@ -7639,7 +7316,7 @@
           <a:lstStyle/>
           <a:p>
             <a:r>
-              <a:rPr lang="en-US" smtClean="0"/>
+              <a:rPr lang="en-US"/>
               <a:t>Israel Zablianov ©  2018</a:t>
             </a:r>
             <a:endParaRPr lang="he-IL"/>
@@ -7651,13 +7328,6 @@
   <p:clrMapOvr>
     <a:masterClrMapping/>
   </p:clrMapOvr>
-  <p:timing>
-    <p:tnLst>
-      <p:par>
-        <p:cTn id="1" dur="indefinite" restart="never" nodeType="tmRoot"/>
-      </p:par>
-    </p:tnLst>
-  </p:timing>
 </p:sld>
 </file>
 
@@ -7694,7 +7364,7 @@
           <a:lstStyle/>
           <a:p>
             <a:r>
-              <a:rPr lang="en-US" dirty="0" smtClean="0"/>
+              <a:rPr lang="en-US" dirty="0"/>
               <a:t>Types</a:t>
             </a:r>
             <a:endParaRPr lang="he-IL" dirty="0"/>
@@ -7713,20 +7383,18 @@
         </p:nvSpPr>
         <p:spPr/>
         <p:txBody>
-          <a:bodyPr>
-            <a:normAutofit/>
-          </a:bodyPr>
-          <a:lstStyle/>
-          <a:p>
-            <a:r>
-              <a:rPr lang="en-US" sz="2800" dirty="0" smtClean="0">
+          <a:bodyPr/>
+          <a:lstStyle/>
+          <a:p>
+            <a:r>
+              <a:rPr lang="en-US" sz="2800" dirty="0">
                 <a:solidFill>
                   <a:schemeClr val="accent1">
                     <a:lumMod val="75000"/>
                   </a:schemeClr>
                 </a:solidFill>
               </a:rPr>
-              <a:t>[] – Array</a:t>
+              <a:t>void</a:t>
             </a:r>
           </a:p>
           <a:p>
@@ -7734,93 +7402,7 @@
               <a:buNone/>
             </a:pPr>
             <a:r>
-              <a:rPr lang="en-US" sz="2000" dirty="0" smtClean="0"/>
-              <a:t>	 TypeScript, like JavaScript, allows you to work with arrays of values.</a:t>
-            </a:r>
-          </a:p>
-          <a:p>
-            <a:pPr>
-              <a:buNone/>
-            </a:pPr>
-            <a:r>
-              <a:rPr lang="en-US" sz="2000" dirty="0" smtClean="0"/>
-              <a:t>	</a:t>
-            </a:r>
-            <a:r>
-              <a:rPr lang="en-US" sz="2000" b="1" dirty="0" smtClean="0"/>
-              <a:t> let</a:t>
-            </a:r>
-            <a:r>
-              <a:rPr lang="en-US" sz="2000" dirty="0" smtClean="0"/>
-              <a:t> </a:t>
-            </a:r>
-            <a:r>
-              <a:rPr lang="en-US" sz="2000" dirty="0" smtClean="0">
-                <a:solidFill>
-                  <a:srgbClr val="00B050"/>
-                </a:solidFill>
-              </a:rPr>
-              <a:t>list</a:t>
-            </a:r>
-            <a:r>
-              <a:rPr lang="en-US" sz="2000" dirty="0" smtClean="0"/>
-              <a:t>: </a:t>
-            </a:r>
-            <a:r>
-              <a:rPr lang="en-US" sz="2000" dirty="0" smtClean="0">
-                <a:solidFill>
-                  <a:srgbClr val="0070C0"/>
-                </a:solidFill>
-              </a:rPr>
-              <a:t>number</a:t>
-            </a:r>
-            <a:r>
-              <a:rPr lang="en-US" sz="2000" dirty="0" smtClean="0"/>
-              <a:t>[] = </a:t>
-            </a:r>
-            <a:r>
-              <a:rPr lang="en-US" sz="2000" dirty="0" smtClean="0">
-                <a:solidFill>
-                  <a:srgbClr val="0070C0"/>
-                </a:solidFill>
-              </a:rPr>
-              <a:t>[</a:t>
-            </a:r>
-            <a:r>
-              <a:rPr lang="en-US" sz="2000" dirty="0" smtClean="0"/>
-              <a:t>1, 2, 3</a:t>
-            </a:r>
-            <a:r>
-              <a:rPr lang="en-US" sz="2000" dirty="0" smtClean="0">
-                <a:solidFill>
-                  <a:srgbClr val="0070C0"/>
-                </a:solidFill>
-              </a:rPr>
-              <a:t>]</a:t>
-            </a:r>
-            <a:r>
-              <a:rPr lang="en-US" sz="2000" dirty="0" smtClean="0"/>
-              <a:t>;</a:t>
-            </a:r>
-          </a:p>
-          <a:p>
-            <a:r>
-              <a:rPr lang="en-US" sz="2800" dirty="0" smtClean="0">
-                <a:solidFill>
-                  <a:schemeClr val="accent1">
-                    <a:lumMod val="75000"/>
-                  </a:schemeClr>
-                </a:solidFill>
-              </a:rPr>
-              <a:t>any</a:t>
-            </a:r>
-          </a:p>
-          <a:p>
-            <a:pPr>
-              <a:buNone/>
-            </a:pPr>
-            <a:r>
-              <a:rPr lang="en-US" sz="2800" dirty="0" smtClean="0">
+              <a:rPr lang="en-US" sz="2800" dirty="0">
                 <a:solidFill>
                   <a:schemeClr val="accent1">
                     <a:lumMod val="75000"/>
@@ -7830,8 +7412,16 @@
               <a:t>	</a:t>
             </a:r>
             <a:r>
-              <a:rPr lang="en-US" sz="2000" dirty="0" smtClean="0"/>
-              <a:t>We may need to describe the type of variables that we do not know when we are writing an application. </a:t>
+              <a:rPr lang="en-US" sz="2000" dirty="0">
+                <a:solidFill>
+                  <a:srgbClr val="FF0000"/>
+                </a:solidFill>
+              </a:rPr>
+              <a:t>void</a:t>
+            </a:r>
+            <a:r>
+              <a:rPr lang="en-US" sz="2000" dirty="0"/>
+              <a:t> is a little like the opposite of any, the absence of having any type at all. </a:t>
             </a:r>
           </a:p>
           <a:p>
@@ -7839,28 +7429,15 @@
               <a:buNone/>
             </a:pPr>
             <a:r>
-              <a:rPr lang="en-US" sz="2000" dirty="0" smtClean="0"/>
-              <a:t>	These values may come from dynamic content, e.g. from the user or a 3rd party library. </a:t>
+              <a:rPr lang="en-US" sz="2000" dirty="0"/>
+              <a:t>	You may commonly see this as the return type of functions that do not return a value.</a:t>
             </a:r>
           </a:p>
           <a:p>
             <a:pPr>
               <a:buNone/>
             </a:pPr>
-            <a:r>
-              <a:rPr lang="en-US" sz="2000" dirty="0" smtClean="0"/>
-              <a:t>	In these cases, we want to opt-out of type-checking and let the values pass through compile-time checks. </a:t>
-            </a:r>
-          </a:p>
-          <a:p>
-            <a:pPr>
-              <a:buNone/>
-            </a:pPr>
-            <a:r>
-              <a:rPr lang="en-US" sz="2000" dirty="0" smtClean="0"/>
-              <a:t>	To do so, we label these with the any type</a:t>
-            </a:r>
-            <a:endParaRPr lang="en-US" sz="2000" dirty="0" smtClean="0">
+            <a:endParaRPr lang="en-US" sz="2000" dirty="0">
               <a:solidFill>
                 <a:schemeClr val="accent1">
                   <a:lumMod val="75000"/>
@@ -7869,7 +7446,102 @@
             </a:endParaRPr>
           </a:p>
           <a:p>
-            <a:endParaRPr lang="he-IL" sz="2800" dirty="0"/>
+            <a:pPr>
+              <a:buNone/>
+            </a:pPr>
+            <a:r>
+              <a:rPr lang="en-US" sz="2000" dirty="0">
+                <a:solidFill>
+                  <a:schemeClr val="accent1">
+                    <a:lumMod val="75000"/>
+                  </a:schemeClr>
+                </a:solidFill>
+              </a:rPr>
+              <a:t>	</a:t>
+            </a:r>
+            <a:r>
+              <a:rPr lang="en-US" sz="2000" b="1" dirty="0"/>
+              <a:t> </a:t>
+            </a:r>
+            <a:r>
+              <a:rPr lang="en-US" sz="2000" b="1" dirty="0">
+                <a:solidFill>
+                  <a:schemeClr val="accent1">
+                    <a:lumMod val="75000"/>
+                  </a:schemeClr>
+                </a:solidFill>
+              </a:rPr>
+              <a:t>function</a:t>
+            </a:r>
+            <a:r>
+              <a:rPr lang="en-US" sz="2000" dirty="0"/>
+              <a:t> </a:t>
+            </a:r>
+            <a:r>
+              <a:rPr lang="en-US" sz="2000" b="1" dirty="0" err="1"/>
+              <a:t>warnUser</a:t>
+            </a:r>
+            <a:r>
+              <a:rPr lang="en-US" sz="2000" dirty="0"/>
+              <a:t>():  </a:t>
+            </a:r>
+            <a:r>
+              <a:rPr lang="en-US" sz="2000" b="1" dirty="0">
+                <a:solidFill>
+                  <a:srgbClr val="00B050"/>
+                </a:solidFill>
+              </a:rPr>
+              <a:t>void</a:t>
+            </a:r>
+            <a:r>
+              <a:rPr lang="en-US" sz="2000" dirty="0"/>
+              <a:t> { </a:t>
+            </a:r>
+          </a:p>
+          <a:p>
+            <a:pPr>
+              <a:buNone/>
+            </a:pPr>
+            <a:r>
+              <a:rPr lang="en-US" sz="2000" dirty="0"/>
+              <a:t>		</a:t>
+            </a:r>
+            <a:r>
+              <a:rPr lang="en-US" sz="2000" dirty="0">
+                <a:solidFill>
+                  <a:srgbClr val="00B050"/>
+                </a:solidFill>
+              </a:rPr>
+              <a:t>console</a:t>
+            </a:r>
+            <a:r>
+              <a:rPr lang="en-US" sz="2000" dirty="0">
+                <a:solidFill>
+                  <a:schemeClr val="tx2"/>
+                </a:solidFill>
+              </a:rPr>
+              <a:t>.log</a:t>
+            </a:r>
+            <a:r>
+              <a:rPr lang="en-US" sz="2000" dirty="0"/>
+              <a:t>("This is my warning message"); </a:t>
+            </a:r>
+          </a:p>
+          <a:p>
+            <a:pPr>
+              <a:buNone/>
+            </a:pPr>
+            <a:r>
+              <a:rPr lang="en-US" sz="2000" dirty="0"/>
+              <a:t>	}</a:t>
+            </a:r>
+            <a:endParaRPr lang="he-IL" sz="2000" dirty="0">
+              <a:solidFill>
+                <a:schemeClr val="accent1">
+                  <a:lumMod val="75000"/>
+                </a:schemeClr>
+              </a:solidFill>
+            </a:endParaRPr>
           </a:p>
         </p:txBody>
       </p:sp>
@@ -7889,7 +7561,7 @@
           <a:lstStyle/>
           <a:p>
             <a:r>
-              <a:rPr lang="en-US" smtClean="0"/>
+              <a:rPr lang="en-US"/>
               <a:t>Israel Zablianov ©  2018</a:t>
             </a:r>
             <a:endParaRPr lang="he-IL"/>
@@ -7937,8 +7609,8 @@
           <a:lstStyle/>
           <a:p>
             <a:r>
-              <a:rPr lang="en-US" dirty="0" smtClean="0"/>
-              <a:t>Types</a:t>
+              <a:rPr lang="en-US" dirty="0"/>
+              <a:t>Interfaces</a:t>
             </a:r>
             <a:endParaRPr lang="he-IL" dirty="0"/>
           </a:p>
@@ -7956,165 +7628,44 @@
         </p:nvSpPr>
         <p:spPr/>
         <p:txBody>
-          <a:bodyPr/>
-          <a:lstStyle/>
-          <a:p>
-            <a:r>
-              <a:rPr lang="en-US" sz="2800" dirty="0" smtClean="0">
-                <a:solidFill>
-                  <a:schemeClr val="accent1">
-                    <a:lumMod val="75000"/>
-                  </a:schemeClr>
-                </a:solidFill>
-              </a:rPr>
-              <a:t>void</a:t>
-            </a:r>
-          </a:p>
-          <a:p>
-            <a:pPr>
-              <a:buNone/>
-            </a:pPr>
-            <a:r>
-              <a:rPr lang="en-US" sz="2800" dirty="0" smtClean="0">
-                <a:solidFill>
-                  <a:schemeClr val="accent1">
-                    <a:lumMod val="75000"/>
-                  </a:schemeClr>
-                </a:solidFill>
-              </a:rPr>
-              <a:t>	</a:t>
-            </a:r>
-            <a:r>
-              <a:rPr lang="en-US" sz="2000" dirty="0" smtClean="0">
-                <a:solidFill>
-                  <a:srgbClr val="FF0000"/>
-                </a:solidFill>
-              </a:rPr>
-              <a:t>void</a:t>
-            </a:r>
-            <a:r>
-              <a:rPr lang="en-US" sz="2000" dirty="0" smtClean="0"/>
-              <a:t> is a little like the opposite of any, the absence of having any type at all. </a:t>
-            </a:r>
-          </a:p>
-          <a:p>
-            <a:pPr>
-              <a:buNone/>
-            </a:pPr>
-            <a:r>
-              <a:rPr lang="en-US" sz="2000" dirty="0" smtClean="0"/>
-              <a:t>	You may commonly see this as the return type of functions that do not return a value.</a:t>
-            </a:r>
-          </a:p>
-          <a:p>
-            <a:pPr>
-              <a:buNone/>
-            </a:pPr>
-            <a:endParaRPr lang="en-US" sz="2000" dirty="0" smtClean="0">
-              <a:solidFill>
-                <a:schemeClr val="accent1">
-                  <a:lumMod val="75000"/>
-                </a:schemeClr>
-              </a:solidFill>
-            </a:endParaRPr>
-          </a:p>
-          <a:p>
-            <a:pPr>
-              <a:buNone/>
-            </a:pPr>
-            <a:r>
-              <a:rPr lang="en-US" sz="2000" dirty="0" smtClean="0">
-                <a:solidFill>
-                  <a:schemeClr val="accent1">
-                    <a:lumMod val="75000"/>
-                  </a:schemeClr>
-                </a:solidFill>
-              </a:rPr>
-              <a:t>	</a:t>
-            </a:r>
-            <a:r>
-              <a:rPr lang="en-US" sz="2000" b="1" dirty="0" smtClean="0"/>
-              <a:t> </a:t>
-            </a:r>
-            <a:r>
-              <a:rPr lang="en-US" sz="2000" b="1" dirty="0" smtClean="0">
-                <a:solidFill>
-                  <a:schemeClr val="accent1">
-                    <a:lumMod val="75000"/>
-                  </a:schemeClr>
-                </a:solidFill>
-              </a:rPr>
-              <a:t>function</a:t>
-            </a:r>
-            <a:r>
-              <a:rPr lang="en-US" sz="2000" dirty="0" smtClean="0"/>
-              <a:t> </a:t>
-            </a:r>
-            <a:r>
-              <a:rPr lang="en-US" sz="2000" b="1" dirty="0" err="1" smtClean="0"/>
-              <a:t>warnUser</a:t>
-            </a:r>
-            <a:r>
-              <a:rPr lang="en-US" sz="2000" dirty="0" smtClean="0"/>
-              <a:t>():  </a:t>
-            </a:r>
-            <a:r>
-              <a:rPr lang="en-US" sz="2000" b="1" dirty="0" smtClean="0">
-                <a:solidFill>
-                  <a:srgbClr val="00B050"/>
-                </a:solidFill>
-              </a:rPr>
-              <a:t>void</a:t>
-            </a:r>
-            <a:r>
-              <a:rPr lang="en-US" sz="2000" dirty="0" smtClean="0"/>
-              <a:t> { </a:t>
-            </a:r>
-          </a:p>
-          <a:p>
-            <a:pPr>
-              <a:buNone/>
-            </a:pPr>
-            <a:r>
-              <a:rPr lang="en-US" sz="2000" dirty="0" smtClean="0"/>
-              <a:t>		</a:t>
-            </a:r>
-            <a:r>
-              <a:rPr lang="en-US" sz="2000" dirty="0" smtClean="0">
-                <a:solidFill>
-                  <a:srgbClr val="00B050"/>
-                </a:solidFill>
-              </a:rPr>
-              <a:t>console</a:t>
-            </a:r>
-            <a:r>
-              <a:rPr lang="en-US" sz="2000" dirty="0" smtClean="0">
-                <a:solidFill>
-                  <a:schemeClr val="tx2"/>
-                </a:solidFill>
-              </a:rPr>
-              <a:t>.log</a:t>
-            </a:r>
-            <a:r>
-              <a:rPr lang="en-US" sz="2000" dirty="0" smtClean="0"/>
-              <a:t>("This is my warning message"); </a:t>
-            </a:r>
-          </a:p>
-          <a:p>
-            <a:pPr>
-              <a:buNone/>
-            </a:pPr>
-            <a:r>
-              <a:rPr lang="en-US" sz="2000" dirty="0" smtClean="0"/>
-              <a:t>	}</a:t>
-            </a:r>
-            <a:endParaRPr lang="he-IL" sz="2000" dirty="0">
-              <a:solidFill>
-                <a:schemeClr val="accent1">
-                  <a:lumMod val="75000"/>
-                </a:schemeClr>
-              </a:solidFill>
-            </a:endParaRPr>
+          <a:bodyPr>
+            <a:normAutofit/>
+          </a:bodyPr>
+          <a:lstStyle/>
+          <a:p>
+            <a:r>
+              <a:rPr lang="en-US" sz="3200" dirty="0"/>
+              <a:t>Interfaces provide a way to define the expected structure of the variable.</a:t>
+            </a:r>
+          </a:p>
+          <a:p>
+            <a:r>
+              <a:rPr lang="en-US" sz="3200" dirty="0"/>
+              <a:t>Unlike static languages, there is no need to explicitly implement the interface – only match the interface structure (</a:t>
+            </a:r>
+            <a:r>
+              <a:rPr lang="en-US" sz="3200" b="1" dirty="0"/>
+              <a:t>“duck</a:t>
+            </a:r>
+            <a:r>
+              <a:rPr lang="en-US" sz="3200" dirty="0"/>
+              <a:t> typing</a:t>
+            </a:r>
+            <a:r>
+              <a:rPr lang="en-US" sz="3200" b="1" dirty="0"/>
+              <a:t>”</a:t>
+            </a:r>
+            <a:r>
+              <a:rPr lang="en-US" sz="3200" dirty="0"/>
+              <a:t>).</a:t>
+            </a:r>
+          </a:p>
+          <a:p>
+            <a:r>
+              <a:rPr lang="en-US" sz="3200" dirty="0"/>
+              <a:t> Interfaces have no equivalent in JavaScript.</a:t>
+            </a:r>
+            <a:endParaRPr lang="he-IL" sz="3200" dirty="0"/>
           </a:p>
         </p:txBody>
       </p:sp>
@@ -8134,7 +7685,7 @@
           <a:lstStyle/>
           <a:p>
             <a:r>
-              <a:rPr lang="en-US" smtClean="0"/>
+              <a:rPr lang="en-US"/>
               <a:t>Israel Zablianov ©  2018</a:t>
             </a:r>
             <a:endParaRPr lang="he-IL"/>

--- a/Introduction to TypeScript.pptx
+++ b/Introduction to TypeScript.pptx
@@ -232,7 +232,7 @@
             <a:fld id="{8BE0CD9D-25F7-49FF-A77B-FEDF2B970EDC}" type="datetimeFigureOut">
               <a:rPr lang="he-IL" smtClean="0"/>
               <a:pPr/>
-              <a:t>י"ב/כסלו/תשע"ט</a:t>
+              <a:t>ו'.אב.תשפ"א</a:t>
             </a:fld>
             <a:endParaRPr lang="he-IL"/>
           </a:p>
@@ -4430,7 +4430,7 @@
         <p:spPr/>
         <p:txBody>
           <a:bodyPr>
-            <a:normAutofit/>
+            <a:normAutofit fontScale="77500" lnSpcReduction="20000"/>
           </a:bodyPr>
           <a:lstStyle/>
           <a:p>
@@ -4499,7 +4499,35 @@
             </a:pPr>
             <a:r>
               <a:rPr lang="en-US" dirty="0"/>
-              <a:t>		color = </a:t>
+              <a:t>		</a:t>
+            </a:r>
+            <a:r>
+              <a:rPr lang="en-US" dirty="0">
+                <a:solidFill>
+                  <a:schemeClr val="accent1">
+                    <a:lumMod val="75000"/>
+                  </a:schemeClr>
+                </a:solidFill>
+              </a:rPr>
+              <a:t>private</a:t>
+            </a:r>
+            <a:r>
+              <a:rPr lang="en-US" dirty="0"/>
+              <a:t> color: </a:t>
+            </a:r>
+            <a:r>
+              <a:rPr lang="en-US" dirty="0">
+                <a:solidFill>
+                  <a:schemeClr val="accent3">
+                    <a:lumMod val="75000"/>
+                  </a:schemeClr>
+                </a:solidFill>
+              </a:rPr>
+              <a:t>string</a:t>
+            </a:r>
+            <a:r>
+              <a:rPr lang="en-US" dirty="0"/>
+              <a:t> = </a:t>
             </a:r>
             <a:r>
               <a:rPr lang="en-US" dirty="0">
@@ -4522,7 +4550,35 @@
             </a:pPr>
             <a:r>
               <a:rPr lang="en-US" dirty="0"/>
-              <a:t>		name = </a:t>
+              <a:t>		</a:t>
+            </a:r>
+            <a:r>
+              <a:rPr lang="en-US" dirty="0">
+                <a:solidFill>
+                  <a:schemeClr val="accent1">
+                    <a:lumMod val="75000"/>
+                  </a:schemeClr>
+                </a:solidFill>
+              </a:rPr>
+              <a:t>private</a:t>
+            </a:r>
+            <a:r>
+              <a:rPr lang="en-US" dirty="0"/>
+              <a:t> name: </a:t>
+            </a:r>
+            <a:r>
+              <a:rPr lang="en-US" dirty="0">
+                <a:solidFill>
+                  <a:schemeClr val="accent3">
+                    <a:lumMod val="75000"/>
+                  </a:schemeClr>
+                </a:solidFill>
+              </a:rPr>
+              <a:t>string</a:t>
+            </a:r>
+            <a:r>
+              <a:rPr lang="en-US" dirty="0"/>
+              <a:t> = </a:t>
             </a:r>
             <a:r>
               <a:rPr lang="en-US" dirty="0">
@@ -4543,6 +4599,12 @@
             <a:pPr>
               <a:buNone/>
             </a:pPr>
+            <a:endParaRPr lang="en-US" dirty="0"/>
+          </a:p>
+          <a:p>
+            <a:pPr>
+              <a:buNone/>
+            </a:pPr>
             <a:r>
               <a:rPr lang="en-US" dirty="0"/>
               <a:t>		</a:t>
@@ -4626,7 +4688,7 @@
               <a:t>			</a:t>
             </a:r>
             <a:r>
-              <a:rPr lang="en-US" dirty="0">
+              <a:rPr lang="en-US" dirty="0" err="1">
                 <a:solidFill>
                   <a:schemeClr val="accent1">
                     <a:lumMod val="75000"/>
@@ -4636,8 +4698,87 @@
               <a:t>this</a:t>
             </a:r>
             <a:r>
-              <a:rPr lang="en-US" dirty="0"/>
-              <a:t>.name = name;</a:t>
+              <a:rPr lang="en-US" dirty="0" err="1"/>
+              <a:t>.name</a:t>
+            </a:r>
+            <a:r>
+              <a:rPr lang="en-US" dirty="0"/>
+              <a:t> = name;</a:t>
+            </a:r>
+          </a:p>
+          <a:p>
+            <a:pPr>
+              <a:buNone/>
+            </a:pPr>
+            <a:r>
+              <a:rPr lang="en-US" dirty="0"/>
+              <a:t>		}</a:t>
+            </a:r>
+          </a:p>
+          <a:p>
+            <a:pPr>
+              <a:buNone/>
+            </a:pPr>
+            <a:endParaRPr lang="he-IL" dirty="0"/>
+          </a:p>
+          <a:p>
+            <a:pPr>
+              <a:buNone/>
+            </a:pPr>
+            <a:r>
+              <a:rPr lang="he-IL" dirty="0"/>
+              <a:t>		</a:t>
+            </a:r>
+            <a:r>
+              <a:rPr lang="en-US" dirty="0">
+                <a:solidFill>
+                  <a:schemeClr val="accent1">
+                    <a:lumMod val="75000"/>
+                  </a:schemeClr>
+                </a:solidFill>
+              </a:rPr>
+              <a:t>public</a:t>
+            </a:r>
+            <a:r>
+              <a:rPr lang="en-US" dirty="0"/>
+              <a:t> bark(): </a:t>
+            </a:r>
+            <a:r>
+              <a:rPr lang="en-US" dirty="0">
+                <a:solidFill>
+                  <a:schemeClr val="accent3">
+                    <a:lumMod val="75000"/>
+                  </a:schemeClr>
+                </a:solidFill>
+              </a:rPr>
+              <a:t>void</a:t>
+            </a:r>
+            <a:r>
+              <a:rPr lang="en-US" dirty="0"/>
+              <a:t> { </a:t>
+            </a:r>
+          </a:p>
+          <a:p>
+            <a:pPr>
+              <a:buNone/>
+            </a:pPr>
+            <a:r>
+              <a:rPr lang="en-US" dirty="0"/>
+              <a:t>			</a:t>
+            </a:r>
+            <a:r>
+              <a:rPr lang="en-US" dirty="0">
+                <a:solidFill>
+                  <a:schemeClr val="accent1">
+                    <a:lumMod val="75000"/>
+                  </a:schemeClr>
+                </a:solidFill>
+              </a:rPr>
+              <a:t>alert</a:t>
+            </a:r>
+            <a:r>
+              <a:rPr lang="en-US" dirty="0"/>
+              <a:t>(“woof!”);</a:t>
             </a:r>
           </a:p>
           <a:p>
@@ -4875,19 +5016,6 @@
               <a:t>Class inheritance is done via the extends keyword.</a:t>
             </a:r>
           </a:p>
-          <a:p>
-            <a:r>
-              <a:rPr lang="en-US" sz="2800" dirty="0"/>
-              <a:t>Inheritance is based on prototype inheritance.</a:t>
-            </a:r>
-          </a:p>
-          <a:p>
-            <a:r>
-              <a:rPr lang="en-US" sz="2800" dirty="0"/>
-              <a:t>Interface implementation is done via the implements keyword.</a:t>
-            </a:r>
-            <a:endParaRPr lang="he-IL" sz="2800" dirty="0"/>
-          </a:p>
         </p:txBody>
       </p:sp>
       <p:sp>
@@ -5253,7 +5381,7 @@
             </a:pPr>
             <a:r>
               <a:rPr lang="en-US" dirty="0"/>
-              <a:t>There are several ways to define function type</a:t>
+              <a:t>There are several ways to define a function type</a:t>
             </a:r>
           </a:p>
           <a:p>
@@ -5301,7 +5429,7 @@
         </p:blipFill>
         <p:spPr bwMode="auto">
           <a:xfrm>
-            <a:off x="539552" y="4941168"/>
+            <a:off x="539552" y="4188705"/>
             <a:ext cx="8345487" cy="1371600"/>
           </a:xfrm>
           <a:prstGeom prst="rect">
@@ -5327,34 +5455,8 @@
         </p:blipFill>
         <p:spPr bwMode="auto">
           <a:xfrm>
-            <a:off x="539552" y="2132856"/>
-            <a:ext cx="6630987" cy="1028700"/>
-          </a:xfrm>
-          <a:prstGeom prst="rect">
-            <a:avLst/>
-          </a:prstGeom>
-          <a:noFill/>
-        </p:spPr>
-      </p:pic>
-      <p:pic>
-        <p:nvPicPr>
-          <p:cNvPr id="6148" name="Picture 4" descr="C:\Users\israel\Desktop\sum2.PNG"/>
-          <p:cNvPicPr>
-            <a:picLocks noChangeAspect="1" noChangeArrowheads="1"/>
-          </p:cNvPicPr>
-          <p:nvPr/>
-        </p:nvPicPr>
-        <p:blipFill>
-          <a:blip r:embed="rId4" cstate="print"/>
-          <a:srcRect/>
-          <a:stretch>
-            <a:fillRect/>
-          </a:stretch>
-        </p:blipFill>
-        <p:spPr bwMode="auto">
-          <a:xfrm>
-            <a:off x="539552" y="4221088"/>
-            <a:ext cx="8393113" cy="590550"/>
+            <a:off x="539552" y="2132855"/>
+            <a:ext cx="6630987" cy="1037531"/>
           </a:xfrm>
           <a:prstGeom prst="rect">
             <a:avLst/>
@@ -5371,7 +5473,7 @@
           <p:nvPr/>
         </p:nvPicPr>
         <p:blipFill>
-          <a:blip r:embed="rId5" cstate="print"/>
+          <a:blip r:embed="rId4" cstate="print"/>
           <a:srcRect/>
           <a:stretch>
             <a:fillRect/>
@@ -5386,6 +5488,42 @@
             <a:avLst/>
           </a:prstGeom>
           <a:noFill/>
+        </p:spPr>
+      </p:pic>
+      <p:pic>
+        <p:nvPicPr>
+          <p:cNvPr id="6" name="Picture 5">
+            <a:extLst>
+              <a:ext uri="{FF2B5EF4-FFF2-40B4-BE49-F238E27FC236}">
+                <a16:creationId xmlns:a16="http://schemas.microsoft.com/office/drawing/2014/main" id="{36ADAB14-C390-CE44-8E38-C59ED937C491}"/>
+              </a:ext>
+            </a:extLst>
+          </p:cNvPr>
+          <p:cNvPicPr>
+            <a:picLocks noChangeAspect="1"/>
+          </p:cNvPicPr>
+          <p:nvPr/>
+        </p:nvPicPr>
+        <p:blipFill>
+          <a:blip r:embed="rId5">
+            <a:extLst>
+              <a:ext uri="{28A0092B-C50C-407E-A947-70E740481C1C}">
+                <a14:useLocalDpi xmlns:a14="http://schemas.microsoft.com/office/drawing/2010/main" val="0"/>
+              </a:ext>
+            </a:extLst>
+          </a:blip>
+          <a:stretch>
+            <a:fillRect/>
+          </a:stretch>
+        </p:blipFill>
+        <p:spPr>
+          <a:xfrm>
+            <a:off x="539552" y="5763368"/>
+            <a:ext cx="4440088" cy="440683"/>
+          </a:xfrm>
+          <a:prstGeom prst="rect">
+            <a:avLst/>
+          </a:prstGeom>
         </p:spPr>
       </p:pic>
     </p:spTree>
@@ -5432,7 +5570,7 @@
           <a:p>
             <a:r>
               <a:rPr lang="en-US" sz="3800" dirty="0"/>
-              <a:t>Functions  optional &amp; default parameters</a:t>
+              <a:t>Functions optional &amp; default parameters</a:t>
             </a:r>
             <a:endParaRPr lang="he-IL" sz="3800" dirty="0"/>
           </a:p>
@@ -5455,51 +5593,51 @@
           </a:bodyPr>
           <a:lstStyle/>
           <a:p>
+            <a:pPr marL="0" indent="0">
+              <a:buNone/>
+            </a:pPr>
             <a:r>
               <a:rPr lang="en-US" sz="2000" dirty="0"/>
-              <a:t>In TypeScript, every parameter is assumed to be required by the</a:t>
-            </a:r>
-          </a:p>
-          <a:p>
-            <a:r>
-              <a:rPr lang="en-US" sz="2000" dirty="0"/>
-              <a:t>function.</a:t>
-            </a:r>
-          </a:p>
-          <a:p>
+              <a:t>In TypeScript, every parameter is assumed to be required by the function.</a:t>
+            </a:r>
+          </a:p>
+          <a:p>
+            <a:pPr marL="0" indent="0">
+              <a:buNone/>
+            </a:pPr>
             <a:r>
               <a:rPr lang="en-US" sz="2000" dirty="0"/>
               <a:t>This doesn’t mean that it can’t be given null or undefined.</a:t>
             </a:r>
           </a:p>
           <a:p>
+            <a:pPr marL="0" indent="0">
+              <a:buNone/>
+            </a:pPr>
+            <a:endParaRPr lang="en-US" sz="2000" dirty="0"/>
+          </a:p>
+          <a:p>
+            <a:pPr marL="0" indent="0">
+              <a:buNone/>
+            </a:pPr>
             <a:r>
               <a:rPr lang="en-US" sz="2000" dirty="0"/>
-              <a:t>The compiler also assumes that these parameters are the only</a:t>
-            </a:r>
-          </a:p>
-          <a:p>
+              <a:t>The compiler also assumes that these parameters are the only parameters that will be passed to the function. </a:t>
+            </a:r>
+          </a:p>
+          <a:p>
+            <a:pPr marL="0" indent="0">
+              <a:buNone/>
+            </a:pPr>
+            <a:endParaRPr lang="en-US" sz="2000" dirty="0"/>
+          </a:p>
+          <a:p>
+            <a:pPr marL="0" indent="0">
+              <a:buNone/>
+            </a:pPr>
             <a:r>
               <a:rPr lang="en-US" sz="2000" dirty="0"/>
-              <a:t>parameters</a:t>
-            </a:r>
-          </a:p>
-          <a:p>
-            <a:r>
-              <a:rPr lang="en-US" sz="2000" dirty="0"/>
-              <a:t>that will be passed to the function. </a:t>
-            </a:r>
-          </a:p>
-          <a:p>
-            <a:r>
-              <a:rPr lang="en-US" sz="2000" dirty="0"/>
-              <a:t>In short, the number of arguments given to a function has to</a:t>
-            </a:r>
-          </a:p>
-          <a:p>
-            <a:r>
-              <a:rPr lang="en-US" sz="2000" dirty="0"/>
-              <a:t>match the number of parameters the function expects.</a:t>
+              <a:t>In short, the number of arguments given to a function must match the number of parameters the function expects.</a:t>
             </a:r>
           </a:p>
         </p:txBody>
@@ -5749,30 +5887,45 @@
           </a:bodyPr>
           <a:lstStyle/>
           <a:p>
+            <a:pPr marL="0" indent="0">
+              <a:buNone/>
+            </a:pPr>
             <a:r>
               <a:rPr lang="en-US" sz="2000" dirty="0"/>
               <a:t>In JavaScript, every parameter is optional, and users may leave them off as</a:t>
             </a:r>
           </a:p>
           <a:p>
+            <a:pPr marL="0" indent="0">
+              <a:buNone/>
+            </a:pPr>
             <a:r>
               <a:rPr lang="en-US" sz="2000" dirty="0"/>
               <a:t>they see fit. </a:t>
             </a:r>
           </a:p>
           <a:p>
+            <a:pPr marL="0" indent="0">
+              <a:buNone/>
+            </a:pPr>
             <a:r>
               <a:rPr lang="en-US" sz="2000" dirty="0"/>
               <a:t>When they do, their value is undefined. </a:t>
             </a:r>
           </a:p>
           <a:p>
+            <a:pPr marL="0" indent="0">
+              <a:buNone/>
+            </a:pPr>
             <a:r>
               <a:rPr lang="en-US" sz="2000" dirty="0"/>
               <a:t>We can get this functionality in TypeScript by adding a ? to the end of</a:t>
             </a:r>
           </a:p>
           <a:p>
+            <a:pPr marL="0" indent="0">
+              <a:buNone/>
+            </a:pPr>
             <a:r>
               <a:rPr lang="en-US" sz="2000" dirty="0"/>
               <a:t>parameters we want to be optional. </a:t>
@@ -5915,12 +6068,25 @@
           </a:bodyPr>
           <a:lstStyle/>
           <a:p>
+            <a:pPr marL="0" indent="0">
+              <a:buNone/>
+            </a:pPr>
             <a:r>
               <a:rPr lang="en-US" sz="2000" dirty="0"/>
               <a:t>In TypeScript, we can also set a value that a parameter will be assigned if the user does not provide one, or if the user passes undefined in its place.</a:t>
             </a:r>
-          </a:p>
-          <a:p>
+            <a:endParaRPr lang="he-IL" sz="2000" dirty="0"/>
+          </a:p>
+          <a:p>
+            <a:pPr marL="0" indent="0">
+              <a:buNone/>
+            </a:pPr>
+            <a:endParaRPr lang="he-IL" sz="2000" dirty="0"/>
+          </a:p>
+          <a:p>
+            <a:pPr marL="0" indent="0">
+              <a:buNone/>
+            </a:pPr>
             <a:r>
               <a:rPr lang="en-US" sz="2000" dirty="0"/>
               <a:t>These are called default-initialized parameters. </a:t>
@@ -5981,7 +6147,7 @@
         </p:blipFill>
         <p:spPr bwMode="auto">
           <a:xfrm>
-            <a:off x="539552" y="3717032"/>
+            <a:off x="462379" y="4149080"/>
             <a:ext cx="8240712" cy="1504950"/>
           </a:xfrm>
           <a:prstGeom prst="rect">
@@ -6057,7 +6223,7 @@
           <a:p>
             <a:r>
               <a:rPr lang="en-US" sz="2000" dirty="0"/>
-              <a:t>A major part of software engineering is building components that not only have well-defined and consistent APIs, but are also reusable. </a:t>
+              <a:t>A major part of software engineering is building components that not only have well-defined and consistent APIs but are also reusable. </a:t>
             </a:r>
           </a:p>
           <a:p>
@@ -6068,20 +6234,20 @@
           </a:p>
           <a:p>
             <a:r>
-              <a:rPr lang="en-US" sz="2000" dirty="0" err="1"/>
-              <a:t>TypeScript’s</a:t>
-            </a:r>
-            <a:r>
               <a:rPr lang="en-US" sz="2000" dirty="0"/>
-              <a:t> generics does not </a:t>
+              <a:t>TypeScript’s generics does not </a:t>
             </a:r>
             <a:r>
               <a:rPr lang="en-US" sz="2000" dirty="0" err="1"/>
               <a:t>transpile</a:t>
             </a:r>
             <a:r>
+              <a:rPr lang="he-IL" sz="2000" dirty="0"/>
+              <a:t> </a:t>
+            </a:r>
+            <a:r>
               <a:rPr lang="en-US" sz="2000" dirty="0"/>
-              <a:t> to anything special than a regular object.</a:t>
+              <a:t>(compile) to anything special than a regular object.</a:t>
             </a:r>
             <a:endParaRPr lang="he-IL" sz="2000" dirty="0"/>
           </a:p>
@@ -6204,13 +6370,13 @@
           <a:lstStyle/>
           <a:p>
             <a:r>
-              <a:rPr lang="en-US" sz="2000" dirty="0"/>
+              <a:rPr lang="en-US" sz="1600" dirty="0"/>
               <a:t>Sometimes you want to write a generic function or class that works on a set of types where you have some knowledge about what capabilities that set of types will have.</a:t>
             </a:r>
           </a:p>
           <a:p>
             <a:r>
-              <a:rPr lang="en-US" sz="2000" dirty="0"/>
+              <a:rPr lang="en-US" sz="1600" dirty="0"/>
               <a:t>The generic type can have constraints which will allow only specific types to be used as the types.</a:t>
             </a:r>
           </a:p>
@@ -6265,8 +6431,8 @@
         </p:blipFill>
         <p:spPr bwMode="auto">
           <a:xfrm>
-            <a:off x="683568" y="3284984"/>
-            <a:ext cx="7602538" cy="3096343"/>
+            <a:off x="683568" y="2780928"/>
+            <a:ext cx="7602538" cy="3600399"/>
           </a:xfrm>
           <a:prstGeom prst="rect">
             <a:avLst/>
